--- a/hostedfiles/datacrashcourse.pptx
+++ b/hostedfiles/datacrashcourse.pptx
@@ -8472,9 +8472,177 @@
           </a:p>
         </p:txBody>
       </p:sp>
+      <p:sp>
+        <p:nvSpPr>
+          <p:cNvPr id="25" name="Smiley Face 24"/>
+          <p:cNvSpPr/>
+          <p:nvPr/>
+        </p:nvSpPr>
+        <p:spPr>
+          <a:xfrm>
+            <a:off x="47994" y="3406019"/>
+            <a:ext cx="654835" cy="677068"/>
+          </a:xfrm>
+          <a:prstGeom prst="smileyFace">
+            <a:avLst/>
+          </a:prstGeom>
+          <a:solidFill>
+            <a:schemeClr val="accent2"/>
+          </a:solidFill>
+          <a:ln>
+            <a:solidFill>
+              <a:schemeClr val="tx1"/>
+            </a:solidFill>
+          </a:ln>
+        </p:spPr>
+        <p:style>
+          <a:lnRef idx="2">
+            <a:schemeClr val="accent1">
+              <a:shade val="50000"/>
+            </a:schemeClr>
+          </a:lnRef>
+          <a:fillRef idx="1">
+            <a:schemeClr val="accent1"/>
+          </a:fillRef>
+          <a:effectRef idx="0">
+            <a:schemeClr val="accent1"/>
+          </a:effectRef>
+          <a:fontRef idx="minor">
+            <a:schemeClr val="lt1"/>
+          </a:fontRef>
+        </p:style>
+        <p:txBody>
+          <a:bodyPr rtlCol="0" anchor="ctr"/>
+          <a:lstStyle/>
+          <a:p>
+            <a:pPr algn="ctr"/>
+            <a:endParaRPr lang="en-US"/>
+          </a:p>
+        </p:txBody>
+      </p:sp>
+      <p:cxnSp>
+        <p:nvCxnSpPr>
+          <p:cNvPr id="27" name="Straight Connector 26"/>
+          <p:cNvCxnSpPr>
+            <a:stCxn id="25" idx="5"/>
+          </p:cNvCxnSpPr>
+          <p:nvPr/>
+        </p:nvCxnSpPr>
+        <p:spPr>
+          <a:xfrm>
+            <a:off x="606931" y="3983933"/>
+            <a:ext cx="682373" cy="1868613"/>
+          </a:xfrm>
+          <a:prstGeom prst="line">
+            <a:avLst/>
+          </a:prstGeom>
+          <a:ln w="12700">
+            <a:solidFill>
+              <a:schemeClr val="tx1"/>
+            </a:solidFill>
+          </a:ln>
+        </p:spPr>
+        <p:style>
+          <a:lnRef idx="1">
+            <a:schemeClr val="accent1"/>
+          </a:lnRef>
+          <a:fillRef idx="0">
+            <a:schemeClr val="accent1"/>
+          </a:fillRef>
+          <a:effectRef idx="0">
+            <a:schemeClr val="accent1"/>
+          </a:effectRef>
+          <a:fontRef idx="minor">
+            <a:schemeClr val="tx1"/>
+          </a:fontRef>
+        </p:style>
+      </p:cxnSp>
+      <p:cxnSp>
+        <p:nvCxnSpPr>
+          <p:cNvPr id="28" name="Straight Connector 27"/>
+          <p:cNvCxnSpPr>
+            <a:stCxn id="25" idx="5"/>
+          </p:cNvCxnSpPr>
+          <p:nvPr/>
+        </p:nvCxnSpPr>
+        <p:spPr>
+          <a:xfrm flipV="1">
+            <a:off x="606931" y="3897778"/>
+            <a:ext cx="988189" cy="86155"/>
+          </a:xfrm>
+          <a:prstGeom prst="line">
+            <a:avLst/>
+          </a:prstGeom>
+          <a:ln w="12700">
+            <a:solidFill>
+              <a:schemeClr val="tx1"/>
+            </a:solidFill>
+          </a:ln>
+        </p:spPr>
+        <p:style>
+          <a:lnRef idx="1">
+            <a:schemeClr val="accent1"/>
+          </a:lnRef>
+          <a:fillRef idx="0">
+            <a:schemeClr val="accent1"/>
+          </a:fillRef>
+          <a:effectRef idx="0">
+            <a:schemeClr val="accent1"/>
+          </a:effectRef>
+          <a:fontRef idx="minor">
+            <a:schemeClr val="tx1"/>
+          </a:fontRef>
+        </p:style>
+      </p:cxnSp>
+      <p:sp>
+        <p:nvSpPr>
+          <p:cNvPr id="35" name="Rounded Rectangle 34"/>
+          <p:cNvSpPr/>
+          <p:nvPr/>
+        </p:nvSpPr>
+        <p:spPr>
+          <a:xfrm>
+            <a:off x="1289304" y="3897778"/>
+            <a:ext cx="6625336" cy="2249022"/>
+          </a:xfrm>
+          <a:prstGeom prst="roundRect">
+            <a:avLst/>
+          </a:prstGeom>
+          <a:noFill/>
+          <a:ln>
+            <a:solidFill>
+              <a:schemeClr val="tx1"/>
+            </a:solidFill>
+          </a:ln>
+        </p:spPr>
+        <p:style>
+          <a:lnRef idx="2">
+            <a:schemeClr val="accent1">
+              <a:shade val="50000"/>
+            </a:schemeClr>
+          </a:lnRef>
+          <a:fillRef idx="1">
+            <a:schemeClr val="accent1"/>
+          </a:fillRef>
+          <a:effectRef idx="0">
+            <a:schemeClr val="accent1"/>
+          </a:effectRef>
+          <a:fontRef idx="minor">
+            <a:schemeClr val="lt1"/>
+          </a:fontRef>
+        </p:style>
+        <p:txBody>
+          <a:bodyPr rtlCol="0" anchor="ctr"/>
+          <a:lstStyle/>
+          <a:p>
+            <a:pPr algn="ctr"/>
+            <a:endParaRPr lang="en-US"/>
+          </a:p>
+        </p:txBody>
+      </p:sp>
       <p:pic>
         <p:nvPicPr>
-          <p:cNvPr id="2050" name="Picture 2" descr="mage result for fruit salad"/>
+          <p:cNvPr id="39" name="Picture 2" descr="mage result for fruit salad"/>
           <p:cNvPicPr>
             <a:picLocks noChangeAspect="1" noChangeArrowheads="1"/>
           </p:cNvPicPr>
@@ -8526,174 +8694,6 @@
           </a:extLst>
         </p:spPr>
       </p:pic>
-      <p:sp>
-        <p:nvSpPr>
-          <p:cNvPr id="25" name="Smiley Face 24"/>
-          <p:cNvSpPr/>
-          <p:nvPr/>
-        </p:nvSpPr>
-        <p:spPr>
-          <a:xfrm>
-            <a:off x="47994" y="3406019"/>
-            <a:ext cx="654835" cy="677068"/>
-          </a:xfrm>
-          <a:prstGeom prst="smileyFace">
-            <a:avLst/>
-          </a:prstGeom>
-          <a:solidFill>
-            <a:schemeClr val="accent2"/>
-          </a:solidFill>
-          <a:ln>
-            <a:solidFill>
-              <a:schemeClr val="tx1"/>
-            </a:solidFill>
-          </a:ln>
-        </p:spPr>
-        <p:style>
-          <a:lnRef idx="2">
-            <a:schemeClr val="accent1">
-              <a:shade val="50000"/>
-            </a:schemeClr>
-          </a:lnRef>
-          <a:fillRef idx="1">
-            <a:schemeClr val="accent1"/>
-          </a:fillRef>
-          <a:effectRef idx="0">
-            <a:schemeClr val="accent1"/>
-          </a:effectRef>
-          <a:fontRef idx="minor">
-            <a:schemeClr val="lt1"/>
-          </a:fontRef>
-        </p:style>
-        <p:txBody>
-          <a:bodyPr rtlCol="0" anchor="ctr"/>
-          <a:lstStyle/>
-          <a:p>
-            <a:pPr algn="ctr"/>
-            <a:endParaRPr lang="en-US"/>
-          </a:p>
-        </p:txBody>
-      </p:sp>
-      <p:cxnSp>
-        <p:nvCxnSpPr>
-          <p:cNvPr id="27" name="Straight Connector 26"/>
-          <p:cNvCxnSpPr>
-            <a:stCxn id="25" idx="5"/>
-          </p:cNvCxnSpPr>
-          <p:nvPr/>
-        </p:nvCxnSpPr>
-        <p:spPr>
-          <a:xfrm>
-            <a:off x="606931" y="3983933"/>
-            <a:ext cx="682373" cy="1868613"/>
-          </a:xfrm>
-          <a:prstGeom prst="line">
-            <a:avLst/>
-          </a:prstGeom>
-          <a:ln w="12700">
-            <a:solidFill>
-              <a:schemeClr val="tx1"/>
-            </a:solidFill>
-          </a:ln>
-        </p:spPr>
-        <p:style>
-          <a:lnRef idx="1">
-            <a:schemeClr val="accent1"/>
-          </a:lnRef>
-          <a:fillRef idx="0">
-            <a:schemeClr val="accent1"/>
-          </a:fillRef>
-          <a:effectRef idx="0">
-            <a:schemeClr val="accent1"/>
-          </a:effectRef>
-          <a:fontRef idx="minor">
-            <a:schemeClr val="tx1"/>
-          </a:fontRef>
-        </p:style>
-      </p:cxnSp>
-      <p:cxnSp>
-        <p:nvCxnSpPr>
-          <p:cNvPr id="28" name="Straight Connector 27"/>
-          <p:cNvCxnSpPr>
-            <a:stCxn id="25" idx="5"/>
-          </p:cNvCxnSpPr>
-          <p:nvPr/>
-        </p:nvCxnSpPr>
-        <p:spPr>
-          <a:xfrm flipV="1">
-            <a:off x="606931" y="3897778"/>
-            <a:ext cx="988189" cy="86155"/>
-          </a:xfrm>
-          <a:prstGeom prst="line">
-            <a:avLst/>
-          </a:prstGeom>
-          <a:ln w="12700">
-            <a:solidFill>
-              <a:schemeClr val="tx1"/>
-            </a:solidFill>
-          </a:ln>
-        </p:spPr>
-        <p:style>
-          <a:lnRef idx="1">
-            <a:schemeClr val="accent1"/>
-          </a:lnRef>
-          <a:fillRef idx="0">
-            <a:schemeClr val="accent1"/>
-          </a:fillRef>
-          <a:effectRef idx="0">
-            <a:schemeClr val="accent1"/>
-          </a:effectRef>
-          <a:fontRef idx="minor">
-            <a:schemeClr val="tx1"/>
-          </a:fontRef>
-        </p:style>
-      </p:cxnSp>
-      <p:sp>
-        <p:nvSpPr>
-          <p:cNvPr id="35" name="Rounded Rectangle 34"/>
-          <p:cNvSpPr/>
-          <p:nvPr/>
-        </p:nvSpPr>
-        <p:spPr>
-          <a:xfrm>
-            <a:off x="1289304" y="3897778"/>
-            <a:ext cx="6625336" cy="2249022"/>
-          </a:xfrm>
-          <a:prstGeom prst="roundRect">
-            <a:avLst/>
-          </a:prstGeom>
-          <a:noFill/>
-          <a:ln>
-            <a:solidFill>
-              <a:schemeClr val="tx1"/>
-            </a:solidFill>
-          </a:ln>
-        </p:spPr>
-        <p:style>
-          <a:lnRef idx="2">
-            <a:schemeClr val="accent1">
-              <a:shade val="50000"/>
-            </a:schemeClr>
-          </a:lnRef>
-          <a:fillRef idx="1">
-            <a:schemeClr val="accent1"/>
-          </a:fillRef>
-          <a:effectRef idx="0">
-            <a:schemeClr val="accent1"/>
-          </a:effectRef>
-          <a:fontRef idx="minor">
-            <a:schemeClr val="lt1"/>
-          </a:fontRef>
-        </p:style>
-        <p:txBody>
-          <a:bodyPr rtlCol="0" anchor="ctr"/>
-          <a:lstStyle/>
-          <a:p>
-            <a:pPr algn="ctr"/>
-            <a:endParaRPr lang="en-US"/>
-          </a:p>
-        </p:txBody>
-      </p:sp>
     </p:spTree>
     <p:extLst>
       <p:ext uri="{BB962C8B-B14F-4D97-AF65-F5344CB8AC3E}">
@@ -8765,7 +8765,7 @@
                                           </p:stCondLst>
                                         </p:cTn>
                                         <p:tgtEl>
-                                          <p:spTgt spid="2050"/>
+                                          <p:spTgt spid="39"/>
                                         </p:tgtEl>
                                         <p:attrNameLst>
                                           <p:attrName>style.visibility</p:attrName>
@@ -9707,9 +9707,147 @@
           </a:p>
         </p:txBody>
       </p:sp>
+      <p:sp>
+        <p:nvSpPr>
+          <p:cNvPr id="26" name="TextBox 25"/>
+          <p:cNvSpPr txBox="1"/>
+          <p:nvPr/>
+        </p:nvSpPr>
+        <p:spPr>
+          <a:xfrm>
+            <a:off x="8992957" y="5233836"/>
+            <a:ext cx="2932204" cy="1107996"/>
+          </a:xfrm>
+          <a:prstGeom prst="rect">
+            <a:avLst/>
+          </a:prstGeom>
+          <a:noFill/>
+        </p:spPr>
+        <p:txBody>
+          <a:bodyPr wrap="square" rtlCol="0">
+            <a:spAutoFit/>
+          </a:bodyPr>
+          <a:lstStyle/>
+          <a:p>
+            <a:pPr algn="ctr"/>
+            <a:r>
+              <a:rPr lang="en-US" sz="2200" dirty="0" smtClean="0"/>
+              <a:t>cheap</a:t>
+            </a:r>
+          </a:p>
+          <a:p>
+            <a:pPr algn="ctr"/>
+            <a:r>
+              <a:rPr lang="en-US" sz="2200" dirty="0" smtClean="0"/>
+              <a:t>many individuals</a:t>
+            </a:r>
+          </a:p>
+          <a:p>
+            <a:pPr algn="ctr"/>
+            <a:r>
+              <a:rPr lang="en-US" sz="2200" dirty="0" smtClean="0"/>
+              <a:t>but: only averages</a:t>
+            </a:r>
+          </a:p>
+        </p:txBody>
+      </p:sp>
+      <p:sp>
+        <p:nvSpPr>
+          <p:cNvPr id="28" name="Smiley Face 27"/>
+          <p:cNvSpPr/>
+          <p:nvPr/>
+        </p:nvSpPr>
+        <p:spPr>
+          <a:xfrm>
+            <a:off x="659150" y="3913847"/>
+            <a:ext cx="365760" cy="365760"/>
+          </a:xfrm>
+          <a:prstGeom prst="smileyFace">
+            <a:avLst/>
+          </a:prstGeom>
+          <a:solidFill>
+            <a:schemeClr val="accent2"/>
+          </a:solidFill>
+          <a:ln w="6350">
+            <a:solidFill>
+              <a:schemeClr val="tx1"/>
+            </a:solidFill>
+          </a:ln>
+        </p:spPr>
+        <p:style>
+          <a:lnRef idx="2">
+            <a:schemeClr val="accent1">
+              <a:shade val="50000"/>
+            </a:schemeClr>
+          </a:lnRef>
+          <a:fillRef idx="1">
+            <a:schemeClr val="accent1"/>
+          </a:fillRef>
+          <a:effectRef idx="0">
+            <a:schemeClr val="accent1"/>
+          </a:effectRef>
+          <a:fontRef idx="minor">
+            <a:schemeClr val="lt1"/>
+          </a:fontRef>
+        </p:style>
+        <p:txBody>
+          <a:bodyPr rtlCol="0" anchor="ctr"/>
+          <a:lstStyle/>
+          <a:p>
+            <a:pPr algn="ctr"/>
+            <a:endParaRPr lang="en-US"/>
+          </a:p>
+        </p:txBody>
+      </p:sp>
+      <p:sp>
+        <p:nvSpPr>
+          <p:cNvPr id="37" name="Rounded Rectangle 36"/>
+          <p:cNvSpPr/>
+          <p:nvPr/>
+        </p:nvSpPr>
+        <p:spPr>
+          <a:xfrm>
+            <a:off x="1289304" y="3897778"/>
+            <a:ext cx="6625336" cy="391989"/>
+          </a:xfrm>
+          <a:prstGeom prst="roundRect">
+            <a:avLst/>
+          </a:prstGeom>
+          <a:noFill/>
+          <a:ln>
+            <a:solidFill>
+              <a:schemeClr val="tx1"/>
+            </a:solidFill>
+          </a:ln>
+        </p:spPr>
+        <p:style>
+          <a:lnRef idx="2">
+            <a:schemeClr val="accent1">
+              <a:shade val="50000"/>
+            </a:schemeClr>
+          </a:lnRef>
+          <a:fillRef idx="1">
+            <a:schemeClr val="accent1"/>
+          </a:fillRef>
+          <a:effectRef idx="0">
+            <a:schemeClr val="accent1"/>
+          </a:effectRef>
+          <a:fontRef idx="minor">
+            <a:schemeClr val="lt1"/>
+          </a:fontRef>
+        </p:style>
+        <p:txBody>
+          <a:bodyPr rtlCol="0" anchor="ctr"/>
+          <a:lstStyle/>
+          <a:p>
+            <a:pPr algn="ctr"/>
+            <a:endParaRPr lang="en-US"/>
+          </a:p>
+        </p:txBody>
+      </p:sp>
       <p:pic>
         <p:nvPicPr>
-          <p:cNvPr id="1026" name="Picture 2" descr="mage result for smoothie"/>
+          <p:cNvPr id="34" name="Picture 2" descr="mage result for smoothie"/>
           <p:cNvPicPr>
             <a:picLocks noChangeAspect="1" noChangeArrowheads="1"/>
           </p:cNvPicPr>
@@ -9772,144 +9910,6 @@
           </a:extLst>
         </p:spPr>
       </p:pic>
-      <p:sp>
-        <p:nvSpPr>
-          <p:cNvPr id="26" name="TextBox 25"/>
-          <p:cNvSpPr txBox="1"/>
-          <p:nvPr/>
-        </p:nvSpPr>
-        <p:spPr>
-          <a:xfrm>
-            <a:off x="8992957" y="5233836"/>
-            <a:ext cx="2932204" cy="1107996"/>
-          </a:xfrm>
-          <a:prstGeom prst="rect">
-            <a:avLst/>
-          </a:prstGeom>
-          <a:noFill/>
-        </p:spPr>
-        <p:txBody>
-          <a:bodyPr wrap="square" rtlCol="0">
-            <a:spAutoFit/>
-          </a:bodyPr>
-          <a:lstStyle/>
-          <a:p>
-            <a:pPr algn="ctr"/>
-            <a:r>
-              <a:rPr lang="en-US" sz="2200" dirty="0" smtClean="0"/>
-              <a:t>cheap</a:t>
-            </a:r>
-          </a:p>
-          <a:p>
-            <a:pPr algn="ctr"/>
-            <a:r>
-              <a:rPr lang="en-US" sz="2200" dirty="0" smtClean="0"/>
-              <a:t>many individuals</a:t>
-            </a:r>
-          </a:p>
-          <a:p>
-            <a:pPr algn="ctr"/>
-            <a:r>
-              <a:rPr lang="en-US" sz="2200" dirty="0" smtClean="0"/>
-              <a:t>but: only averages</a:t>
-            </a:r>
-          </a:p>
-        </p:txBody>
-      </p:sp>
-      <p:sp>
-        <p:nvSpPr>
-          <p:cNvPr id="28" name="Smiley Face 27"/>
-          <p:cNvSpPr/>
-          <p:nvPr/>
-        </p:nvSpPr>
-        <p:spPr>
-          <a:xfrm>
-            <a:off x="659150" y="3913847"/>
-            <a:ext cx="365760" cy="365760"/>
-          </a:xfrm>
-          <a:prstGeom prst="smileyFace">
-            <a:avLst/>
-          </a:prstGeom>
-          <a:solidFill>
-            <a:schemeClr val="accent2"/>
-          </a:solidFill>
-          <a:ln w="6350">
-            <a:solidFill>
-              <a:schemeClr val="tx1"/>
-            </a:solidFill>
-          </a:ln>
-        </p:spPr>
-        <p:style>
-          <a:lnRef idx="2">
-            <a:schemeClr val="accent1">
-              <a:shade val="50000"/>
-            </a:schemeClr>
-          </a:lnRef>
-          <a:fillRef idx="1">
-            <a:schemeClr val="accent1"/>
-          </a:fillRef>
-          <a:effectRef idx="0">
-            <a:schemeClr val="accent1"/>
-          </a:effectRef>
-          <a:fontRef idx="minor">
-            <a:schemeClr val="lt1"/>
-          </a:fontRef>
-        </p:style>
-        <p:txBody>
-          <a:bodyPr rtlCol="0" anchor="ctr"/>
-          <a:lstStyle/>
-          <a:p>
-            <a:pPr algn="ctr"/>
-            <a:endParaRPr lang="en-US"/>
-          </a:p>
-        </p:txBody>
-      </p:sp>
-      <p:sp>
-        <p:nvSpPr>
-          <p:cNvPr id="37" name="Rounded Rectangle 36"/>
-          <p:cNvSpPr/>
-          <p:nvPr/>
-        </p:nvSpPr>
-        <p:spPr>
-          <a:xfrm>
-            <a:off x="1289304" y="3897778"/>
-            <a:ext cx="6625336" cy="391989"/>
-          </a:xfrm>
-          <a:prstGeom prst="roundRect">
-            <a:avLst/>
-          </a:prstGeom>
-          <a:noFill/>
-          <a:ln>
-            <a:solidFill>
-              <a:schemeClr val="tx1"/>
-            </a:solidFill>
-          </a:ln>
-        </p:spPr>
-        <p:style>
-          <a:lnRef idx="2">
-            <a:schemeClr val="accent1">
-              <a:shade val="50000"/>
-            </a:schemeClr>
-          </a:lnRef>
-          <a:fillRef idx="1">
-            <a:schemeClr val="accent1"/>
-          </a:fillRef>
-          <a:effectRef idx="0">
-            <a:schemeClr val="accent1"/>
-          </a:effectRef>
-          <a:fontRef idx="minor">
-            <a:schemeClr val="lt1"/>
-          </a:fontRef>
-        </p:style>
-        <p:txBody>
-          <a:bodyPr rtlCol="0" anchor="ctr"/>
-          <a:lstStyle/>
-          <a:p>
-            <a:pPr algn="ctr"/>
-            <a:endParaRPr lang="en-US"/>
-          </a:p>
-        </p:txBody>
-      </p:sp>
     </p:spTree>
     <p:extLst>
       <p:ext uri="{BB962C8B-B14F-4D97-AF65-F5344CB8AC3E}">
@@ -10887,9 +10887,433 @@
           </a:p>
         </p:txBody>
       </p:sp>
+      <p:sp>
+        <p:nvSpPr>
+          <p:cNvPr id="26" name="TextBox 25"/>
+          <p:cNvSpPr txBox="1"/>
+          <p:nvPr/>
+        </p:nvSpPr>
+        <p:spPr>
+          <a:xfrm>
+            <a:off x="8992957" y="5233836"/>
+            <a:ext cx="2932204" cy="1107996"/>
+          </a:xfrm>
+          <a:prstGeom prst="rect">
+            <a:avLst/>
+          </a:prstGeom>
+          <a:noFill/>
+        </p:spPr>
+        <p:txBody>
+          <a:bodyPr wrap="square" rtlCol="0">
+            <a:spAutoFit/>
+          </a:bodyPr>
+          <a:lstStyle/>
+          <a:p>
+            <a:pPr algn="ctr"/>
+            <a:r>
+              <a:rPr lang="en-US" sz="2200" dirty="0" smtClean="0"/>
+              <a:t>cheap</a:t>
+            </a:r>
+          </a:p>
+          <a:p>
+            <a:pPr algn="ctr"/>
+            <a:r>
+              <a:rPr lang="en-US" sz="2200" dirty="0" smtClean="0"/>
+              <a:t>many individuals</a:t>
+            </a:r>
+          </a:p>
+          <a:p>
+            <a:pPr algn="ctr"/>
+            <a:r>
+              <a:rPr lang="en-US" sz="2200" dirty="0" smtClean="0"/>
+              <a:t>but: only averages</a:t>
+            </a:r>
+          </a:p>
+        </p:txBody>
+      </p:sp>
+      <p:sp>
+        <p:nvSpPr>
+          <p:cNvPr id="28" name="Smiley Face 27"/>
+          <p:cNvSpPr/>
+          <p:nvPr/>
+        </p:nvSpPr>
+        <p:spPr>
+          <a:xfrm>
+            <a:off x="659150" y="3913847"/>
+            <a:ext cx="365760" cy="365760"/>
+          </a:xfrm>
+          <a:prstGeom prst="smileyFace">
+            <a:avLst/>
+          </a:prstGeom>
+          <a:solidFill>
+            <a:schemeClr val="accent2"/>
+          </a:solidFill>
+          <a:ln w="6350">
+            <a:solidFill>
+              <a:schemeClr val="tx1"/>
+            </a:solidFill>
+          </a:ln>
+        </p:spPr>
+        <p:style>
+          <a:lnRef idx="2">
+            <a:schemeClr val="accent1">
+              <a:shade val="50000"/>
+            </a:schemeClr>
+          </a:lnRef>
+          <a:fillRef idx="1">
+            <a:schemeClr val="accent1"/>
+          </a:fillRef>
+          <a:effectRef idx="0">
+            <a:schemeClr val="accent1"/>
+          </a:effectRef>
+          <a:fontRef idx="minor">
+            <a:schemeClr val="lt1"/>
+          </a:fontRef>
+        </p:style>
+        <p:txBody>
+          <a:bodyPr rtlCol="0" anchor="ctr"/>
+          <a:lstStyle/>
+          <a:p>
+            <a:pPr algn="ctr"/>
+            <a:endParaRPr lang="en-US"/>
+          </a:p>
+        </p:txBody>
+      </p:sp>
+      <p:sp>
+        <p:nvSpPr>
+          <p:cNvPr id="32" name="Smiley Face 31"/>
+          <p:cNvSpPr/>
+          <p:nvPr/>
+        </p:nvSpPr>
+        <p:spPr>
+          <a:xfrm>
+            <a:off x="656102" y="4389708"/>
+            <a:ext cx="365760" cy="365760"/>
+          </a:xfrm>
+          <a:prstGeom prst="smileyFace">
+            <a:avLst>
+              <a:gd name="adj" fmla="val -4653"/>
+            </a:avLst>
+          </a:prstGeom>
+          <a:solidFill>
+            <a:schemeClr val="accent2"/>
+          </a:solidFill>
+          <a:ln w="6350">
+            <a:solidFill>
+              <a:schemeClr val="tx1"/>
+            </a:solidFill>
+          </a:ln>
+        </p:spPr>
+        <p:style>
+          <a:lnRef idx="2">
+            <a:schemeClr val="accent1">
+              <a:shade val="50000"/>
+            </a:schemeClr>
+          </a:lnRef>
+          <a:fillRef idx="1">
+            <a:schemeClr val="accent1"/>
+          </a:fillRef>
+          <a:effectRef idx="0">
+            <a:schemeClr val="accent1"/>
+          </a:effectRef>
+          <a:fontRef idx="minor">
+            <a:schemeClr val="lt1"/>
+          </a:fontRef>
+        </p:style>
+        <p:txBody>
+          <a:bodyPr rtlCol="0" anchor="ctr"/>
+          <a:lstStyle/>
+          <a:p>
+            <a:pPr algn="ctr"/>
+            <a:endParaRPr lang="en-US"/>
+          </a:p>
+        </p:txBody>
+      </p:sp>
+      <p:sp>
+        <p:nvSpPr>
+          <p:cNvPr id="35" name="Smiley Face 34"/>
+          <p:cNvSpPr/>
+          <p:nvPr/>
+        </p:nvSpPr>
+        <p:spPr>
+          <a:xfrm>
+            <a:off x="650006" y="5302482"/>
+            <a:ext cx="365760" cy="365760"/>
+          </a:xfrm>
+          <a:prstGeom prst="smileyFace">
+            <a:avLst>
+              <a:gd name="adj" fmla="val -4653"/>
+            </a:avLst>
+          </a:prstGeom>
+          <a:solidFill>
+            <a:schemeClr val="accent2"/>
+          </a:solidFill>
+          <a:ln w="6350">
+            <a:solidFill>
+              <a:schemeClr val="tx1"/>
+            </a:solidFill>
+          </a:ln>
+        </p:spPr>
+        <p:style>
+          <a:lnRef idx="2">
+            <a:schemeClr val="accent1">
+              <a:shade val="50000"/>
+            </a:schemeClr>
+          </a:lnRef>
+          <a:fillRef idx="1">
+            <a:schemeClr val="accent1"/>
+          </a:fillRef>
+          <a:effectRef idx="0">
+            <a:schemeClr val="accent1"/>
+          </a:effectRef>
+          <a:fontRef idx="minor">
+            <a:schemeClr val="lt1"/>
+          </a:fontRef>
+        </p:style>
+        <p:txBody>
+          <a:bodyPr rtlCol="0" anchor="ctr"/>
+          <a:lstStyle/>
+          <a:p>
+            <a:pPr algn="ctr"/>
+            <a:endParaRPr lang="en-US"/>
+          </a:p>
+        </p:txBody>
+      </p:sp>
+      <p:sp>
+        <p:nvSpPr>
+          <p:cNvPr id="36" name="Smiley Face 35"/>
+          <p:cNvSpPr/>
+          <p:nvPr/>
+        </p:nvSpPr>
+        <p:spPr>
+          <a:xfrm>
+            <a:off x="646958" y="5754433"/>
+            <a:ext cx="365760" cy="365760"/>
+          </a:xfrm>
+          <a:prstGeom prst="smileyFace">
+            <a:avLst/>
+          </a:prstGeom>
+          <a:solidFill>
+            <a:schemeClr val="accent2"/>
+          </a:solidFill>
+          <a:ln w="6350">
+            <a:solidFill>
+              <a:schemeClr val="tx1"/>
+            </a:solidFill>
+          </a:ln>
+        </p:spPr>
+        <p:style>
+          <a:lnRef idx="2">
+            <a:schemeClr val="accent1">
+              <a:shade val="50000"/>
+            </a:schemeClr>
+          </a:lnRef>
+          <a:fillRef idx="1">
+            <a:schemeClr val="accent1"/>
+          </a:fillRef>
+          <a:effectRef idx="0">
+            <a:schemeClr val="accent1"/>
+          </a:effectRef>
+          <a:fontRef idx="minor">
+            <a:schemeClr val="lt1"/>
+          </a:fontRef>
+        </p:style>
+        <p:txBody>
+          <a:bodyPr rtlCol="0" anchor="ctr"/>
+          <a:lstStyle/>
+          <a:p>
+            <a:pPr algn="ctr"/>
+            <a:endParaRPr lang="en-US"/>
+          </a:p>
+        </p:txBody>
+      </p:sp>
+      <p:sp>
+        <p:nvSpPr>
+          <p:cNvPr id="37" name="Rounded Rectangle 36"/>
+          <p:cNvSpPr/>
+          <p:nvPr/>
+        </p:nvSpPr>
+        <p:spPr>
+          <a:xfrm>
+            <a:off x="1289304" y="3897778"/>
+            <a:ext cx="6625336" cy="391989"/>
+          </a:xfrm>
+          <a:prstGeom prst="roundRect">
+            <a:avLst/>
+          </a:prstGeom>
+          <a:noFill/>
+          <a:ln>
+            <a:solidFill>
+              <a:schemeClr val="tx1"/>
+            </a:solidFill>
+          </a:ln>
+        </p:spPr>
+        <p:style>
+          <a:lnRef idx="2">
+            <a:schemeClr val="accent1">
+              <a:shade val="50000"/>
+            </a:schemeClr>
+          </a:lnRef>
+          <a:fillRef idx="1">
+            <a:schemeClr val="accent1"/>
+          </a:fillRef>
+          <a:effectRef idx="0">
+            <a:schemeClr val="accent1"/>
+          </a:effectRef>
+          <a:fontRef idx="minor">
+            <a:schemeClr val="lt1"/>
+          </a:fontRef>
+        </p:style>
+        <p:txBody>
+          <a:bodyPr rtlCol="0" anchor="ctr"/>
+          <a:lstStyle/>
+          <a:p>
+            <a:pPr algn="ctr"/>
+            <a:endParaRPr lang="en-US"/>
+          </a:p>
+        </p:txBody>
+      </p:sp>
+      <p:sp>
+        <p:nvSpPr>
+          <p:cNvPr id="38" name="Rounded Rectangle 37"/>
+          <p:cNvSpPr/>
+          <p:nvPr/>
+        </p:nvSpPr>
+        <p:spPr>
+          <a:xfrm>
+            <a:off x="1289304" y="4354978"/>
+            <a:ext cx="6625336" cy="391989"/>
+          </a:xfrm>
+          <a:prstGeom prst="roundRect">
+            <a:avLst/>
+          </a:prstGeom>
+          <a:noFill/>
+          <a:ln>
+            <a:solidFill>
+              <a:schemeClr val="tx1"/>
+            </a:solidFill>
+          </a:ln>
+        </p:spPr>
+        <p:style>
+          <a:lnRef idx="2">
+            <a:schemeClr val="accent1">
+              <a:shade val="50000"/>
+            </a:schemeClr>
+          </a:lnRef>
+          <a:fillRef idx="1">
+            <a:schemeClr val="accent1"/>
+          </a:fillRef>
+          <a:effectRef idx="0">
+            <a:schemeClr val="accent1"/>
+          </a:effectRef>
+          <a:fontRef idx="minor">
+            <a:schemeClr val="lt1"/>
+          </a:fontRef>
+        </p:style>
+        <p:txBody>
+          <a:bodyPr rtlCol="0" anchor="ctr"/>
+          <a:lstStyle/>
+          <a:p>
+            <a:pPr algn="ctr"/>
+            <a:endParaRPr lang="en-US"/>
+          </a:p>
+        </p:txBody>
+      </p:sp>
+      <p:sp>
+        <p:nvSpPr>
+          <p:cNvPr id="40" name="Rounded Rectangle 39"/>
+          <p:cNvSpPr/>
+          <p:nvPr/>
+        </p:nvSpPr>
+        <p:spPr>
+          <a:xfrm>
+            <a:off x="1289304" y="5269378"/>
+            <a:ext cx="6625336" cy="391989"/>
+          </a:xfrm>
+          <a:prstGeom prst="roundRect">
+            <a:avLst/>
+          </a:prstGeom>
+          <a:noFill/>
+          <a:ln>
+            <a:solidFill>
+              <a:schemeClr val="tx1"/>
+            </a:solidFill>
+          </a:ln>
+        </p:spPr>
+        <p:style>
+          <a:lnRef idx="2">
+            <a:schemeClr val="accent1">
+              <a:shade val="50000"/>
+            </a:schemeClr>
+          </a:lnRef>
+          <a:fillRef idx="1">
+            <a:schemeClr val="accent1"/>
+          </a:fillRef>
+          <a:effectRef idx="0">
+            <a:schemeClr val="accent1"/>
+          </a:effectRef>
+          <a:fontRef idx="minor">
+            <a:schemeClr val="lt1"/>
+          </a:fontRef>
+        </p:style>
+        <p:txBody>
+          <a:bodyPr rtlCol="0" anchor="ctr"/>
+          <a:lstStyle/>
+          <a:p>
+            <a:pPr algn="ctr"/>
+            <a:endParaRPr lang="en-US"/>
+          </a:p>
+        </p:txBody>
+      </p:sp>
+      <p:sp>
+        <p:nvSpPr>
+          <p:cNvPr id="41" name="Rounded Rectangle 40"/>
+          <p:cNvSpPr/>
+          <p:nvPr/>
+        </p:nvSpPr>
+        <p:spPr>
+          <a:xfrm>
+            <a:off x="1289304" y="5726578"/>
+            <a:ext cx="6625336" cy="391989"/>
+          </a:xfrm>
+          <a:prstGeom prst="roundRect">
+            <a:avLst/>
+          </a:prstGeom>
+          <a:noFill/>
+          <a:ln>
+            <a:solidFill>
+              <a:schemeClr val="tx1"/>
+            </a:solidFill>
+          </a:ln>
+        </p:spPr>
+        <p:style>
+          <a:lnRef idx="2">
+            <a:schemeClr val="accent1">
+              <a:shade val="50000"/>
+            </a:schemeClr>
+          </a:lnRef>
+          <a:fillRef idx="1">
+            <a:schemeClr val="accent1"/>
+          </a:fillRef>
+          <a:effectRef idx="0">
+            <a:schemeClr val="accent1"/>
+          </a:effectRef>
+          <a:fontRef idx="minor">
+            <a:schemeClr val="lt1"/>
+          </a:fontRef>
+        </p:style>
+        <p:txBody>
+          <a:bodyPr rtlCol="0" anchor="ctr"/>
+          <a:lstStyle/>
+          <a:p>
+            <a:pPr algn="ctr"/>
+            <a:endParaRPr lang="en-US"/>
+          </a:p>
+        </p:txBody>
+      </p:sp>
       <p:pic>
         <p:nvPicPr>
-          <p:cNvPr id="1026" name="Picture 2" descr="mage result for smoothie"/>
+          <p:cNvPr id="42" name="Picture 2" descr="mage result for smoothie"/>
           <p:cNvPicPr>
             <a:picLocks noChangeAspect="1" noChangeArrowheads="1"/>
           </p:cNvPicPr>
@@ -10952,430 +11376,6 @@
           </a:extLst>
         </p:spPr>
       </p:pic>
-      <p:sp>
-        <p:nvSpPr>
-          <p:cNvPr id="26" name="TextBox 25"/>
-          <p:cNvSpPr txBox="1"/>
-          <p:nvPr/>
-        </p:nvSpPr>
-        <p:spPr>
-          <a:xfrm>
-            <a:off x="8992957" y="5233836"/>
-            <a:ext cx="2932204" cy="1107996"/>
-          </a:xfrm>
-          <a:prstGeom prst="rect">
-            <a:avLst/>
-          </a:prstGeom>
-          <a:noFill/>
-        </p:spPr>
-        <p:txBody>
-          <a:bodyPr wrap="square" rtlCol="0">
-            <a:spAutoFit/>
-          </a:bodyPr>
-          <a:lstStyle/>
-          <a:p>
-            <a:pPr algn="ctr"/>
-            <a:r>
-              <a:rPr lang="en-US" sz="2200" dirty="0" smtClean="0"/>
-              <a:t>cheap</a:t>
-            </a:r>
-          </a:p>
-          <a:p>
-            <a:pPr algn="ctr"/>
-            <a:r>
-              <a:rPr lang="en-US" sz="2200" dirty="0" smtClean="0"/>
-              <a:t>many individuals</a:t>
-            </a:r>
-          </a:p>
-          <a:p>
-            <a:pPr algn="ctr"/>
-            <a:r>
-              <a:rPr lang="en-US" sz="2200" dirty="0" smtClean="0"/>
-              <a:t>but: only averages</a:t>
-            </a:r>
-          </a:p>
-        </p:txBody>
-      </p:sp>
-      <p:sp>
-        <p:nvSpPr>
-          <p:cNvPr id="28" name="Smiley Face 27"/>
-          <p:cNvSpPr/>
-          <p:nvPr/>
-        </p:nvSpPr>
-        <p:spPr>
-          <a:xfrm>
-            <a:off x="659150" y="3913847"/>
-            <a:ext cx="365760" cy="365760"/>
-          </a:xfrm>
-          <a:prstGeom prst="smileyFace">
-            <a:avLst/>
-          </a:prstGeom>
-          <a:solidFill>
-            <a:schemeClr val="accent2"/>
-          </a:solidFill>
-          <a:ln w="6350">
-            <a:solidFill>
-              <a:schemeClr val="tx1"/>
-            </a:solidFill>
-          </a:ln>
-        </p:spPr>
-        <p:style>
-          <a:lnRef idx="2">
-            <a:schemeClr val="accent1">
-              <a:shade val="50000"/>
-            </a:schemeClr>
-          </a:lnRef>
-          <a:fillRef idx="1">
-            <a:schemeClr val="accent1"/>
-          </a:fillRef>
-          <a:effectRef idx="0">
-            <a:schemeClr val="accent1"/>
-          </a:effectRef>
-          <a:fontRef idx="minor">
-            <a:schemeClr val="lt1"/>
-          </a:fontRef>
-        </p:style>
-        <p:txBody>
-          <a:bodyPr rtlCol="0" anchor="ctr"/>
-          <a:lstStyle/>
-          <a:p>
-            <a:pPr algn="ctr"/>
-            <a:endParaRPr lang="en-US"/>
-          </a:p>
-        </p:txBody>
-      </p:sp>
-      <p:sp>
-        <p:nvSpPr>
-          <p:cNvPr id="32" name="Smiley Face 31"/>
-          <p:cNvSpPr/>
-          <p:nvPr/>
-        </p:nvSpPr>
-        <p:spPr>
-          <a:xfrm>
-            <a:off x="656102" y="4389708"/>
-            <a:ext cx="365760" cy="365760"/>
-          </a:xfrm>
-          <a:prstGeom prst="smileyFace">
-            <a:avLst>
-              <a:gd name="adj" fmla="val -4653"/>
-            </a:avLst>
-          </a:prstGeom>
-          <a:solidFill>
-            <a:schemeClr val="accent2"/>
-          </a:solidFill>
-          <a:ln w="6350">
-            <a:solidFill>
-              <a:schemeClr val="tx1"/>
-            </a:solidFill>
-          </a:ln>
-        </p:spPr>
-        <p:style>
-          <a:lnRef idx="2">
-            <a:schemeClr val="accent1">
-              <a:shade val="50000"/>
-            </a:schemeClr>
-          </a:lnRef>
-          <a:fillRef idx="1">
-            <a:schemeClr val="accent1"/>
-          </a:fillRef>
-          <a:effectRef idx="0">
-            <a:schemeClr val="accent1"/>
-          </a:effectRef>
-          <a:fontRef idx="minor">
-            <a:schemeClr val="lt1"/>
-          </a:fontRef>
-        </p:style>
-        <p:txBody>
-          <a:bodyPr rtlCol="0" anchor="ctr"/>
-          <a:lstStyle/>
-          <a:p>
-            <a:pPr algn="ctr"/>
-            <a:endParaRPr lang="en-US"/>
-          </a:p>
-        </p:txBody>
-      </p:sp>
-      <p:sp>
-        <p:nvSpPr>
-          <p:cNvPr id="35" name="Smiley Face 34"/>
-          <p:cNvSpPr/>
-          <p:nvPr/>
-        </p:nvSpPr>
-        <p:spPr>
-          <a:xfrm>
-            <a:off x="650006" y="5302482"/>
-            <a:ext cx="365760" cy="365760"/>
-          </a:xfrm>
-          <a:prstGeom prst="smileyFace">
-            <a:avLst>
-              <a:gd name="adj" fmla="val -4653"/>
-            </a:avLst>
-          </a:prstGeom>
-          <a:solidFill>
-            <a:schemeClr val="accent2"/>
-          </a:solidFill>
-          <a:ln w="6350">
-            <a:solidFill>
-              <a:schemeClr val="tx1"/>
-            </a:solidFill>
-          </a:ln>
-        </p:spPr>
-        <p:style>
-          <a:lnRef idx="2">
-            <a:schemeClr val="accent1">
-              <a:shade val="50000"/>
-            </a:schemeClr>
-          </a:lnRef>
-          <a:fillRef idx="1">
-            <a:schemeClr val="accent1"/>
-          </a:fillRef>
-          <a:effectRef idx="0">
-            <a:schemeClr val="accent1"/>
-          </a:effectRef>
-          <a:fontRef idx="minor">
-            <a:schemeClr val="lt1"/>
-          </a:fontRef>
-        </p:style>
-        <p:txBody>
-          <a:bodyPr rtlCol="0" anchor="ctr"/>
-          <a:lstStyle/>
-          <a:p>
-            <a:pPr algn="ctr"/>
-            <a:endParaRPr lang="en-US"/>
-          </a:p>
-        </p:txBody>
-      </p:sp>
-      <p:sp>
-        <p:nvSpPr>
-          <p:cNvPr id="36" name="Smiley Face 35"/>
-          <p:cNvSpPr/>
-          <p:nvPr/>
-        </p:nvSpPr>
-        <p:spPr>
-          <a:xfrm>
-            <a:off x="646958" y="5754433"/>
-            <a:ext cx="365760" cy="365760"/>
-          </a:xfrm>
-          <a:prstGeom prst="smileyFace">
-            <a:avLst/>
-          </a:prstGeom>
-          <a:solidFill>
-            <a:schemeClr val="accent2"/>
-          </a:solidFill>
-          <a:ln w="6350">
-            <a:solidFill>
-              <a:schemeClr val="tx1"/>
-            </a:solidFill>
-          </a:ln>
-        </p:spPr>
-        <p:style>
-          <a:lnRef idx="2">
-            <a:schemeClr val="accent1">
-              <a:shade val="50000"/>
-            </a:schemeClr>
-          </a:lnRef>
-          <a:fillRef idx="1">
-            <a:schemeClr val="accent1"/>
-          </a:fillRef>
-          <a:effectRef idx="0">
-            <a:schemeClr val="accent1"/>
-          </a:effectRef>
-          <a:fontRef idx="minor">
-            <a:schemeClr val="lt1"/>
-          </a:fontRef>
-        </p:style>
-        <p:txBody>
-          <a:bodyPr rtlCol="0" anchor="ctr"/>
-          <a:lstStyle/>
-          <a:p>
-            <a:pPr algn="ctr"/>
-            <a:endParaRPr lang="en-US"/>
-          </a:p>
-        </p:txBody>
-      </p:sp>
-      <p:sp>
-        <p:nvSpPr>
-          <p:cNvPr id="37" name="Rounded Rectangle 36"/>
-          <p:cNvSpPr/>
-          <p:nvPr/>
-        </p:nvSpPr>
-        <p:spPr>
-          <a:xfrm>
-            <a:off x="1289304" y="3897778"/>
-            <a:ext cx="6625336" cy="391989"/>
-          </a:xfrm>
-          <a:prstGeom prst="roundRect">
-            <a:avLst/>
-          </a:prstGeom>
-          <a:noFill/>
-          <a:ln>
-            <a:solidFill>
-              <a:schemeClr val="tx1"/>
-            </a:solidFill>
-          </a:ln>
-        </p:spPr>
-        <p:style>
-          <a:lnRef idx="2">
-            <a:schemeClr val="accent1">
-              <a:shade val="50000"/>
-            </a:schemeClr>
-          </a:lnRef>
-          <a:fillRef idx="1">
-            <a:schemeClr val="accent1"/>
-          </a:fillRef>
-          <a:effectRef idx="0">
-            <a:schemeClr val="accent1"/>
-          </a:effectRef>
-          <a:fontRef idx="minor">
-            <a:schemeClr val="lt1"/>
-          </a:fontRef>
-        </p:style>
-        <p:txBody>
-          <a:bodyPr rtlCol="0" anchor="ctr"/>
-          <a:lstStyle/>
-          <a:p>
-            <a:pPr algn="ctr"/>
-            <a:endParaRPr lang="en-US"/>
-          </a:p>
-        </p:txBody>
-      </p:sp>
-      <p:sp>
-        <p:nvSpPr>
-          <p:cNvPr id="38" name="Rounded Rectangle 37"/>
-          <p:cNvSpPr/>
-          <p:nvPr/>
-        </p:nvSpPr>
-        <p:spPr>
-          <a:xfrm>
-            <a:off x="1289304" y="4354978"/>
-            <a:ext cx="6625336" cy="391989"/>
-          </a:xfrm>
-          <a:prstGeom prst="roundRect">
-            <a:avLst/>
-          </a:prstGeom>
-          <a:noFill/>
-          <a:ln>
-            <a:solidFill>
-              <a:schemeClr val="tx1"/>
-            </a:solidFill>
-          </a:ln>
-        </p:spPr>
-        <p:style>
-          <a:lnRef idx="2">
-            <a:schemeClr val="accent1">
-              <a:shade val="50000"/>
-            </a:schemeClr>
-          </a:lnRef>
-          <a:fillRef idx="1">
-            <a:schemeClr val="accent1"/>
-          </a:fillRef>
-          <a:effectRef idx="0">
-            <a:schemeClr val="accent1"/>
-          </a:effectRef>
-          <a:fontRef idx="minor">
-            <a:schemeClr val="lt1"/>
-          </a:fontRef>
-        </p:style>
-        <p:txBody>
-          <a:bodyPr rtlCol="0" anchor="ctr"/>
-          <a:lstStyle/>
-          <a:p>
-            <a:pPr algn="ctr"/>
-            <a:endParaRPr lang="en-US"/>
-          </a:p>
-        </p:txBody>
-      </p:sp>
-      <p:sp>
-        <p:nvSpPr>
-          <p:cNvPr id="40" name="Rounded Rectangle 39"/>
-          <p:cNvSpPr/>
-          <p:nvPr/>
-        </p:nvSpPr>
-        <p:spPr>
-          <a:xfrm>
-            <a:off x="1289304" y="5269378"/>
-            <a:ext cx="6625336" cy="391989"/>
-          </a:xfrm>
-          <a:prstGeom prst="roundRect">
-            <a:avLst/>
-          </a:prstGeom>
-          <a:noFill/>
-          <a:ln>
-            <a:solidFill>
-              <a:schemeClr val="tx1"/>
-            </a:solidFill>
-          </a:ln>
-        </p:spPr>
-        <p:style>
-          <a:lnRef idx="2">
-            <a:schemeClr val="accent1">
-              <a:shade val="50000"/>
-            </a:schemeClr>
-          </a:lnRef>
-          <a:fillRef idx="1">
-            <a:schemeClr val="accent1"/>
-          </a:fillRef>
-          <a:effectRef idx="0">
-            <a:schemeClr val="accent1"/>
-          </a:effectRef>
-          <a:fontRef idx="minor">
-            <a:schemeClr val="lt1"/>
-          </a:fontRef>
-        </p:style>
-        <p:txBody>
-          <a:bodyPr rtlCol="0" anchor="ctr"/>
-          <a:lstStyle/>
-          <a:p>
-            <a:pPr algn="ctr"/>
-            <a:endParaRPr lang="en-US"/>
-          </a:p>
-        </p:txBody>
-      </p:sp>
-      <p:sp>
-        <p:nvSpPr>
-          <p:cNvPr id="41" name="Rounded Rectangle 40"/>
-          <p:cNvSpPr/>
-          <p:nvPr/>
-        </p:nvSpPr>
-        <p:spPr>
-          <a:xfrm>
-            <a:off x="1289304" y="5726578"/>
-            <a:ext cx="6625336" cy="391989"/>
-          </a:xfrm>
-          <a:prstGeom prst="roundRect">
-            <a:avLst/>
-          </a:prstGeom>
-          <a:noFill/>
-          <a:ln>
-            <a:solidFill>
-              <a:schemeClr val="tx1"/>
-            </a:solidFill>
-          </a:ln>
-        </p:spPr>
-        <p:style>
-          <a:lnRef idx="2">
-            <a:schemeClr val="accent1">
-              <a:shade val="50000"/>
-            </a:schemeClr>
-          </a:lnRef>
-          <a:fillRef idx="1">
-            <a:schemeClr val="accent1"/>
-          </a:fillRef>
-          <a:effectRef idx="0">
-            <a:schemeClr val="accent1"/>
-          </a:effectRef>
-          <a:fontRef idx="minor">
-            <a:schemeClr val="lt1"/>
-          </a:fontRef>
-        </p:style>
-        <p:txBody>
-          <a:bodyPr rtlCol="0" anchor="ctr"/>
-          <a:lstStyle/>
-          <a:p>
-            <a:pPr algn="ctr"/>
-            <a:endParaRPr lang="en-US"/>
-          </a:p>
-        </p:txBody>
-      </p:sp>
     </p:spTree>
     <p:extLst>
       <p:ext uri="{BB962C8B-B14F-4D97-AF65-F5344CB8AC3E}">

--- a/hostedfiles/datacrashcourse.pptx
+++ b/hostedfiles/datacrashcourse.pptx
@@ -5,7 +5,7 @@
     <p:sldMasterId id="2147483648" r:id="rId1"/>
   </p:sldMasterIdLst>
   <p:notesMasterIdLst>
-    <p:notesMasterId r:id="rId20"/>
+    <p:notesMasterId r:id="rId22"/>
   </p:notesMasterIdLst>
   <p:sldIdLst>
     <p:sldId id="256" r:id="rId2"/>
@@ -23,9 +23,11 @@
     <p:sldId id="276" r:id="rId14"/>
     <p:sldId id="277" r:id="rId15"/>
     <p:sldId id="279" r:id="rId16"/>
-    <p:sldId id="281" r:id="rId17"/>
-    <p:sldId id="278" r:id="rId18"/>
-    <p:sldId id="280" r:id="rId19"/>
+    <p:sldId id="283" r:id="rId17"/>
+    <p:sldId id="281" r:id="rId18"/>
+    <p:sldId id="278" r:id="rId19"/>
+    <p:sldId id="284" r:id="rId20"/>
+    <p:sldId id="280" r:id="rId21"/>
   </p:sldIdLst>
   <p:sldSz cx="12192000" cy="6858000"/>
   <p:notesSz cx="6858000" cy="9144000"/>
@@ -8430,50 +8432,6 @@
       </p:sp>
       <p:sp>
         <p:nvSpPr>
-          <p:cNvPr id="26" name="TextBox 25"/>
-          <p:cNvSpPr txBox="1"/>
-          <p:nvPr/>
-        </p:nvSpPr>
-        <p:spPr>
-          <a:xfrm>
-            <a:off x="8892120" y="5233836"/>
-            <a:ext cx="3099252" cy="1107996"/>
-          </a:xfrm>
-          <a:prstGeom prst="rect">
-            <a:avLst/>
-          </a:prstGeom>
-          <a:noFill/>
-        </p:spPr>
-        <p:txBody>
-          <a:bodyPr wrap="square" rtlCol="0">
-            <a:spAutoFit/>
-          </a:bodyPr>
-          <a:lstStyle/>
-          <a:p>
-            <a:pPr algn="ctr"/>
-            <a:r>
-              <a:rPr lang="en-US" sz="2200" dirty="0" smtClean="0"/>
-              <a:t>expensive</a:t>
-            </a:r>
-          </a:p>
-          <a:p>
-            <a:pPr algn="ctr"/>
-            <a:r>
-              <a:rPr lang="en-US" sz="2200" dirty="0" smtClean="0"/>
-              <a:t>few individuals</a:t>
-            </a:r>
-          </a:p>
-          <a:p>
-            <a:pPr algn="ctr"/>
-            <a:r>
-              <a:rPr lang="en-US" sz="2200" dirty="0" smtClean="0"/>
-              <a:t>but: single-cell resolution</a:t>
-            </a:r>
-          </a:p>
-        </p:txBody>
-      </p:sp>
-      <p:sp>
-        <p:nvSpPr>
           <p:cNvPr id="25" name="Smiley Face 24"/>
           <p:cNvSpPr/>
           <p:nvPr/>
@@ -8640,60 +8598,6 @@
           </a:p>
         </p:txBody>
       </p:sp>
-      <p:pic>
-        <p:nvPicPr>
-          <p:cNvPr id="39" name="Picture 2" descr="mage result for fruit salad"/>
-          <p:cNvPicPr>
-            <a:picLocks noChangeAspect="1" noChangeArrowheads="1"/>
-          </p:cNvPicPr>
-          <p:nvPr/>
-        </p:nvPicPr>
-        <p:blipFill>
-          <a:blip r:embed="rId2">
-            <a:extLst>
-              <a:ext uri="{BEBA8EAE-BF5A-486C-A8C5-ECC9F3942E4B}">
-                <a14:imgProps xmlns:a14="http://schemas.microsoft.com/office/drawing/2010/main">
-                  <a14:imgLayer r:embed="rId3">
-                    <a14:imgEffect>
-                      <a14:backgroundRemoval t="5000" b="99194" l="3148" r="97337">
-                        <a14:foregroundMark x1="66586" y1="9032" x2="92131" y2="25161"/>
-                        <a14:foregroundMark x1="70823" y1="9839" x2="76755" y2="11774"/>
-                        <a14:foregroundMark x1="77240" y1="11774" x2="86320" y2="17742"/>
-                      </a14:backgroundRemoval>
-                    </a14:imgEffect>
-                  </a14:imgLayer>
-                </a14:imgProps>
-              </a:ext>
-              <a:ext uri="{28A0092B-C50C-407E-A947-70E740481C1C}">
-                <a14:useLocalDpi xmlns:a14="http://schemas.microsoft.com/office/drawing/2010/main" val="0"/>
-              </a:ext>
-            </a:extLst>
-          </a:blip>
-          <a:srcRect/>
-          <a:stretch>
-            <a:fillRect/>
-          </a:stretch>
-        </p:blipFill>
-        <p:spPr bwMode="auto">
-          <a:xfrm>
-            <a:off x="9074508" y="3197129"/>
-            <a:ext cx="2445294" cy="1835451"/>
-          </a:xfrm>
-          <a:prstGeom prst="rect">
-            <a:avLst/>
-          </a:prstGeom>
-          <a:noFill/>
-          <a:extLst>
-            <a:ext uri="{909E8E84-426E-40DD-AFC4-6F175D3DCCD1}">
-              <a14:hiddenFill xmlns:a14="http://schemas.microsoft.com/office/drawing/2010/main">
-                <a:solidFill>
-                  <a:srgbClr val="FFFFFF"/>
-                </a:solidFill>
-              </a14:hiddenFill>
-            </a:ext>
-          </a:extLst>
-        </p:spPr>
-      </p:pic>
     </p:spTree>
     <p:extLst>
       <p:ext uri="{BB962C8B-B14F-4D97-AF65-F5344CB8AC3E}">
@@ -8707,107 +8611,9 @@
   <p:timing>
     <p:tnLst>
       <p:par>
-        <p:cTn id="1" dur="indefinite" restart="never" nodeType="tmRoot">
-          <p:childTnLst>
-            <p:seq concurrent="1" nextAc="seek">
-              <p:cTn id="2" dur="indefinite" nodeType="mainSeq">
-                <p:childTnLst>
-                  <p:par>
-                    <p:cTn id="3" fill="hold">
-                      <p:stCondLst>
-                        <p:cond delay="indefinite"/>
-                      </p:stCondLst>
-                      <p:childTnLst>
-                        <p:par>
-                          <p:cTn id="4" fill="hold">
-                            <p:stCondLst>
-                              <p:cond delay="0"/>
-                            </p:stCondLst>
-                            <p:childTnLst>
-                              <p:par>
-                                <p:cTn id="5" presetID="1" presetClass="entr" presetSubtype="0" fill="hold" grpId="0" nodeType="clickEffect">
-                                  <p:stCondLst>
-                                    <p:cond delay="0"/>
-                                  </p:stCondLst>
-                                  <p:childTnLst>
-                                    <p:set>
-                                      <p:cBhvr>
-                                        <p:cTn id="6" dur="1" fill="hold">
-                                          <p:stCondLst>
-                                            <p:cond delay="0"/>
-                                          </p:stCondLst>
-                                        </p:cTn>
-                                        <p:tgtEl>
-                                          <p:spTgt spid="26"/>
-                                        </p:tgtEl>
-                                        <p:attrNameLst>
-                                          <p:attrName>style.visibility</p:attrName>
-                                        </p:attrNameLst>
-                                      </p:cBhvr>
-                                      <p:to>
-                                        <p:strVal val="visible"/>
-                                      </p:to>
-                                    </p:set>
-                                  </p:childTnLst>
-                                </p:cTn>
-                              </p:par>
-                              <p:par>
-                                <p:cTn id="7" presetID="1" presetClass="entr" presetSubtype="0" fill="hold" nodeType="withEffect">
-                                  <p:stCondLst>
-                                    <p:cond delay="0"/>
-                                  </p:stCondLst>
-                                  <p:childTnLst>
-                                    <p:set>
-                                      <p:cBhvr>
-                                        <p:cTn id="8" dur="1" fill="hold">
-                                          <p:stCondLst>
-                                            <p:cond delay="0"/>
-                                          </p:stCondLst>
-                                        </p:cTn>
-                                        <p:tgtEl>
-                                          <p:spTgt spid="39"/>
-                                        </p:tgtEl>
-                                        <p:attrNameLst>
-                                          <p:attrName>style.visibility</p:attrName>
-                                        </p:attrNameLst>
-                                      </p:cBhvr>
-                                      <p:to>
-                                        <p:strVal val="visible"/>
-                                      </p:to>
-                                    </p:set>
-                                  </p:childTnLst>
-                                </p:cTn>
-                              </p:par>
-                            </p:childTnLst>
-                          </p:cTn>
-                        </p:par>
-                      </p:childTnLst>
-                    </p:cTn>
-                  </p:par>
-                </p:childTnLst>
-              </p:cTn>
-              <p:prevCondLst>
-                <p:cond evt="onPrev" delay="0">
-                  <p:tgtEl>
-                    <p:sldTgt/>
-                  </p:tgtEl>
-                </p:cond>
-              </p:prevCondLst>
-              <p:nextCondLst>
-                <p:cond evt="onNext" delay="0">
-                  <p:tgtEl>
-                    <p:sldTgt/>
-                  </p:tgtEl>
-                </p:cond>
-              </p:nextCondLst>
-            </p:seq>
-          </p:childTnLst>
-        </p:cTn>
+        <p:cTn id="1" dur="indefinite" restart="never" nodeType="tmRoot"/>
       </p:par>
     </p:tnLst>
-    <p:bldLst>
-      <p:bldP spid="26" grpId="0"/>
-    </p:bldLst>
   </p:timing>
 </p:sld>
 </file>
@@ -8851,7 +8657,7 @@
           <a:p>
             <a:r>
               <a:rPr lang="en-US" dirty="0" smtClean="0"/>
-              <a:t>Bulk RNA sequencing</a:t>
+              <a:t>Single-cell RNA sequencing</a:t>
             </a:r>
             <a:endParaRPr lang="en-US" dirty="0"/>
           </a:p>
@@ -9655,7 +9461,7 @@
               <a:rPr lang="en-US" sz="3000" dirty="0" smtClean="0">
                 <a:latin typeface="+mj-lt"/>
               </a:rPr>
-              <a:t>people</a:t>
+              <a:t>cells</a:t>
             </a:r>
             <a:endParaRPr lang="en-US" sz="3000" dirty="0">
               <a:latin typeface="+mj-lt"/>
@@ -9672,7 +9478,7 @@
         <p:spPr>
           <a:xfrm>
             <a:off x="745169" y="3818199"/>
-            <a:ext cx="8146951" cy="1015663"/>
+            <a:ext cx="8146951" cy="2400657"/>
           </a:xfrm>
           <a:prstGeom prst="rect">
             <a:avLst/>
@@ -9687,7 +9493,7 @@
           <a:p>
             <a:r>
               <a:rPr lang="en-US" sz="3000" dirty="0" smtClean="0"/>
-              <a:t> 	1		     2		  </a:t>
+              <a:t> 	4		     8		  </a:t>
             </a:r>
             <a:r>
               <a:rPr lang="mr-IN" sz="3000" dirty="0" smtClean="0"/>
@@ -9695,14 +9501,76 @@
             </a:r>
             <a:r>
               <a:rPr lang="en-US" sz="3000" dirty="0" smtClean="0"/>
-              <a:t>		0</a:t>
+              <a:t>		2</a:t>
             </a:r>
             <a:endParaRPr lang="en-US" sz="3000" dirty="0"/>
           </a:p>
           <a:p>
             <a:r>
               <a:rPr lang="en-US" sz="3000" dirty="0" smtClean="0"/>
+              <a:t>	2		     2		  </a:t>
+            </a:r>
+            <a:r>
+              <a:rPr lang="mr-IN" sz="3000" dirty="0" smtClean="0"/>
+              <a:t>…</a:t>
+            </a:r>
+            <a:r>
+              <a:rPr lang="en-US" sz="3000" dirty="0" smtClean="0"/>
+              <a:t>		2</a:t>
+            </a:r>
+          </a:p>
+          <a:p>
+            <a:r>
+              <a:rPr lang="en-US" sz="3000" dirty="0"/>
               <a:t>	</a:t>
+            </a:r>
+            <a:r>
+              <a:rPr lang="en-US" sz="3000" dirty="0" smtClean="0"/>
+              <a:t>⋮</a:t>
+            </a:r>
+            <a:r>
+              <a:rPr lang="en-US" sz="3000" dirty="0"/>
+              <a:t>	</a:t>
+            </a:r>
+            <a:r>
+              <a:rPr lang="en-US" sz="3000" dirty="0" smtClean="0"/>
+              <a:t>	     ⋮</a:t>
+            </a:r>
+            <a:r>
+              <a:rPr lang="en-US" sz="3000" dirty="0"/>
+              <a:t>	</a:t>
+            </a:r>
+            <a:r>
+              <a:rPr lang="en-US" sz="3000" dirty="0" smtClean="0"/>
+              <a:t>			⋮</a:t>
+            </a:r>
+          </a:p>
+          <a:p>
+            <a:r>
+              <a:rPr lang="en-US" sz="3000" dirty="0" smtClean="0"/>
+              <a:t>	7		     1		  </a:t>
+            </a:r>
+            <a:r>
+              <a:rPr lang="mr-IN" sz="3000" dirty="0" smtClean="0"/>
+              <a:t>…</a:t>
+            </a:r>
+            <a:r>
+              <a:rPr lang="en-US" sz="3000" dirty="0" smtClean="0"/>
+              <a:t>		1</a:t>
+            </a:r>
+          </a:p>
+          <a:p>
+            <a:r>
+              <a:rPr lang="en-US" sz="3000" dirty="0" smtClean="0"/>
+              <a:t>	1		     1		  </a:t>
+            </a:r>
+            <a:r>
+              <a:rPr lang="mr-IN" sz="3000" dirty="0" smtClean="0"/>
+              <a:t>…</a:t>
+            </a:r>
+            <a:r>
+              <a:rPr lang="en-US" sz="3000" dirty="0" smtClean="0"/>
+              <a:t>		6</a:t>
             </a:r>
           </a:p>
         </p:txBody>
@@ -9715,8 +9583,8 @@
         </p:nvSpPr>
         <p:spPr>
           <a:xfrm>
-            <a:off x="8992957" y="5233836"/>
-            <a:ext cx="2932204" cy="1107996"/>
+            <a:off x="8892120" y="5233836"/>
+            <a:ext cx="3099252" cy="1107996"/>
           </a:xfrm>
           <a:prstGeom prst="rect">
             <a:avLst/>
@@ -9732,35 +9600,35 @@
             <a:pPr algn="ctr"/>
             <a:r>
               <a:rPr lang="en-US" sz="2200" dirty="0" smtClean="0"/>
-              <a:t>cheap</a:t>
+              <a:t>expensive</a:t>
             </a:r>
           </a:p>
           <a:p>
             <a:pPr algn="ctr"/>
             <a:r>
               <a:rPr lang="en-US" sz="2200" dirty="0" smtClean="0"/>
-              <a:t>many individuals</a:t>
+              <a:t>few individuals</a:t>
             </a:r>
           </a:p>
           <a:p>
             <a:pPr algn="ctr"/>
             <a:r>
               <a:rPr lang="en-US" sz="2200" dirty="0" smtClean="0"/>
-              <a:t>but: only averages</a:t>
+              <a:t>but: single-cell resolution</a:t>
             </a:r>
           </a:p>
         </p:txBody>
       </p:sp>
       <p:sp>
         <p:nvSpPr>
-          <p:cNvPr id="28" name="Smiley Face 27"/>
+          <p:cNvPr id="25" name="Smiley Face 24"/>
           <p:cNvSpPr/>
           <p:nvPr/>
         </p:nvSpPr>
         <p:spPr>
           <a:xfrm>
-            <a:off x="659150" y="3913847"/>
-            <a:ext cx="365760" cy="365760"/>
+            <a:off x="47994" y="3406019"/>
+            <a:ext cx="654835" cy="677068"/>
           </a:xfrm>
           <a:prstGeom prst="smileyFace">
             <a:avLst/>
@@ -9768,7 +9636,7 @@
           <a:solidFill>
             <a:schemeClr val="accent2"/>
           </a:solidFill>
-          <a:ln w="6350">
+          <a:ln>
             <a:solidFill>
               <a:schemeClr val="tx1"/>
             </a:solidFill>
@@ -9799,16 +9667,90 @@
           </a:p>
         </p:txBody>
       </p:sp>
+      <p:cxnSp>
+        <p:nvCxnSpPr>
+          <p:cNvPr id="27" name="Straight Connector 26"/>
+          <p:cNvCxnSpPr>
+            <a:stCxn id="25" idx="5"/>
+          </p:cNvCxnSpPr>
+          <p:nvPr/>
+        </p:nvCxnSpPr>
+        <p:spPr>
+          <a:xfrm>
+            <a:off x="606931" y="3983933"/>
+            <a:ext cx="682373" cy="1868613"/>
+          </a:xfrm>
+          <a:prstGeom prst="line">
+            <a:avLst/>
+          </a:prstGeom>
+          <a:ln w="12700">
+            <a:solidFill>
+              <a:schemeClr val="tx1"/>
+            </a:solidFill>
+          </a:ln>
+        </p:spPr>
+        <p:style>
+          <a:lnRef idx="1">
+            <a:schemeClr val="accent1"/>
+          </a:lnRef>
+          <a:fillRef idx="0">
+            <a:schemeClr val="accent1"/>
+          </a:fillRef>
+          <a:effectRef idx="0">
+            <a:schemeClr val="accent1"/>
+          </a:effectRef>
+          <a:fontRef idx="minor">
+            <a:schemeClr val="tx1"/>
+          </a:fontRef>
+        </p:style>
+      </p:cxnSp>
+      <p:cxnSp>
+        <p:nvCxnSpPr>
+          <p:cNvPr id="28" name="Straight Connector 27"/>
+          <p:cNvCxnSpPr>
+            <a:stCxn id="25" idx="5"/>
+          </p:cNvCxnSpPr>
+          <p:nvPr/>
+        </p:nvCxnSpPr>
+        <p:spPr>
+          <a:xfrm flipV="1">
+            <a:off x="606931" y="3897778"/>
+            <a:ext cx="988189" cy="86155"/>
+          </a:xfrm>
+          <a:prstGeom prst="line">
+            <a:avLst/>
+          </a:prstGeom>
+          <a:ln w="12700">
+            <a:solidFill>
+              <a:schemeClr val="tx1"/>
+            </a:solidFill>
+          </a:ln>
+        </p:spPr>
+        <p:style>
+          <a:lnRef idx="1">
+            <a:schemeClr val="accent1"/>
+          </a:lnRef>
+          <a:fillRef idx="0">
+            <a:schemeClr val="accent1"/>
+          </a:fillRef>
+          <a:effectRef idx="0">
+            <a:schemeClr val="accent1"/>
+          </a:effectRef>
+          <a:fontRef idx="minor">
+            <a:schemeClr val="tx1"/>
+          </a:fontRef>
+        </p:style>
+      </p:cxnSp>
       <p:sp>
         <p:nvSpPr>
-          <p:cNvPr id="37" name="Rounded Rectangle 36"/>
+          <p:cNvPr id="35" name="Rounded Rectangle 34"/>
           <p:cNvSpPr/>
           <p:nvPr/>
         </p:nvSpPr>
         <p:spPr>
           <a:xfrm>
             <a:off x="1289304" y="3897778"/>
-            <a:ext cx="6625336" cy="391989"/>
+            <a:ext cx="6625336" cy="2249022"/>
           </a:xfrm>
           <a:prstGeom prst="roundRect">
             <a:avLst/>
@@ -9847,7 +9789,7 @@
       </p:sp>
       <p:pic>
         <p:nvPicPr>
-          <p:cNvPr id="34" name="Picture 2" descr="mage result for smoothie"/>
+          <p:cNvPr id="39" name="Picture 2" descr="mage result for fruit salad"/>
           <p:cNvPicPr>
             <a:picLocks noChangeAspect="1" noChangeArrowheads="1"/>
           </p:cNvPicPr>
@@ -9860,21 +9802,10 @@
                 <a14:imgProps xmlns:a14="http://schemas.microsoft.com/office/drawing/2010/main">
                   <a14:imgLayer r:embed="rId3">
                     <a14:imgEffect>
-                      <a14:backgroundRemoval t="4215" b="91188" l="19375" r="88333">
-                        <a14:foregroundMark x1="30625" y1="6641" x2="40000" y2="27203"/>
-                        <a14:foregroundMark x1="32917" y1="80971" x2="65208" y2="81226"/>
-                        <a14:foregroundMark x1="33333" y1="84802" x2="65000" y2="84930"/>
-                        <a14:foregroundMark x1="39167" y1="87484" x2="60208" y2="87739"/>
-                        <a14:foregroundMark x1="41875" y1="88378" x2="52917" y2="88889"/>
-                        <a14:foregroundMark x1="39167" y1="87867" x2="41250" y2="88506"/>
-                        <a14:foregroundMark x1="65208" y1="84291" x2="65208" y2="84291"/>
-                        <a14:foregroundMark x1="37292" y1="87484" x2="37292" y2="87484"/>
-                        <a14:foregroundMark x1="64583" y1="85568" x2="64583" y2="85568"/>
-                        <a14:foregroundMark x1="28333" y1="30907" x2="31458" y2="28863"/>
-                        <a14:foregroundMark x1="28333" y1="29885" x2="28333" y2="29885"/>
-                        <a14:foregroundMark x1="32500" y1="5875" x2="42292" y2="28480"/>
-                        <a14:foregroundMark x1="28750" y1="6641" x2="39375" y2="29757"/>
-                        <a14:foregroundMark x1="33333" y1="28480" x2="48333" y2="28097"/>
+                      <a14:backgroundRemoval t="5000" b="99194" l="3148" r="97337">
+                        <a14:foregroundMark x1="66586" y1="9032" x2="92131" y2="25161"/>
+                        <a14:foregroundMark x1="70823" y1="9839" x2="76755" y2="11774"/>
+                        <a14:foregroundMark x1="77240" y1="11774" x2="86320" y2="17742"/>
                       </a14:backgroundRemoval>
                     </a14:imgEffect>
                   </a14:imgLayer>
@@ -9892,8 +9823,8 @@
         </p:blipFill>
         <p:spPr bwMode="auto">
           <a:xfrm>
-            <a:off x="9730151" y="2920130"/>
-            <a:ext cx="1457816" cy="2378062"/>
+            <a:off x="9074508" y="3197129"/>
+            <a:ext cx="2445294" cy="1835451"/>
           </a:xfrm>
           <a:prstGeom prst="rect">
             <a:avLst/>
@@ -9913,7 +9844,7 @@
     </p:spTree>
     <p:extLst>
       <p:ext uri="{BB962C8B-B14F-4D97-AF65-F5344CB8AC3E}">
-        <p14:creationId xmlns:p14="http://schemas.microsoft.com/office/powerpoint/2010/main" val="833534370"/>
+        <p14:creationId xmlns:p14="http://schemas.microsoft.com/office/powerpoint/2010/main" val="2057503898"/>
       </p:ext>
     </p:extLst>
   </p:cSld>
@@ -10790,7 +10721,7 @@
         <p:spPr>
           <a:xfrm>
             <a:off x="745169" y="3818199"/>
-            <a:ext cx="8146951" cy="2400657"/>
+            <a:ext cx="8146951" cy="1015663"/>
           </a:xfrm>
           <a:prstGeom prst="rect">
             <a:avLst/>
@@ -10820,113 +10751,7 @@
           <a:p>
             <a:r>
               <a:rPr lang="en-US" sz="3000" dirty="0" smtClean="0"/>
-              <a:t>	3		     6		  </a:t>
-            </a:r>
-            <a:r>
-              <a:rPr lang="mr-IN" sz="3000" dirty="0" smtClean="0"/>
-              <a:t>…</a:t>
-            </a:r>
-            <a:r>
-              <a:rPr lang="en-US" sz="3000" dirty="0" smtClean="0"/>
-              <a:t>		2</a:t>
-            </a:r>
-          </a:p>
-          <a:p>
-            <a:r>
-              <a:rPr lang="en-US" sz="3000" dirty="0"/>
               <a:t>	</a:t>
-            </a:r>
-            <a:r>
-              <a:rPr lang="en-US" sz="3000" dirty="0" smtClean="0"/>
-              <a:t>⋮</a:t>
-            </a:r>
-            <a:r>
-              <a:rPr lang="en-US" sz="3000" dirty="0"/>
-              <a:t>	</a:t>
-            </a:r>
-            <a:r>
-              <a:rPr lang="en-US" sz="3000" dirty="0" smtClean="0"/>
-              <a:t>	     ⋮</a:t>
-            </a:r>
-            <a:r>
-              <a:rPr lang="en-US" sz="3000" dirty="0"/>
-              <a:t>	</a:t>
-            </a:r>
-            <a:r>
-              <a:rPr lang="en-US" sz="3000" dirty="0" smtClean="0"/>
-              <a:t>			⋮</a:t>
-            </a:r>
-          </a:p>
-          <a:p>
-            <a:r>
-              <a:rPr lang="en-US" sz="3000" dirty="0" smtClean="0"/>
-              <a:t>	6		     7		  </a:t>
-            </a:r>
-            <a:r>
-              <a:rPr lang="mr-IN" sz="3000" dirty="0" smtClean="0"/>
-              <a:t>…</a:t>
-            </a:r>
-            <a:r>
-              <a:rPr lang="en-US" sz="3000" dirty="0" smtClean="0"/>
-              <a:t>		6</a:t>
-            </a:r>
-          </a:p>
-          <a:p>
-            <a:r>
-              <a:rPr lang="en-US" sz="3000" dirty="0" smtClean="0"/>
-              <a:t>	3		     2		  </a:t>
-            </a:r>
-            <a:r>
-              <a:rPr lang="mr-IN" sz="3000" dirty="0" smtClean="0"/>
-              <a:t>…</a:t>
-            </a:r>
-            <a:r>
-              <a:rPr lang="en-US" sz="3000" dirty="0" smtClean="0"/>
-              <a:t>		9</a:t>
-            </a:r>
-          </a:p>
-        </p:txBody>
-      </p:sp>
-      <p:sp>
-        <p:nvSpPr>
-          <p:cNvPr id="26" name="TextBox 25"/>
-          <p:cNvSpPr txBox="1"/>
-          <p:nvPr/>
-        </p:nvSpPr>
-        <p:spPr>
-          <a:xfrm>
-            <a:off x="8992957" y="5233836"/>
-            <a:ext cx="2932204" cy="1107996"/>
-          </a:xfrm>
-          <a:prstGeom prst="rect">
-            <a:avLst/>
-          </a:prstGeom>
-          <a:noFill/>
-        </p:spPr>
-        <p:txBody>
-          <a:bodyPr wrap="square" rtlCol="0">
-            <a:spAutoFit/>
-          </a:bodyPr>
-          <a:lstStyle/>
-          <a:p>
-            <a:pPr algn="ctr"/>
-            <a:r>
-              <a:rPr lang="en-US" sz="2200" dirty="0" smtClean="0"/>
-              <a:t>cheap</a:t>
-            </a:r>
-          </a:p>
-          <a:p>
-            <a:pPr algn="ctr"/>
-            <a:r>
-              <a:rPr lang="en-US" sz="2200" dirty="0" smtClean="0"/>
-              <a:t>many individuals</a:t>
-            </a:r>
-          </a:p>
-          <a:p>
-            <a:pPr algn="ctr"/>
-            <a:r>
-              <a:rPr lang="en-US" sz="2200" dirty="0" smtClean="0"/>
-              <a:t>but: only averages</a:t>
             </a:r>
           </a:p>
         </p:txBody>
@@ -10981,154 +10806,6 @@
       </p:sp>
       <p:sp>
         <p:nvSpPr>
-          <p:cNvPr id="32" name="Smiley Face 31"/>
-          <p:cNvSpPr/>
-          <p:nvPr/>
-        </p:nvSpPr>
-        <p:spPr>
-          <a:xfrm>
-            <a:off x="656102" y="4389708"/>
-            <a:ext cx="365760" cy="365760"/>
-          </a:xfrm>
-          <a:prstGeom prst="smileyFace">
-            <a:avLst>
-              <a:gd name="adj" fmla="val -4653"/>
-            </a:avLst>
-          </a:prstGeom>
-          <a:solidFill>
-            <a:schemeClr val="accent2"/>
-          </a:solidFill>
-          <a:ln w="6350">
-            <a:solidFill>
-              <a:schemeClr val="tx1"/>
-            </a:solidFill>
-          </a:ln>
-        </p:spPr>
-        <p:style>
-          <a:lnRef idx="2">
-            <a:schemeClr val="accent1">
-              <a:shade val="50000"/>
-            </a:schemeClr>
-          </a:lnRef>
-          <a:fillRef idx="1">
-            <a:schemeClr val="accent1"/>
-          </a:fillRef>
-          <a:effectRef idx="0">
-            <a:schemeClr val="accent1"/>
-          </a:effectRef>
-          <a:fontRef idx="minor">
-            <a:schemeClr val="lt1"/>
-          </a:fontRef>
-        </p:style>
-        <p:txBody>
-          <a:bodyPr rtlCol="0" anchor="ctr"/>
-          <a:lstStyle/>
-          <a:p>
-            <a:pPr algn="ctr"/>
-            <a:endParaRPr lang="en-US"/>
-          </a:p>
-        </p:txBody>
-      </p:sp>
-      <p:sp>
-        <p:nvSpPr>
-          <p:cNvPr id="35" name="Smiley Face 34"/>
-          <p:cNvSpPr/>
-          <p:nvPr/>
-        </p:nvSpPr>
-        <p:spPr>
-          <a:xfrm>
-            <a:off x="650006" y="5302482"/>
-            <a:ext cx="365760" cy="365760"/>
-          </a:xfrm>
-          <a:prstGeom prst="smileyFace">
-            <a:avLst>
-              <a:gd name="adj" fmla="val -4653"/>
-            </a:avLst>
-          </a:prstGeom>
-          <a:solidFill>
-            <a:schemeClr val="accent2"/>
-          </a:solidFill>
-          <a:ln w="6350">
-            <a:solidFill>
-              <a:schemeClr val="tx1"/>
-            </a:solidFill>
-          </a:ln>
-        </p:spPr>
-        <p:style>
-          <a:lnRef idx="2">
-            <a:schemeClr val="accent1">
-              <a:shade val="50000"/>
-            </a:schemeClr>
-          </a:lnRef>
-          <a:fillRef idx="1">
-            <a:schemeClr val="accent1"/>
-          </a:fillRef>
-          <a:effectRef idx="0">
-            <a:schemeClr val="accent1"/>
-          </a:effectRef>
-          <a:fontRef idx="minor">
-            <a:schemeClr val="lt1"/>
-          </a:fontRef>
-        </p:style>
-        <p:txBody>
-          <a:bodyPr rtlCol="0" anchor="ctr"/>
-          <a:lstStyle/>
-          <a:p>
-            <a:pPr algn="ctr"/>
-            <a:endParaRPr lang="en-US"/>
-          </a:p>
-        </p:txBody>
-      </p:sp>
-      <p:sp>
-        <p:nvSpPr>
-          <p:cNvPr id="36" name="Smiley Face 35"/>
-          <p:cNvSpPr/>
-          <p:nvPr/>
-        </p:nvSpPr>
-        <p:spPr>
-          <a:xfrm>
-            <a:off x="646958" y="5754433"/>
-            <a:ext cx="365760" cy="365760"/>
-          </a:xfrm>
-          <a:prstGeom prst="smileyFace">
-            <a:avLst/>
-          </a:prstGeom>
-          <a:solidFill>
-            <a:schemeClr val="accent2"/>
-          </a:solidFill>
-          <a:ln w="6350">
-            <a:solidFill>
-              <a:schemeClr val="tx1"/>
-            </a:solidFill>
-          </a:ln>
-        </p:spPr>
-        <p:style>
-          <a:lnRef idx="2">
-            <a:schemeClr val="accent1">
-              <a:shade val="50000"/>
-            </a:schemeClr>
-          </a:lnRef>
-          <a:fillRef idx="1">
-            <a:schemeClr val="accent1"/>
-          </a:fillRef>
-          <a:effectRef idx="0">
-            <a:schemeClr val="accent1"/>
-          </a:effectRef>
-          <a:fontRef idx="minor">
-            <a:schemeClr val="lt1"/>
-          </a:fontRef>
-        </p:style>
-        <p:txBody>
-          <a:bodyPr rtlCol="0" anchor="ctr"/>
-          <a:lstStyle/>
-          <a:p>
-            <a:pPr algn="ctr"/>
-            <a:endParaRPr lang="en-US"/>
-          </a:p>
-        </p:txBody>
-      </p:sp>
-      <p:sp>
-        <p:nvSpPr>
           <p:cNvPr id="37" name="Rounded Rectangle 36"/>
           <p:cNvSpPr/>
           <p:nvPr/>
@@ -11173,147 +10850,9 @@
           </a:p>
         </p:txBody>
       </p:sp>
-      <p:sp>
-        <p:nvSpPr>
-          <p:cNvPr id="38" name="Rounded Rectangle 37"/>
-          <p:cNvSpPr/>
-          <p:nvPr/>
-        </p:nvSpPr>
-        <p:spPr>
-          <a:xfrm>
-            <a:off x="1289304" y="4354978"/>
-            <a:ext cx="6625336" cy="391989"/>
-          </a:xfrm>
-          <a:prstGeom prst="roundRect">
-            <a:avLst/>
-          </a:prstGeom>
-          <a:noFill/>
-          <a:ln>
-            <a:solidFill>
-              <a:schemeClr val="tx1"/>
-            </a:solidFill>
-          </a:ln>
-        </p:spPr>
-        <p:style>
-          <a:lnRef idx="2">
-            <a:schemeClr val="accent1">
-              <a:shade val="50000"/>
-            </a:schemeClr>
-          </a:lnRef>
-          <a:fillRef idx="1">
-            <a:schemeClr val="accent1"/>
-          </a:fillRef>
-          <a:effectRef idx="0">
-            <a:schemeClr val="accent1"/>
-          </a:effectRef>
-          <a:fontRef idx="minor">
-            <a:schemeClr val="lt1"/>
-          </a:fontRef>
-        </p:style>
-        <p:txBody>
-          <a:bodyPr rtlCol="0" anchor="ctr"/>
-          <a:lstStyle/>
-          <a:p>
-            <a:pPr algn="ctr"/>
-            <a:endParaRPr lang="en-US"/>
-          </a:p>
-        </p:txBody>
-      </p:sp>
-      <p:sp>
-        <p:nvSpPr>
-          <p:cNvPr id="40" name="Rounded Rectangle 39"/>
-          <p:cNvSpPr/>
-          <p:nvPr/>
-        </p:nvSpPr>
-        <p:spPr>
-          <a:xfrm>
-            <a:off x="1289304" y="5269378"/>
-            <a:ext cx="6625336" cy="391989"/>
-          </a:xfrm>
-          <a:prstGeom prst="roundRect">
-            <a:avLst/>
-          </a:prstGeom>
-          <a:noFill/>
-          <a:ln>
-            <a:solidFill>
-              <a:schemeClr val="tx1"/>
-            </a:solidFill>
-          </a:ln>
-        </p:spPr>
-        <p:style>
-          <a:lnRef idx="2">
-            <a:schemeClr val="accent1">
-              <a:shade val="50000"/>
-            </a:schemeClr>
-          </a:lnRef>
-          <a:fillRef idx="1">
-            <a:schemeClr val="accent1"/>
-          </a:fillRef>
-          <a:effectRef idx="0">
-            <a:schemeClr val="accent1"/>
-          </a:effectRef>
-          <a:fontRef idx="minor">
-            <a:schemeClr val="lt1"/>
-          </a:fontRef>
-        </p:style>
-        <p:txBody>
-          <a:bodyPr rtlCol="0" anchor="ctr"/>
-          <a:lstStyle/>
-          <a:p>
-            <a:pPr algn="ctr"/>
-            <a:endParaRPr lang="en-US"/>
-          </a:p>
-        </p:txBody>
-      </p:sp>
-      <p:sp>
-        <p:nvSpPr>
-          <p:cNvPr id="41" name="Rounded Rectangle 40"/>
-          <p:cNvSpPr/>
-          <p:nvPr/>
-        </p:nvSpPr>
-        <p:spPr>
-          <a:xfrm>
-            <a:off x="1289304" y="5726578"/>
-            <a:ext cx="6625336" cy="391989"/>
-          </a:xfrm>
-          <a:prstGeom prst="roundRect">
-            <a:avLst/>
-          </a:prstGeom>
-          <a:noFill/>
-          <a:ln>
-            <a:solidFill>
-              <a:schemeClr val="tx1"/>
-            </a:solidFill>
-          </a:ln>
-        </p:spPr>
-        <p:style>
-          <a:lnRef idx="2">
-            <a:schemeClr val="accent1">
-              <a:shade val="50000"/>
-            </a:schemeClr>
-          </a:lnRef>
-          <a:fillRef idx="1">
-            <a:schemeClr val="accent1"/>
-          </a:fillRef>
-          <a:effectRef idx="0">
-            <a:schemeClr val="accent1"/>
-          </a:effectRef>
-          <a:fontRef idx="minor">
-            <a:schemeClr val="lt1"/>
-          </a:fontRef>
-        </p:style>
-        <p:txBody>
-          <a:bodyPr rtlCol="0" anchor="ctr"/>
-          <a:lstStyle/>
-          <a:p>
-            <a:pPr algn="ctr"/>
-            <a:endParaRPr lang="en-US"/>
-          </a:p>
-        </p:txBody>
-      </p:sp>
       <p:pic>
         <p:nvPicPr>
-          <p:cNvPr id="42" name="Picture 2" descr="mage result for smoothie"/>
+          <p:cNvPr id="34" name="Picture 2" descr="mage result for smoothie"/>
           <p:cNvPicPr>
             <a:picLocks noChangeAspect="1" noChangeArrowheads="1"/>
           </p:cNvPicPr>
@@ -11379,7 +10918,7 @@
     </p:spTree>
     <p:extLst>
       <p:ext uri="{BB962C8B-B14F-4D97-AF65-F5344CB8AC3E}">
-        <p14:creationId xmlns:p14="http://schemas.microsoft.com/office/powerpoint/2010/main" val="1545873015"/>
+        <p14:creationId xmlns:p14="http://schemas.microsoft.com/office/powerpoint/2010/main" val="833534370"/>
       </p:ext>
     </p:extLst>
   </p:cSld>
@@ -11435,7 +10974,7 @@
           <a:p>
             <a:r>
               <a:rPr lang="en-US" dirty="0" smtClean="0"/>
-              <a:t>Summary</a:t>
+              <a:t>Bulk RNA sequencing</a:t>
             </a:r>
             <a:endParaRPr lang="en-US" dirty="0"/>
           </a:p>
@@ -11456,7 +10995,9 @@
             <a:avLst/>
           </a:prstGeom>
           <a:solidFill>
-            <a:schemeClr val="accent1"/>
+            <a:schemeClr val="bg1">
+              <a:lumMod val="75000"/>
+            </a:schemeClr>
           </a:solidFill>
         </p:spPr>
         <p:style>
@@ -11550,7 +11091,9 @@
             <a:avLst/>
           </a:prstGeom>
           <a:solidFill>
-            <a:schemeClr val="accent6"/>
+            <a:schemeClr val="bg1">
+              <a:lumMod val="75000"/>
+            </a:schemeClr>
           </a:solidFill>
         </p:spPr>
         <p:style>
@@ -11675,7 +11218,9 @@
             <a:avLst/>
           </a:prstGeom>
           <a:solidFill>
-            <a:schemeClr val="accent2"/>
+            <a:schemeClr val="bg1">
+              <a:lumMod val="75000"/>
+            </a:schemeClr>
           </a:solidFill>
         </p:spPr>
         <p:style>
@@ -11912,22 +11457,99 @@
           </p:txBody>
         </p:sp>
       </p:grpSp>
+      <p:cxnSp>
+        <p:nvCxnSpPr>
+          <p:cNvPr id="29" name="Straight Connector 28"/>
+          <p:cNvCxnSpPr/>
+          <p:nvPr/>
+        </p:nvCxnSpPr>
+        <p:spPr>
+          <a:xfrm flipV="1">
+            <a:off x="826720" y="3639301"/>
+            <a:ext cx="7894846" cy="21455"/>
+          </a:xfrm>
+          <a:prstGeom prst="line">
+            <a:avLst/>
+          </a:prstGeom>
+          <a:ln>
+            <a:solidFill>
+              <a:schemeClr val="tx1"/>
+            </a:solidFill>
+          </a:ln>
+          <a:effectLst/>
+        </p:spPr>
+        <p:style>
+          <a:lnRef idx="2">
+            <a:schemeClr val="accent1"/>
+          </a:lnRef>
+          <a:fillRef idx="0">
+            <a:schemeClr val="accent1"/>
+          </a:fillRef>
+          <a:effectRef idx="1">
+            <a:schemeClr val="accent1"/>
+          </a:effectRef>
+          <a:fontRef idx="minor">
+            <a:schemeClr val="tx1"/>
+          </a:fontRef>
+        </p:style>
+      </p:cxnSp>
       <p:sp>
         <p:nvSpPr>
-          <p:cNvPr id="25" name="Rectangle 24"/>
+          <p:cNvPr id="30" name="TextBox 29"/>
+          <p:cNvSpPr txBox="1"/>
+          <p:nvPr/>
+        </p:nvSpPr>
+        <p:spPr>
+          <a:xfrm>
+            <a:off x="838200" y="2920130"/>
+            <a:ext cx="7883366" cy="553998"/>
+          </a:xfrm>
+          <a:prstGeom prst="rect">
+            <a:avLst/>
+          </a:prstGeom>
+          <a:noFill/>
+        </p:spPr>
+        <p:txBody>
+          <a:bodyPr wrap="square" rtlCol="0">
+            <a:spAutoFit/>
+          </a:bodyPr>
+          <a:lstStyle/>
+          <a:p>
+            <a:pPr algn="ctr"/>
+            <a:r>
+              <a:rPr lang="en-US" sz="3000" dirty="0">
+                <a:latin typeface="+mj-lt"/>
+              </a:rPr>
+              <a:t>h</a:t>
+            </a:r>
+            <a:r>
+              <a:rPr lang="en-US" sz="3000" dirty="0" smtClean="0">
+                <a:latin typeface="+mj-lt"/>
+              </a:rPr>
+              <a:t>uman genome</a:t>
+            </a:r>
+            <a:endParaRPr lang="en-US" sz="3000" dirty="0">
+              <a:latin typeface="+mj-lt"/>
+            </a:endParaRPr>
+          </a:p>
+        </p:txBody>
+      </p:sp>
+      <p:sp>
+        <p:nvSpPr>
+          <p:cNvPr id="18" name="Rectangle 17"/>
           <p:cNvSpPr/>
           <p:nvPr/>
         </p:nvSpPr>
         <p:spPr>
           <a:xfrm>
-            <a:off x="5726063" y="3694861"/>
-            <a:ext cx="377201" cy="2181401"/>
+            <a:off x="1138517" y="3532496"/>
+            <a:ext cx="1399032" cy="251564"/>
           </a:xfrm>
           <a:prstGeom prst="rect">
             <a:avLst/>
           </a:prstGeom>
           <a:solidFill>
-            <a:schemeClr val="accent2"/>
+            <a:schemeClr val="tx2"/>
           </a:solidFill>
         </p:spPr>
         <p:style>
@@ -11951,24 +11573,35 @@
           <a:lstStyle/>
           <a:p>
             <a:pPr algn="ctr"/>
+            <a:r>
+              <a:rPr lang="en-US" dirty="0"/>
+              <a:t>g</a:t>
+            </a:r>
+            <a:r>
+              <a:rPr lang="en-US" dirty="0" smtClean="0"/>
+              <a:t>ene 1</a:t>
+            </a:r>
             <a:endParaRPr lang="en-US" dirty="0"/>
           </a:p>
         </p:txBody>
       </p:sp>
       <p:sp>
         <p:nvSpPr>
-          <p:cNvPr id="27" name="Rectangle 26"/>
+          <p:cNvPr id="31" name="Rectangle 30"/>
           <p:cNvSpPr/>
           <p:nvPr/>
         </p:nvSpPr>
         <p:spPr>
           <a:xfrm>
-            <a:off x="1992768" y="3694861"/>
-            <a:ext cx="3482967" cy="2181401"/>
+            <a:off x="3352533" y="3529249"/>
+            <a:ext cx="1399032" cy="251564"/>
           </a:xfrm>
           <a:prstGeom prst="rect">
             <a:avLst/>
           </a:prstGeom>
+          <a:solidFill>
+            <a:schemeClr val="tx2"/>
+          </a:solidFill>
         </p:spPr>
         <p:style>
           <a:lnRef idx="2">
@@ -11992,143 +11625,33 @@
           <a:p>
             <a:pPr algn="ctr"/>
             <a:r>
-              <a:rPr lang="en-US" sz="2800" dirty="0" smtClean="0"/>
-              <a:t>genotype matrix</a:t>
-            </a:r>
-            <a:endParaRPr lang="en-US" sz="2800" dirty="0"/>
+              <a:rPr lang="en-US" dirty="0"/>
+              <a:t>g</a:t>
+            </a:r>
+            <a:r>
+              <a:rPr lang="en-US" dirty="0" smtClean="0"/>
+              <a:t>ene 2</a:t>
+            </a:r>
+            <a:endParaRPr lang="en-US" dirty="0"/>
           </a:p>
         </p:txBody>
       </p:sp>
       <p:sp>
         <p:nvSpPr>
-          <p:cNvPr id="28" name="TextBox 27"/>
-          <p:cNvSpPr txBox="1"/>
-          <p:nvPr/>
-        </p:nvSpPr>
-        <p:spPr>
-          <a:xfrm rot="16200000">
-            <a:off x="639487" y="4546571"/>
-            <a:ext cx="2238113" cy="430887"/>
-          </a:xfrm>
-          <a:prstGeom prst="rect">
-            <a:avLst/>
-          </a:prstGeom>
-          <a:noFill/>
-        </p:spPr>
-        <p:txBody>
-          <a:bodyPr wrap="none" rtlCol="0">
-            <a:spAutoFit/>
-          </a:bodyPr>
-          <a:lstStyle/>
-          <a:p>
-            <a:pPr algn="ctr"/>
-            <a:r>
-              <a:rPr lang="en-US" sz="2200" dirty="0"/>
-              <a:t>p</a:t>
-            </a:r>
-            <a:r>
-              <a:rPr lang="en-US" sz="2200" dirty="0" smtClean="0"/>
-              <a:t>eople (10</a:t>
-            </a:r>
-            <a:r>
-              <a:rPr lang="en-US" sz="2200" baseline="30000" dirty="0" smtClean="0"/>
-              <a:t>4</a:t>
-            </a:r>
-            <a:r>
-              <a:rPr lang="en-US" sz="2200" dirty="0" smtClean="0"/>
-              <a:t> </a:t>
-            </a:r>
-            <a:r>
-              <a:rPr lang="mr-IN" sz="2200" dirty="0" smtClean="0"/>
-              <a:t>–</a:t>
-            </a:r>
-            <a:r>
-              <a:rPr lang="en-US" sz="2200" dirty="0" smtClean="0"/>
-              <a:t> 10</a:t>
-            </a:r>
-            <a:r>
-              <a:rPr lang="en-US" sz="2200" baseline="30000" dirty="0" smtClean="0"/>
-              <a:t>5</a:t>
-            </a:r>
-            <a:r>
-              <a:rPr lang="en-US" sz="2200" dirty="0" smtClean="0"/>
-              <a:t>)</a:t>
-            </a:r>
-            <a:endParaRPr lang="en-US" sz="2200" dirty="0"/>
-          </a:p>
-        </p:txBody>
-      </p:sp>
-      <p:sp>
-        <p:nvSpPr>
-          <p:cNvPr id="32" name="TextBox 31"/>
-          <p:cNvSpPr txBox="1"/>
-          <p:nvPr/>
-        </p:nvSpPr>
-        <p:spPr>
-          <a:xfrm>
-            <a:off x="1992769" y="3278464"/>
-            <a:ext cx="3482966" cy="430887"/>
-          </a:xfrm>
-          <a:prstGeom prst="rect">
-            <a:avLst/>
-          </a:prstGeom>
-          <a:noFill/>
-        </p:spPr>
-        <p:txBody>
-          <a:bodyPr wrap="square" rtlCol="0">
-            <a:spAutoFit/>
-          </a:bodyPr>
-          <a:lstStyle/>
-          <a:p>
-            <a:pPr algn="ctr"/>
-            <a:r>
-              <a:rPr lang="en-US" sz="2200" dirty="0" smtClean="0"/>
-              <a:t>SNPs (10</a:t>
-            </a:r>
-            <a:r>
-              <a:rPr lang="en-US" sz="2200" baseline="30000" dirty="0" smtClean="0"/>
-              <a:t>6</a:t>
-            </a:r>
-            <a:r>
-              <a:rPr lang="en-US" sz="2200" dirty="0" smtClean="0"/>
-              <a:t> </a:t>
-            </a:r>
-            <a:r>
-              <a:rPr lang="mr-IN" sz="2200" dirty="0" smtClean="0"/>
-              <a:t>–</a:t>
-            </a:r>
-            <a:r>
-              <a:rPr lang="en-US" sz="2200" dirty="0" smtClean="0"/>
-              <a:t> 10</a:t>
-            </a:r>
-            <a:r>
-              <a:rPr lang="en-US" sz="2200" baseline="30000" dirty="0" smtClean="0"/>
-              <a:t>7</a:t>
-            </a:r>
-            <a:r>
-              <a:rPr lang="en-US" sz="2200" dirty="0" smtClean="0"/>
-              <a:t>)</a:t>
-            </a:r>
-            <a:endParaRPr lang="en-US" sz="2200" dirty="0"/>
-          </a:p>
-        </p:txBody>
-      </p:sp>
-      <p:sp>
-        <p:nvSpPr>
-          <p:cNvPr id="40" name="Rectangle 39"/>
+          <p:cNvPr id="33" name="Rectangle 32"/>
           <p:cNvSpPr/>
           <p:nvPr/>
         </p:nvSpPr>
         <p:spPr>
           <a:xfrm>
-            <a:off x="7437239" y="3311768"/>
-            <a:ext cx="2609586" cy="959062"/>
+            <a:off x="6643991" y="3503299"/>
+            <a:ext cx="1400793" cy="251564"/>
           </a:xfrm>
           <a:prstGeom prst="rect">
             <a:avLst/>
           </a:prstGeom>
           <a:solidFill>
-            <a:schemeClr val="accent4"/>
+            <a:schemeClr val="tx2"/>
           </a:solidFill>
         </p:spPr>
         <p:style>
@@ -12153,116 +11676,37 @@
           <a:p>
             <a:pPr algn="ctr"/>
             <a:r>
-              <a:rPr lang="en-US" sz="2800" dirty="0" smtClean="0"/>
-              <a:t>bulk RNA sequencing</a:t>
-            </a:r>
-            <a:endParaRPr lang="en-US" sz="2800" dirty="0"/>
+              <a:rPr lang="en-US"/>
+              <a:t>g</a:t>
+            </a:r>
+            <a:r>
+              <a:rPr lang="en-US" smtClean="0"/>
+              <a:t>ene 20,000</a:t>
+            </a:r>
+            <a:endParaRPr lang="en-US" dirty="0"/>
           </a:p>
         </p:txBody>
       </p:sp>
       <p:sp>
         <p:nvSpPr>
-          <p:cNvPr id="41" name="TextBox 40"/>
-          <p:cNvSpPr txBox="1"/>
-          <p:nvPr/>
-        </p:nvSpPr>
-        <p:spPr>
-          <a:xfrm>
-            <a:off x="7937930" y="2880880"/>
-            <a:ext cx="1469985" cy="430887"/>
-          </a:xfrm>
-          <a:prstGeom prst="rect">
-            <a:avLst/>
-          </a:prstGeom>
-          <a:noFill/>
-        </p:spPr>
-        <p:txBody>
-          <a:bodyPr wrap="square" rtlCol="0">
-            <a:spAutoFit/>
-          </a:bodyPr>
-          <a:lstStyle/>
-          <a:p>
-            <a:pPr algn="ctr"/>
-            <a:r>
-              <a:rPr lang="en-US" sz="2200" dirty="0" smtClean="0"/>
-              <a:t>genes (</a:t>
-            </a:r>
-            <a:r>
-              <a:rPr lang="en-US" sz="2200" dirty="0" smtClean="0"/>
-              <a:t>10</a:t>
-            </a:r>
-            <a:r>
-              <a:rPr lang="en-US" sz="2200" baseline="30000" dirty="0"/>
-              <a:t>4</a:t>
-            </a:r>
-            <a:r>
-              <a:rPr lang="en-US" sz="2200" dirty="0" smtClean="0"/>
-              <a:t>)</a:t>
-            </a:r>
-            <a:endParaRPr lang="en-US" sz="2200" dirty="0"/>
-          </a:p>
-        </p:txBody>
-      </p:sp>
-      <p:sp>
-        <p:nvSpPr>
-          <p:cNvPr id="42" name="TextBox 41"/>
-          <p:cNvSpPr txBox="1"/>
-          <p:nvPr/>
-        </p:nvSpPr>
-        <p:spPr>
-          <a:xfrm rot="16200000">
-            <a:off x="6374399" y="3596894"/>
-            <a:ext cx="1588897" cy="430887"/>
-          </a:xfrm>
-          <a:prstGeom prst="rect">
-            <a:avLst/>
-          </a:prstGeom>
-          <a:noFill/>
-        </p:spPr>
-        <p:txBody>
-          <a:bodyPr wrap="none" rtlCol="0">
-            <a:spAutoFit/>
-          </a:bodyPr>
-          <a:lstStyle/>
-          <a:p>
-            <a:pPr algn="ctr"/>
-            <a:r>
-              <a:rPr lang="en-US" sz="2200" dirty="0"/>
-              <a:t>p</a:t>
-            </a:r>
-            <a:r>
-              <a:rPr lang="en-US" sz="2200" dirty="0" smtClean="0"/>
-              <a:t>eople (10</a:t>
-            </a:r>
-            <a:r>
-              <a:rPr lang="en-US" sz="2200" baseline="30000" dirty="0" smtClean="0"/>
-              <a:t>2</a:t>
-            </a:r>
-            <a:r>
-              <a:rPr lang="en-US" sz="2200" dirty="0" smtClean="0"/>
-              <a:t>)</a:t>
-            </a:r>
-            <a:endParaRPr lang="en-US" sz="2200" dirty="0"/>
-          </a:p>
-        </p:txBody>
-      </p:sp>
-      <p:sp>
-        <p:nvSpPr>
-          <p:cNvPr id="43" name="Rectangle 42"/>
+          <p:cNvPr id="19" name="Rectangle 18"/>
           <p:cNvSpPr/>
           <p:nvPr/>
         </p:nvSpPr>
         <p:spPr>
           <a:xfrm>
-            <a:off x="7437239" y="4982832"/>
-            <a:ext cx="2609586" cy="1614738"/>
+            <a:off x="5471098" y="3406019"/>
+            <a:ext cx="496111" cy="277514"/>
           </a:xfrm>
           <a:prstGeom prst="rect">
             <a:avLst/>
           </a:prstGeom>
           <a:solidFill>
-            <a:schemeClr val="accent4"/>
+            <a:schemeClr val="bg1"/>
           </a:solidFill>
+          <a:ln>
+            <a:noFill/>
+          </a:ln>
         </p:spPr>
         <p:style>
           <a:lnRef idx="2">
@@ -12286,30 +11730,37 @@
           <a:p>
             <a:pPr algn="ctr"/>
             <a:r>
-              <a:rPr lang="en-US" sz="2800" dirty="0" smtClean="0"/>
-              <a:t>single-cell RNA sequencing</a:t>
-            </a:r>
-          </a:p>
-          <a:p>
-            <a:pPr algn="ctr"/>
-            <a:r>
-              <a:rPr lang="en-US" sz="2800" dirty="0" smtClean="0"/>
-              <a:t>(per individual)</a:t>
-            </a:r>
-            <a:endParaRPr lang="en-US" sz="2800" dirty="0"/>
+              <a:rPr lang="mr-IN" sz="3000" dirty="0" smtClean="0">
+                <a:solidFill>
+                  <a:schemeClr val="tx1"/>
+                </a:solidFill>
+                <a:latin typeface="Calibri" charset="0"/>
+                <a:ea typeface="Calibri" charset="0"/>
+                <a:cs typeface="Calibri" charset="0"/>
+              </a:rPr>
+              <a:t>…</a:t>
+            </a:r>
+            <a:endParaRPr lang="en-US" sz="3000" dirty="0">
+              <a:solidFill>
+                <a:schemeClr val="tx1"/>
+              </a:solidFill>
+              <a:latin typeface="Calibri" charset="0"/>
+              <a:ea typeface="Calibri" charset="0"/>
+              <a:cs typeface="Calibri" charset="0"/>
+            </a:endParaRPr>
           </a:p>
         </p:txBody>
       </p:sp>
       <p:sp>
         <p:nvSpPr>
-          <p:cNvPr id="45" name="TextBox 44"/>
+          <p:cNvPr id="21" name="TextBox 20"/>
           <p:cNvSpPr txBox="1"/>
           <p:nvPr/>
         </p:nvSpPr>
         <p:spPr>
           <a:xfrm rot="16200000">
-            <a:off x="6520272" y="5623680"/>
-            <a:ext cx="1297150" cy="430887"/>
+            <a:off x="-911717" y="4662807"/>
+            <a:ext cx="2558100" cy="553998"/>
           </a:xfrm>
           <a:prstGeom prst="rect">
             <a:avLst/>
@@ -12317,45 +11768,152 @@
           <a:noFill/>
         </p:spPr>
         <p:txBody>
-          <a:bodyPr wrap="none" rtlCol="0">
+          <a:bodyPr wrap="square" rtlCol="0">
             <a:spAutoFit/>
           </a:bodyPr>
           <a:lstStyle/>
           <a:p>
             <a:pPr algn="ctr"/>
             <a:r>
-              <a:rPr lang="en-US" sz="2200" dirty="0" smtClean="0"/>
-              <a:t>cells (10</a:t>
-            </a:r>
-            <a:r>
-              <a:rPr lang="en-US" sz="2200" baseline="30000" dirty="0" smtClean="0"/>
-              <a:t>3</a:t>
-            </a:r>
-            <a:r>
-              <a:rPr lang="en-US" sz="2200" dirty="0" smtClean="0"/>
-              <a:t>)</a:t>
-            </a:r>
-            <a:endParaRPr lang="en-US" sz="2200" dirty="0"/>
+              <a:rPr lang="en-US" sz="3000" dirty="0" smtClean="0">
+                <a:latin typeface="+mj-lt"/>
+              </a:rPr>
+              <a:t>people</a:t>
+            </a:r>
+            <a:endParaRPr lang="en-US" sz="3000" dirty="0">
+              <a:latin typeface="+mj-lt"/>
+            </a:endParaRPr>
           </a:p>
         </p:txBody>
       </p:sp>
       <p:sp>
         <p:nvSpPr>
-          <p:cNvPr id="46" name="Rectangle 45"/>
+          <p:cNvPr id="22" name="TextBox 21"/>
+          <p:cNvSpPr txBox="1"/>
+          <p:nvPr/>
+        </p:nvSpPr>
+        <p:spPr>
+          <a:xfrm>
+            <a:off x="745169" y="3818199"/>
+            <a:ext cx="8146951" cy="2400657"/>
+          </a:xfrm>
+          <a:prstGeom prst="rect">
+            <a:avLst/>
+          </a:prstGeom>
+          <a:noFill/>
+        </p:spPr>
+        <p:txBody>
+          <a:bodyPr wrap="square" rtlCol="0">
+            <a:spAutoFit/>
+          </a:bodyPr>
+          <a:lstStyle/>
+          <a:p>
+            <a:r>
+              <a:rPr lang="en-US" sz="3000" dirty="0" smtClean="0"/>
+              <a:t> 	1		     2		  </a:t>
+            </a:r>
+            <a:r>
+              <a:rPr lang="mr-IN" sz="3000" dirty="0" smtClean="0"/>
+              <a:t>…</a:t>
+            </a:r>
+            <a:r>
+              <a:rPr lang="en-US" sz="3000" dirty="0" smtClean="0"/>
+              <a:t>		0</a:t>
+            </a:r>
+            <a:endParaRPr lang="en-US" sz="3000" dirty="0"/>
+          </a:p>
+          <a:p>
+            <a:r>
+              <a:rPr lang="en-US" sz="3000" dirty="0" smtClean="0"/>
+              <a:t>	3		     6		  </a:t>
+            </a:r>
+            <a:r>
+              <a:rPr lang="mr-IN" sz="3000" dirty="0" smtClean="0"/>
+              <a:t>…</a:t>
+            </a:r>
+            <a:r>
+              <a:rPr lang="en-US" sz="3000" dirty="0" smtClean="0"/>
+              <a:t>		2</a:t>
+            </a:r>
+          </a:p>
+          <a:p>
+            <a:r>
+              <a:rPr lang="en-US" sz="3000" dirty="0"/>
+              <a:t>	</a:t>
+            </a:r>
+            <a:r>
+              <a:rPr lang="en-US" sz="3000" dirty="0" smtClean="0"/>
+              <a:t>⋮</a:t>
+            </a:r>
+            <a:r>
+              <a:rPr lang="en-US" sz="3000" dirty="0"/>
+              <a:t>	</a:t>
+            </a:r>
+            <a:r>
+              <a:rPr lang="en-US" sz="3000" dirty="0" smtClean="0"/>
+              <a:t>	     ⋮</a:t>
+            </a:r>
+            <a:r>
+              <a:rPr lang="en-US" sz="3000" dirty="0"/>
+              <a:t>	</a:t>
+            </a:r>
+            <a:r>
+              <a:rPr lang="en-US" sz="3000" dirty="0" smtClean="0"/>
+              <a:t>			⋮</a:t>
+            </a:r>
+          </a:p>
+          <a:p>
+            <a:r>
+              <a:rPr lang="en-US" sz="3000" dirty="0" smtClean="0"/>
+              <a:t>	6		     7		  </a:t>
+            </a:r>
+            <a:r>
+              <a:rPr lang="mr-IN" sz="3000" dirty="0" smtClean="0"/>
+              <a:t>…</a:t>
+            </a:r>
+            <a:r>
+              <a:rPr lang="en-US" sz="3000" dirty="0" smtClean="0"/>
+              <a:t>		6</a:t>
+            </a:r>
+          </a:p>
+          <a:p>
+            <a:r>
+              <a:rPr lang="en-US" sz="3000" dirty="0" smtClean="0"/>
+              <a:t>	3		     2		  </a:t>
+            </a:r>
+            <a:r>
+              <a:rPr lang="mr-IN" sz="3000" dirty="0" smtClean="0"/>
+              <a:t>…</a:t>
+            </a:r>
+            <a:r>
+              <a:rPr lang="en-US" sz="3000" dirty="0" smtClean="0"/>
+              <a:t>		9</a:t>
+            </a:r>
+          </a:p>
+        </p:txBody>
+      </p:sp>
+      <p:sp>
+        <p:nvSpPr>
+          <p:cNvPr id="28" name="Smiley Face 27"/>
           <p:cNvSpPr/>
           <p:nvPr/>
         </p:nvSpPr>
         <p:spPr>
           <a:xfrm>
-            <a:off x="10266550" y="3311767"/>
-            <a:ext cx="377201" cy="959063"/>
-          </a:xfrm>
-          <a:prstGeom prst="rect">
+            <a:off x="659150" y="3913847"/>
+            <a:ext cx="365760" cy="365760"/>
+          </a:xfrm>
+          <a:prstGeom prst="smileyFace">
             <a:avLst/>
           </a:prstGeom>
           <a:solidFill>
             <a:schemeClr val="accent2"/>
           </a:solidFill>
+          <a:ln w="6350">
+            <a:solidFill>
+              <a:schemeClr val="tx1"/>
+            </a:solidFill>
+          </a:ln>
         </p:spPr>
         <p:style>
           <a:lnRef idx="2">
@@ -12378,14 +11936,1877 @@
           <a:lstStyle/>
           <a:p>
             <a:pPr algn="ctr"/>
-            <a:endParaRPr lang="en-US" dirty="0"/>
+            <a:endParaRPr lang="en-US"/>
           </a:p>
         </p:txBody>
       </p:sp>
+      <p:sp>
+        <p:nvSpPr>
+          <p:cNvPr id="32" name="Smiley Face 31"/>
+          <p:cNvSpPr/>
+          <p:nvPr/>
+        </p:nvSpPr>
+        <p:spPr>
+          <a:xfrm>
+            <a:off x="656102" y="4389708"/>
+            <a:ext cx="365760" cy="365760"/>
+          </a:xfrm>
+          <a:prstGeom prst="smileyFace">
+            <a:avLst>
+              <a:gd name="adj" fmla="val -4653"/>
+            </a:avLst>
+          </a:prstGeom>
+          <a:solidFill>
+            <a:schemeClr val="accent2"/>
+          </a:solidFill>
+          <a:ln w="6350">
+            <a:solidFill>
+              <a:schemeClr val="tx1"/>
+            </a:solidFill>
+          </a:ln>
+        </p:spPr>
+        <p:style>
+          <a:lnRef idx="2">
+            <a:schemeClr val="accent1">
+              <a:shade val="50000"/>
+            </a:schemeClr>
+          </a:lnRef>
+          <a:fillRef idx="1">
+            <a:schemeClr val="accent1"/>
+          </a:fillRef>
+          <a:effectRef idx="0">
+            <a:schemeClr val="accent1"/>
+          </a:effectRef>
+          <a:fontRef idx="minor">
+            <a:schemeClr val="lt1"/>
+          </a:fontRef>
+        </p:style>
+        <p:txBody>
+          <a:bodyPr rtlCol="0" anchor="ctr"/>
+          <a:lstStyle/>
+          <a:p>
+            <a:pPr algn="ctr"/>
+            <a:endParaRPr lang="en-US"/>
+          </a:p>
+        </p:txBody>
+      </p:sp>
+      <p:sp>
+        <p:nvSpPr>
+          <p:cNvPr id="35" name="Smiley Face 34"/>
+          <p:cNvSpPr/>
+          <p:nvPr/>
+        </p:nvSpPr>
+        <p:spPr>
+          <a:xfrm>
+            <a:off x="650006" y="5302482"/>
+            <a:ext cx="365760" cy="365760"/>
+          </a:xfrm>
+          <a:prstGeom prst="smileyFace">
+            <a:avLst>
+              <a:gd name="adj" fmla="val -4653"/>
+            </a:avLst>
+          </a:prstGeom>
+          <a:solidFill>
+            <a:schemeClr val="accent2"/>
+          </a:solidFill>
+          <a:ln w="6350">
+            <a:solidFill>
+              <a:schemeClr val="tx1"/>
+            </a:solidFill>
+          </a:ln>
+        </p:spPr>
+        <p:style>
+          <a:lnRef idx="2">
+            <a:schemeClr val="accent1">
+              <a:shade val="50000"/>
+            </a:schemeClr>
+          </a:lnRef>
+          <a:fillRef idx="1">
+            <a:schemeClr val="accent1"/>
+          </a:fillRef>
+          <a:effectRef idx="0">
+            <a:schemeClr val="accent1"/>
+          </a:effectRef>
+          <a:fontRef idx="minor">
+            <a:schemeClr val="lt1"/>
+          </a:fontRef>
+        </p:style>
+        <p:txBody>
+          <a:bodyPr rtlCol="0" anchor="ctr"/>
+          <a:lstStyle/>
+          <a:p>
+            <a:pPr algn="ctr"/>
+            <a:endParaRPr lang="en-US"/>
+          </a:p>
+        </p:txBody>
+      </p:sp>
+      <p:sp>
+        <p:nvSpPr>
+          <p:cNvPr id="36" name="Smiley Face 35"/>
+          <p:cNvSpPr/>
+          <p:nvPr/>
+        </p:nvSpPr>
+        <p:spPr>
+          <a:xfrm>
+            <a:off x="646958" y="5754433"/>
+            <a:ext cx="365760" cy="365760"/>
+          </a:xfrm>
+          <a:prstGeom prst="smileyFace">
+            <a:avLst/>
+          </a:prstGeom>
+          <a:solidFill>
+            <a:schemeClr val="accent2"/>
+          </a:solidFill>
+          <a:ln w="6350">
+            <a:solidFill>
+              <a:schemeClr val="tx1"/>
+            </a:solidFill>
+          </a:ln>
+        </p:spPr>
+        <p:style>
+          <a:lnRef idx="2">
+            <a:schemeClr val="accent1">
+              <a:shade val="50000"/>
+            </a:schemeClr>
+          </a:lnRef>
+          <a:fillRef idx="1">
+            <a:schemeClr val="accent1"/>
+          </a:fillRef>
+          <a:effectRef idx="0">
+            <a:schemeClr val="accent1"/>
+          </a:effectRef>
+          <a:fontRef idx="minor">
+            <a:schemeClr val="lt1"/>
+          </a:fontRef>
+        </p:style>
+        <p:txBody>
+          <a:bodyPr rtlCol="0" anchor="ctr"/>
+          <a:lstStyle/>
+          <a:p>
+            <a:pPr algn="ctr"/>
+            <a:endParaRPr lang="en-US"/>
+          </a:p>
+        </p:txBody>
+      </p:sp>
+      <p:sp>
+        <p:nvSpPr>
+          <p:cNvPr id="37" name="Rounded Rectangle 36"/>
+          <p:cNvSpPr/>
+          <p:nvPr/>
+        </p:nvSpPr>
+        <p:spPr>
+          <a:xfrm>
+            <a:off x="1289304" y="3897778"/>
+            <a:ext cx="6625336" cy="391989"/>
+          </a:xfrm>
+          <a:prstGeom prst="roundRect">
+            <a:avLst/>
+          </a:prstGeom>
+          <a:noFill/>
+          <a:ln>
+            <a:solidFill>
+              <a:schemeClr val="tx1"/>
+            </a:solidFill>
+          </a:ln>
+        </p:spPr>
+        <p:style>
+          <a:lnRef idx="2">
+            <a:schemeClr val="accent1">
+              <a:shade val="50000"/>
+            </a:schemeClr>
+          </a:lnRef>
+          <a:fillRef idx="1">
+            <a:schemeClr val="accent1"/>
+          </a:fillRef>
+          <a:effectRef idx="0">
+            <a:schemeClr val="accent1"/>
+          </a:effectRef>
+          <a:fontRef idx="minor">
+            <a:schemeClr val="lt1"/>
+          </a:fontRef>
+        </p:style>
+        <p:txBody>
+          <a:bodyPr rtlCol="0" anchor="ctr"/>
+          <a:lstStyle/>
+          <a:p>
+            <a:pPr algn="ctr"/>
+            <a:endParaRPr lang="en-US"/>
+          </a:p>
+        </p:txBody>
+      </p:sp>
+      <p:sp>
+        <p:nvSpPr>
+          <p:cNvPr id="38" name="Rounded Rectangle 37"/>
+          <p:cNvSpPr/>
+          <p:nvPr/>
+        </p:nvSpPr>
+        <p:spPr>
+          <a:xfrm>
+            <a:off x="1289304" y="4354978"/>
+            <a:ext cx="6625336" cy="391989"/>
+          </a:xfrm>
+          <a:prstGeom prst="roundRect">
+            <a:avLst/>
+          </a:prstGeom>
+          <a:noFill/>
+          <a:ln>
+            <a:solidFill>
+              <a:schemeClr val="tx1"/>
+            </a:solidFill>
+          </a:ln>
+        </p:spPr>
+        <p:style>
+          <a:lnRef idx="2">
+            <a:schemeClr val="accent1">
+              <a:shade val="50000"/>
+            </a:schemeClr>
+          </a:lnRef>
+          <a:fillRef idx="1">
+            <a:schemeClr val="accent1"/>
+          </a:fillRef>
+          <a:effectRef idx="0">
+            <a:schemeClr val="accent1"/>
+          </a:effectRef>
+          <a:fontRef idx="minor">
+            <a:schemeClr val="lt1"/>
+          </a:fontRef>
+        </p:style>
+        <p:txBody>
+          <a:bodyPr rtlCol="0" anchor="ctr"/>
+          <a:lstStyle/>
+          <a:p>
+            <a:pPr algn="ctr"/>
+            <a:endParaRPr lang="en-US"/>
+          </a:p>
+        </p:txBody>
+      </p:sp>
+      <p:sp>
+        <p:nvSpPr>
+          <p:cNvPr id="40" name="Rounded Rectangle 39"/>
+          <p:cNvSpPr/>
+          <p:nvPr/>
+        </p:nvSpPr>
+        <p:spPr>
+          <a:xfrm>
+            <a:off x="1289304" y="5269378"/>
+            <a:ext cx="6625336" cy="391989"/>
+          </a:xfrm>
+          <a:prstGeom prst="roundRect">
+            <a:avLst/>
+          </a:prstGeom>
+          <a:noFill/>
+          <a:ln>
+            <a:solidFill>
+              <a:schemeClr val="tx1"/>
+            </a:solidFill>
+          </a:ln>
+        </p:spPr>
+        <p:style>
+          <a:lnRef idx="2">
+            <a:schemeClr val="accent1">
+              <a:shade val="50000"/>
+            </a:schemeClr>
+          </a:lnRef>
+          <a:fillRef idx="1">
+            <a:schemeClr val="accent1"/>
+          </a:fillRef>
+          <a:effectRef idx="0">
+            <a:schemeClr val="accent1"/>
+          </a:effectRef>
+          <a:fontRef idx="minor">
+            <a:schemeClr val="lt1"/>
+          </a:fontRef>
+        </p:style>
+        <p:txBody>
+          <a:bodyPr rtlCol="0" anchor="ctr"/>
+          <a:lstStyle/>
+          <a:p>
+            <a:pPr algn="ctr"/>
+            <a:endParaRPr lang="en-US"/>
+          </a:p>
+        </p:txBody>
+      </p:sp>
+      <p:sp>
+        <p:nvSpPr>
+          <p:cNvPr id="41" name="Rounded Rectangle 40"/>
+          <p:cNvSpPr/>
+          <p:nvPr/>
+        </p:nvSpPr>
+        <p:spPr>
+          <a:xfrm>
+            <a:off x="1289304" y="5726578"/>
+            <a:ext cx="6625336" cy="391989"/>
+          </a:xfrm>
+          <a:prstGeom prst="roundRect">
+            <a:avLst/>
+          </a:prstGeom>
+          <a:noFill/>
+          <a:ln>
+            <a:solidFill>
+              <a:schemeClr val="tx1"/>
+            </a:solidFill>
+          </a:ln>
+        </p:spPr>
+        <p:style>
+          <a:lnRef idx="2">
+            <a:schemeClr val="accent1">
+              <a:shade val="50000"/>
+            </a:schemeClr>
+          </a:lnRef>
+          <a:fillRef idx="1">
+            <a:schemeClr val="accent1"/>
+          </a:fillRef>
+          <a:effectRef idx="0">
+            <a:schemeClr val="accent1"/>
+          </a:effectRef>
+          <a:fontRef idx="minor">
+            <a:schemeClr val="lt1"/>
+          </a:fontRef>
+        </p:style>
+        <p:txBody>
+          <a:bodyPr rtlCol="0" anchor="ctr"/>
+          <a:lstStyle/>
+          <a:p>
+            <a:pPr algn="ctr"/>
+            <a:endParaRPr lang="en-US"/>
+          </a:p>
+        </p:txBody>
+      </p:sp>
+      <p:pic>
+        <p:nvPicPr>
+          <p:cNvPr id="42" name="Picture 2" descr="mage result for smoothie"/>
+          <p:cNvPicPr>
+            <a:picLocks noChangeAspect="1" noChangeArrowheads="1"/>
+          </p:cNvPicPr>
+          <p:nvPr/>
+        </p:nvPicPr>
+        <p:blipFill>
+          <a:blip r:embed="rId2">
+            <a:extLst>
+              <a:ext uri="{BEBA8EAE-BF5A-486C-A8C5-ECC9F3942E4B}">
+                <a14:imgProps xmlns:a14="http://schemas.microsoft.com/office/drawing/2010/main">
+                  <a14:imgLayer r:embed="rId3">
+                    <a14:imgEffect>
+                      <a14:backgroundRemoval t="4215" b="91188" l="19375" r="88333">
+                        <a14:foregroundMark x1="30625" y1="6641" x2="40000" y2="27203"/>
+                        <a14:foregroundMark x1="32917" y1="80971" x2="65208" y2="81226"/>
+                        <a14:foregroundMark x1="33333" y1="84802" x2="65000" y2="84930"/>
+                        <a14:foregroundMark x1="39167" y1="87484" x2="60208" y2="87739"/>
+                        <a14:foregroundMark x1="41875" y1="88378" x2="52917" y2="88889"/>
+                        <a14:foregroundMark x1="39167" y1="87867" x2="41250" y2="88506"/>
+                        <a14:foregroundMark x1="65208" y1="84291" x2="65208" y2="84291"/>
+                        <a14:foregroundMark x1="37292" y1="87484" x2="37292" y2="87484"/>
+                        <a14:foregroundMark x1="64583" y1="85568" x2="64583" y2="85568"/>
+                        <a14:foregroundMark x1="28333" y1="30907" x2="31458" y2="28863"/>
+                        <a14:foregroundMark x1="28333" y1="29885" x2="28333" y2="29885"/>
+                        <a14:foregroundMark x1="32500" y1="5875" x2="42292" y2="28480"/>
+                        <a14:foregroundMark x1="28750" y1="6641" x2="39375" y2="29757"/>
+                        <a14:foregroundMark x1="33333" y1="28480" x2="48333" y2="28097"/>
+                      </a14:backgroundRemoval>
+                    </a14:imgEffect>
+                  </a14:imgLayer>
+                </a14:imgProps>
+              </a:ext>
+              <a:ext uri="{28A0092B-C50C-407E-A947-70E740481C1C}">
+                <a14:useLocalDpi xmlns:a14="http://schemas.microsoft.com/office/drawing/2010/main" val="0"/>
+              </a:ext>
+            </a:extLst>
+          </a:blip>
+          <a:srcRect/>
+          <a:stretch>
+            <a:fillRect/>
+          </a:stretch>
+        </p:blipFill>
+        <p:spPr bwMode="auto">
+          <a:xfrm>
+            <a:off x="9730151" y="2920130"/>
+            <a:ext cx="1457816" cy="2378062"/>
+          </a:xfrm>
+          <a:prstGeom prst="rect">
+            <a:avLst/>
+          </a:prstGeom>
+          <a:noFill/>
+          <a:extLst>
+            <a:ext uri="{909E8E84-426E-40DD-AFC4-6F175D3DCCD1}">
+              <a14:hiddenFill xmlns:a14="http://schemas.microsoft.com/office/drawing/2010/main">
+                <a:solidFill>
+                  <a:srgbClr val="FFFFFF"/>
+                </a:solidFill>
+              </a14:hiddenFill>
+            </a:ext>
+          </a:extLst>
+        </p:spPr>
+      </p:pic>
     </p:spTree>
     <p:extLst>
       <p:ext uri="{BB962C8B-B14F-4D97-AF65-F5344CB8AC3E}">
-        <p14:creationId xmlns:p14="http://schemas.microsoft.com/office/powerpoint/2010/main" val="1350237153"/>
+        <p14:creationId xmlns:p14="http://schemas.microsoft.com/office/powerpoint/2010/main" val="1545873015"/>
+      </p:ext>
+    </p:extLst>
+  </p:cSld>
+  <p:clrMapOvr>
+    <a:masterClrMapping/>
+  </p:clrMapOvr>
+  <p:timing>
+    <p:tnLst>
+      <p:par>
+        <p:cTn id="1" dur="indefinite" restart="never" nodeType="tmRoot"/>
+      </p:par>
+    </p:tnLst>
+  </p:timing>
+</p:sld>
+</file>
+
+<file path=ppt/slides/slide19.xml><?xml version="1.0" encoding="utf-8"?>
+<p:sld xmlns:a="http://schemas.openxmlformats.org/drawingml/2006/main" xmlns:r="http://schemas.openxmlformats.org/officeDocument/2006/relationships" xmlns:p="http://schemas.openxmlformats.org/presentationml/2006/main">
+  <p:cSld>
+    <p:spTree>
+      <p:nvGrpSpPr>
+        <p:cNvPr id="1" name=""/>
+        <p:cNvGrpSpPr/>
+        <p:nvPr/>
+      </p:nvGrpSpPr>
+      <p:grpSpPr>
+        <a:xfrm>
+          <a:off x="0" y="0"/>
+          <a:ext cx="0" cy="0"/>
+          <a:chOff x="0" y="0"/>
+          <a:chExt cx="0" cy="0"/>
+        </a:xfrm>
+      </p:grpSpPr>
+      <p:sp>
+        <p:nvSpPr>
+          <p:cNvPr id="2" name="Title 1"/>
+          <p:cNvSpPr>
+            <a:spLocks noGrp="1"/>
+          </p:cNvSpPr>
+          <p:nvPr>
+            <p:ph type="title"/>
+          </p:nvPr>
+        </p:nvSpPr>
+        <p:spPr>
+          <a:xfrm>
+            <a:off x="838200" y="-2428"/>
+            <a:ext cx="10515600" cy="1325563"/>
+          </a:xfrm>
+        </p:spPr>
+        <p:txBody>
+          <a:bodyPr/>
+          <a:lstStyle/>
+          <a:p>
+            <a:r>
+              <a:rPr lang="en-US" dirty="0" smtClean="0"/>
+              <a:t>Bulk RNA sequencing</a:t>
+            </a:r>
+            <a:endParaRPr lang="en-US" dirty="0"/>
+          </a:p>
+        </p:txBody>
+      </p:sp>
+      <p:sp>
+        <p:nvSpPr>
+          <p:cNvPr id="4" name="Rounded Rectangle 3"/>
+          <p:cNvSpPr/>
+          <p:nvPr/>
+        </p:nvSpPr>
+        <p:spPr>
+          <a:xfrm>
+            <a:off x="1326778" y="1497105"/>
+            <a:ext cx="1255059" cy="573741"/>
+          </a:xfrm>
+          <a:prstGeom prst="roundRect">
+            <a:avLst/>
+          </a:prstGeom>
+          <a:solidFill>
+            <a:schemeClr val="bg1">
+              <a:lumMod val="75000"/>
+            </a:schemeClr>
+          </a:solidFill>
+        </p:spPr>
+        <p:style>
+          <a:lnRef idx="2">
+            <a:schemeClr val="accent1">
+              <a:shade val="50000"/>
+            </a:schemeClr>
+          </a:lnRef>
+          <a:fillRef idx="1">
+            <a:schemeClr val="accent1"/>
+          </a:fillRef>
+          <a:effectRef idx="0">
+            <a:schemeClr val="accent1"/>
+          </a:effectRef>
+          <a:fontRef idx="minor">
+            <a:schemeClr val="lt1"/>
+          </a:fontRef>
+        </p:style>
+        <p:txBody>
+          <a:bodyPr rtlCol="0" anchor="ctr"/>
+          <a:lstStyle/>
+          <a:p>
+            <a:pPr algn="ctr"/>
+            <a:r>
+              <a:rPr lang="en-US" smtClean="0"/>
+              <a:t>DNA</a:t>
+            </a:r>
+            <a:endParaRPr lang="en-US"/>
+          </a:p>
+        </p:txBody>
+      </p:sp>
+      <p:sp>
+        <p:nvSpPr>
+          <p:cNvPr id="5" name="Rounded Rectangle 4"/>
+          <p:cNvSpPr/>
+          <p:nvPr/>
+        </p:nvSpPr>
+        <p:spPr>
+          <a:xfrm>
+            <a:off x="4052049" y="1497105"/>
+            <a:ext cx="1255059" cy="573741"/>
+          </a:xfrm>
+          <a:prstGeom prst="roundRect">
+            <a:avLst/>
+          </a:prstGeom>
+          <a:solidFill>
+            <a:schemeClr val="accent4"/>
+          </a:solidFill>
+        </p:spPr>
+        <p:style>
+          <a:lnRef idx="2">
+            <a:schemeClr val="accent1">
+              <a:shade val="50000"/>
+            </a:schemeClr>
+          </a:lnRef>
+          <a:fillRef idx="1">
+            <a:schemeClr val="accent1"/>
+          </a:fillRef>
+          <a:effectRef idx="0">
+            <a:schemeClr val="accent1"/>
+          </a:effectRef>
+          <a:fontRef idx="minor">
+            <a:schemeClr val="lt1"/>
+          </a:fontRef>
+        </p:style>
+        <p:txBody>
+          <a:bodyPr rtlCol="0" anchor="ctr"/>
+          <a:lstStyle/>
+          <a:p>
+            <a:pPr algn="ctr"/>
+            <a:r>
+              <a:rPr lang="en-US" dirty="0" smtClean="0"/>
+              <a:t>RNA</a:t>
+            </a:r>
+            <a:endParaRPr lang="en-US" dirty="0"/>
+          </a:p>
+        </p:txBody>
+      </p:sp>
+      <p:sp>
+        <p:nvSpPr>
+          <p:cNvPr id="6" name="Rounded Rectangle 5"/>
+          <p:cNvSpPr/>
+          <p:nvPr/>
+        </p:nvSpPr>
+        <p:spPr>
+          <a:xfrm>
+            <a:off x="6777320" y="1497105"/>
+            <a:ext cx="1255059" cy="573741"/>
+          </a:xfrm>
+          <a:prstGeom prst="roundRect">
+            <a:avLst/>
+          </a:prstGeom>
+          <a:solidFill>
+            <a:schemeClr val="bg1">
+              <a:lumMod val="75000"/>
+            </a:schemeClr>
+          </a:solidFill>
+        </p:spPr>
+        <p:style>
+          <a:lnRef idx="2">
+            <a:schemeClr val="accent1">
+              <a:shade val="50000"/>
+            </a:schemeClr>
+          </a:lnRef>
+          <a:fillRef idx="1">
+            <a:schemeClr val="accent1"/>
+          </a:fillRef>
+          <a:effectRef idx="0">
+            <a:schemeClr val="accent1"/>
+          </a:effectRef>
+          <a:fontRef idx="minor">
+            <a:schemeClr val="lt1"/>
+          </a:fontRef>
+        </p:style>
+        <p:txBody>
+          <a:bodyPr rtlCol="0" anchor="ctr"/>
+          <a:lstStyle/>
+          <a:p>
+            <a:pPr algn="ctr"/>
+            <a:r>
+              <a:rPr lang="en-US" dirty="0" smtClean="0"/>
+              <a:t>protein</a:t>
+            </a:r>
+            <a:endParaRPr lang="en-US" dirty="0"/>
+          </a:p>
+        </p:txBody>
+      </p:sp>
+      <p:cxnSp>
+        <p:nvCxnSpPr>
+          <p:cNvPr id="9" name="Straight Arrow Connector 8"/>
+          <p:cNvCxnSpPr>
+            <a:stCxn id="4" idx="3"/>
+            <a:endCxn id="5" idx="1"/>
+          </p:cNvCxnSpPr>
+          <p:nvPr/>
+        </p:nvCxnSpPr>
+        <p:spPr>
+          <a:xfrm>
+            <a:off x="2581837" y="1783976"/>
+            <a:ext cx="1470212" cy="0"/>
+          </a:xfrm>
+          <a:prstGeom prst="straightConnector1">
+            <a:avLst/>
+          </a:prstGeom>
+          <a:ln>
+            <a:solidFill>
+              <a:schemeClr val="tx1"/>
+            </a:solidFill>
+            <a:tailEnd type="triangle"/>
+          </a:ln>
+        </p:spPr>
+        <p:style>
+          <a:lnRef idx="1">
+            <a:schemeClr val="accent1"/>
+          </a:lnRef>
+          <a:fillRef idx="0">
+            <a:schemeClr val="accent1"/>
+          </a:fillRef>
+          <a:effectRef idx="0">
+            <a:schemeClr val="accent1"/>
+          </a:effectRef>
+          <a:fontRef idx="minor">
+            <a:schemeClr val="tx1"/>
+          </a:fontRef>
+        </p:style>
+      </p:cxnSp>
+      <p:cxnSp>
+        <p:nvCxnSpPr>
+          <p:cNvPr id="10" name="Straight Arrow Connector 9"/>
+          <p:cNvCxnSpPr>
+            <a:stCxn id="5" idx="3"/>
+            <a:endCxn id="6" idx="1"/>
+          </p:cNvCxnSpPr>
+          <p:nvPr/>
+        </p:nvCxnSpPr>
+        <p:spPr>
+          <a:xfrm>
+            <a:off x="5307108" y="1783976"/>
+            <a:ext cx="1470212" cy="0"/>
+          </a:xfrm>
+          <a:prstGeom prst="straightConnector1">
+            <a:avLst/>
+          </a:prstGeom>
+          <a:ln>
+            <a:solidFill>
+              <a:schemeClr val="tx1"/>
+            </a:solidFill>
+            <a:tailEnd type="triangle"/>
+          </a:ln>
+        </p:spPr>
+        <p:style>
+          <a:lnRef idx="1">
+            <a:schemeClr val="accent1"/>
+          </a:lnRef>
+          <a:fillRef idx="0">
+            <a:schemeClr val="accent1"/>
+          </a:fillRef>
+          <a:effectRef idx="0">
+            <a:schemeClr val="accent1"/>
+          </a:effectRef>
+          <a:fontRef idx="minor">
+            <a:schemeClr val="tx1"/>
+          </a:fontRef>
+        </p:style>
+      </p:cxnSp>
+      <p:sp>
+        <p:nvSpPr>
+          <p:cNvPr id="8" name="Rounded Rectangle 7"/>
+          <p:cNvSpPr/>
+          <p:nvPr/>
+        </p:nvSpPr>
+        <p:spPr>
+          <a:xfrm>
+            <a:off x="9502591" y="1497105"/>
+            <a:ext cx="1255059" cy="573741"/>
+          </a:xfrm>
+          <a:prstGeom prst="roundRect">
+            <a:avLst/>
+          </a:prstGeom>
+          <a:solidFill>
+            <a:schemeClr val="bg1">
+              <a:lumMod val="75000"/>
+            </a:schemeClr>
+          </a:solidFill>
+        </p:spPr>
+        <p:style>
+          <a:lnRef idx="2">
+            <a:schemeClr val="accent1">
+              <a:shade val="50000"/>
+            </a:schemeClr>
+          </a:lnRef>
+          <a:fillRef idx="1">
+            <a:schemeClr val="accent1"/>
+          </a:fillRef>
+          <a:effectRef idx="0">
+            <a:schemeClr val="accent1"/>
+          </a:effectRef>
+          <a:fontRef idx="minor">
+            <a:schemeClr val="lt1"/>
+          </a:fontRef>
+        </p:style>
+        <p:txBody>
+          <a:bodyPr rtlCol="0" anchor="ctr"/>
+          <a:lstStyle/>
+          <a:p>
+            <a:pPr algn="ctr"/>
+            <a:r>
+              <a:rPr lang="en-US" dirty="0" smtClean="0"/>
+              <a:t>phenotype</a:t>
+            </a:r>
+            <a:endParaRPr lang="en-US" dirty="0"/>
+          </a:p>
+        </p:txBody>
+      </p:sp>
+      <p:cxnSp>
+        <p:nvCxnSpPr>
+          <p:cNvPr id="11" name="Straight Arrow Connector 10"/>
+          <p:cNvCxnSpPr/>
+          <p:nvPr/>
+        </p:nvCxnSpPr>
+        <p:spPr>
+          <a:xfrm>
+            <a:off x="8032379" y="1783976"/>
+            <a:ext cx="1470212" cy="0"/>
+          </a:xfrm>
+          <a:prstGeom prst="straightConnector1">
+            <a:avLst/>
+          </a:prstGeom>
+          <a:ln>
+            <a:solidFill>
+              <a:schemeClr val="tx1"/>
+            </a:solidFill>
+            <a:tailEnd type="triangle"/>
+          </a:ln>
+        </p:spPr>
+        <p:style>
+          <a:lnRef idx="1">
+            <a:schemeClr val="accent1"/>
+          </a:lnRef>
+          <a:fillRef idx="0">
+            <a:schemeClr val="accent1"/>
+          </a:fillRef>
+          <a:effectRef idx="0">
+            <a:schemeClr val="accent1"/>
+          </a:effectRef>
+          <a:fontRef idx="minor">
+            <a:schemeClr val="tx1"/>
+          </a:fontRef>
+        </p:style>
+      </p:cxnSp>
+      <p:sp>
+        <p:nvSpPr>
+          <p:cNvPr id="12" name="Rectangle 11"/>
+          <p:cNvSpPr/>
+          <p:nvPr/>
+        </p:nvSpPr>
+        <p:spPr>
+          <a:xfrm>
+            <a:off x="1138517" y="1147481"/>
+            <a:ext cx="10022541" cy="1416423"/>
+          </a:xfrm>
+          <a:prstGeom prst="rect">
+            <a:avLst/>
+          </a:prstGeom>
+          <a:noFill/>
+          <a:ln>
+            <a:solidFill>
+              <a:schemeClr val="tx1"/>
+            </a:solidFill>
+          </a:ln>
+        </p:spPr>
+        <p:style>
+          <a:lnRef idx="2">
+            <a:schemeClr val="accent1">
+              <a:shade val="50000"/>
+            </a:schemeClr>
+          </a:lnRef>
+          <a:fillRef idx="1">
+            <a:schemeClr val="accent1"/>
+          </a:fillRef>
+          <a:effectRef idx="0">
+            <a:schemeClr val="accent1"/>
+          </a:effectRef>
+          <a:fontRef idx="minor">
+            <a:schemeClr val="lt1"/>
+          </a:fontRef>
+        </p:style>
+        <p:txBody>
+          <a:bodyPr rtlCol="0" anchor="ctr"/>
+          <a:lstStyle/>
+          <a:p>
+            <a:pPr algn="ctr"/>
+            <a:endParaRPr lang="en-US"/>
+          </a:p>
+        </p:txBody>
+      </p:sp>
+      <p:sp>
+        <p:nvSpPr>
+          <p:cNvPr id="13" name="TextBox 12"/>
+          <p:cNvSpPr txBox="1"/>
+          <p:nvPr/>
+        </p:nvSpPr>
+        <p:spPr>
+          <a:xfrm>
+            <a:off x="10251561" y="2230433"/>
+            <a:ext cx="949299" cy="369332"/>
+          </a:xfrm>
+          <a:prstGeom prst="rect">
+            <a:avLst/>
+          </a:prstGeom>
+          <a:noFill/>
+        </p:spPr>
+        <p:txBody>
+          <a:bodyPr wrap="none" rtlCol="0">
+            <a:spAutoFit/>
+          </a:bodyPr>
+          <a:lstStyle/>
+          <a:p>
+            <a:pPr algn="r"/>
+            <a:r>
+              <a:rPr lang="en-US" dirty="0"/>
+              <a:t>#people</a:t>
+            </a:r>
+            <a:endParaRPr lang="en-US" dirty="0"/>
+          </a:p>
+        </p:txBody>
+      </p:sp>
+      <p:grpSp>
+        <p:nvGrpSpPr>
+          <p:cNvPr id="15" name="Group 14"/>
+          <p:cNvGrpSpPr/>
+          <p:nvPr/>
+        </p:nvGrpSpPr>
+        <p:grpSpPr>
+          <a:xfrm>
+            <a:off x="3792072" y="1290916"/>
+            <a:ext cx="4709769" cy="1098277"/>
+            <a:chOff x="3792072" y="1828802"/>
+            <a:chExt cx="4709769" cy="1423789"/>
+          </a:xfrm>
+        </p:grpSpPr>
+        <p:sp>
+          <p:nvSpPr>
+            <p:cNvPr id="3" name="Rectangle 2"/>
+            <p:cNvSpPr/>
+            <p:nvPr/>
+          </p:nvSpPr>
+          <p:spPr>
+            <a:xfrm>
+              <a:off x="3792072" y="1828802"/>
+              <a:ext cx="4652682" cy="1398494"/>
+            </a:xfrm>
+            <a:prstGeom prst="rect">
+              <a:avLst/>
+            </a:prstGeom>
+            <a:noFill/>
+            <a:ln>
+              <a:solidFill>
+                <a:schemeClr val="tx1"/>
+              </a:solidFill>
+            </a:ln>
+          </p:spPr>
+          <p:style>
+            <a:lnRef idx="2">
+              <a:schemeClr val="accent1">
+                <a:shade val="50000"/>
+              </a:schemeClr>
+            </a:lnRef>
+            <a:fillRef idx="1">
+              <a:schemeClr val="accent1"/>
+            </a:fillRef>
+            <a:effectRef idx="0">
+              <a:schemeClr val="accent1"/>
+            </a:effectRef>
+            <a:fontRef idx="minor">
+              <a:schemeClr val="lt1"/>
+            </a:fontRef>
+          </p:style>
+          <p:txBody>
+            <a:bodyPr rtlCol="0" anchor="ctr"/>
+            <a:lstStyle/>
+            <a:p>
+              <a:pPr algn="ctr"/>
+              <a:endParaRPr lang="en-US"/>
+            </a:p>
+          </p:txBody>
+        </p:sp>
+        <p:sp>
+          <p:nvSpPr>
+            <p:cNvPr id="14" name="TextBox 13"/>
+            <p:cNvSpPr txBox="1"/>
+            <p:nvPr/>
+          </p:nvSpPr>
+          <p:spPr>
+            <a:xfrm>
+              <a:off x="7781366" y="2773795"/>
+              <a:ext cx="720475" cy="478796"/>
+            </a:xfrm>
+            <a:prstGeom prst="rect">
+              <a:avLst/>
+            </a:prstGeom>
+            <a:noFill/>
+          </p:spPr>
+          <p:txBody>
+            <a:bodyPr wrap="square" rtlCol="0" anchor="ctr">
+              <a:spAutoFit/>
+            </a:bodyPr>
+            <a:lstStyle/>
+            <a:p>
+              <a:pPr algn="r"/>
+              <a:r>
+                <a:rPr lang="en-US" dirty="0" smtClean="0"/>
+                <a:t>#cells</a:t>
+              </a:r>
+              <a:endParaRPr lang="en-US" dirty="0"/>
+            </a:p>
+          </p:txBody>
+        </p:sp>
+      </p:grpSp>
+      <p:cxnSp>
+        <p:nvCxnSpPr>
+          <p:cNvPr id="29" name="Straight Connector 28"/>
+          <p:cNvCxnSpPr/>
+          <p:nvPr/>
+        </p:nvCxnSpPr>
+        <p:spPr>
+          <a:xfrm flipV="1">
+            <a:off x="826720" y="3639301"/>
+            <a:ext cx="7894846" cy="21455"/>
+          </a:xfrm>
+          <a:prstGeom prst="line">
+            <a:avLst/>
+          </a:prstGeom>
+          <a:ln>
+            <a:solidFill>
+              <a:schemeClr val="tx1"/>
+            </a:solidFill>
+          </a:ln>
+          <a:effectLst/>
+        </p:spPr>
+        <p:style>
+          <a:lnRef idx="2">
+            <a:schemeClr val="accent1"/>
+          </a:lnRef>
+          <a:fillRef idx="0">
+            <a:schemeClr val="accent1"/>
+          </a:fillRef>
+          <a:effectRef idx="1">
+            <a:schemeClr val="accent1"/>
+          </a:effectRef>
+          <a:fontRef idx="minor">
+            <a:schemeClr val="tx1"/>
+          </a:fontRef>
+        </p:style>
+      </p:cxnSp>
+      <p:sp>
+        <p:nvSpPr>
+          <p:cNvPr id="30" name="TextBox 29"/>
+          <p:cNvSpPr txBox="1"/>
+          <p:nvPr/>
+        </p:nvSpPr>
+        <p:spPr>
+          <a:xfrm>
+            <a:off x="838200" y="2920130"/>
+            <a:ext cx="7883366" cy="553998"/>
+          </a:xfrm>
+          <a:prstGeom prst="rect">
+            <a:avLst/>
+          </a:prstGeom>
+          <a:noFill/>
+        </p:spPr>
+        <p:txBody>
+          <a:bodyPr wrap="square" rtlCol="0">
+            <a:spAutoFit/>
+          </a:bodyPr>
+          <a:lstStyle/>
+          <a:p>
+            <a:pPr algn="ctr"/>
+            <a:r>
+              <a:rPr lang="en-US" sz="3000" dirty="0">
+                <a:latin typeface="+mj-lt"/>
+              </a:rPr>
+              <a:t>h</a:t>
+            </a:r>
+            <a:r>
+              <a:rPr lang="en-US" sz="3000" dirty="0" smtClean="0">
+                <a:latin typeface="+mj-lt"/>
+              </a:rPr>
+              <a:t>uman genome</a:t>
+            </a:r>
+            <a:endParaRPr lang="en-US" sz="3000" dirty="0">
+              <a:latin typeface="+mj-lt"/>
+            </a:endParaRPr>
+          </a:p>
+        </p:txBody>
+      </p:sp>
+      <p:sp>
+        <p:nvSpPr>
+          <p:cNvPr id="18" name="Rectangle 17"/>
+          <p:cNvSpPr/>
+          <p:nvPr/>
+        </p:nvSpPr>
+        <p:spPr>
+          <a:xfrm>
+            <a:off x="1138517" y="3532496"/>
+            <a:ext cx="1399032" cy="251564"/>
+          </a:xfrm>
+          <a:prstGeom prst="rect">
+            <a:avLst/>
+          </a:prstGeom>
+          <a:solidFill>
+            <a:schemeClr val="tx2"/>
+          </a:solidFill>
+        </p:spPr>
+        <p:style>
+          <a:lnRef idx="2">
+            <a:schemeClr val="accent1">
+              <a:shade val="50000"/>
+            </a:schemeClr>
+          </a:lnRef>
+          <a:fillRef idx="1">
+            <a:schemeClr val="accent1"/>
+          </a:fillRef>
+          <a:effectRef idx="0">
+            <a:schemeClr val="accent1"/>
+          </a:effectRef>
+          <a:fontRef idx="minor">
+            <a:schemeClr val="lt1"/>
+          </a:fontRef>
+        </p:style>
+        <p:txBody>
+          <a:bodyPr rtlCol="0" anchor="ctr"/>
+          <a:lstStyle/>
+          <a:p>
+            <a:pPr algn="ctr"/>
+            <a:r>
+              <a:rPr lang="en-US" dirty="0"/>
+              <a:t>g</a:t>
+            </a:r>
+            <a:r>
+              <a:rPr lang="en-US" dirty="0" smtClean="0"/>
+              <a:t>ene 1</a:t>
+            </a:r>
+            <a:endParaRPr lang="en-US" dirty="0"/>
+          </a:p>
+        </p:txBody>
+      </p:sp>
+      <p:sp>
+        <p:nvSpPr>
+          <p:cNvPr id="31" name="Rectangle 30"/>
+          <p:cNvSpPr/>
+          <p:nvPr/>
+        </p:nvSpPr>
+        <p:spPr>
+          <a:xfrm>
+            <a:off x="3352533" y="3529249"/>
+            <a:ext cx="1399032" cy="251564"/>
+          </a:xfrm>
+          <a:prstGeom prst="rect">
+            <a:avLst/>
+          </a:prstGeom>
+          <a:solidFill>
+            <a:schemeClr val="tx2"/>
+          </a:solidFill>
+        </p:spPr>
+        <p:style>
+          <a:lnRef idx="2">
+            <a:schemeClr val="accent1">
+              <a:shade val="50000"/>
+            </a:schemeClr>
+          </a:lnRef>
+          <a:fillRef idx="1">
+            <a:schemeClr val="accent1"/>
+          </a:fillRef>
+          <a:effectRef idx="0">
+            <a:schemeClr val="accent1"/>
+          </a:effectRef>
+          <a:fontRef idx="minor">
+            <a:schemeClr val="lt1"/>
+          </a:fontRef>
+        </p:style>
+        <p:txBody>
+          <a:bodyPr rtlCol="0" anchor="ctr"/>
+          <a:lstStyle/>
+          <a:p>
+            <a:pPr algn="ctr"/>
+            <a:r>
+              <a:rPr lang="en-US" dirty="0"/>
+              <a:t>g</a:t>
+            </a:r>
+            <a:r>
+              <a:rPr lang="en-US" dirty="0" smtClean="0"/>
+              <a:t>ene 2</a:t>
+            </a:r>
+            <a:endParaRPr lang="en-US" dirty="0"/>
+          </a:p>
+        </p:txBody>
+      </p:sp>
+      <p:sp>
+        <p:nvSpPr>
+          <p:cNvPr id="33" name="Rectangle 32"/>
+          <p:cNvSpPr/>
+          <p:nvPr/>
+        </p:nvSpPr>
+        <p:spPr>
+          <a:xfrm>
+            <a:off x="6643991" y="3503299"/>
+            <a:ext cx="1400793" cy="251564"/>
+          </a:xfrm>
+          <a:prstGeom prst="rect">
+            <a:avLst/>
+          </a:prstGeom>
+          <a:solidFill>
+            <a:schemeClr val="tx2"/>
+          </a:solidFill>
+        </p:spPr>
+        <p:style>
+          <a:lnRef idx="2">
+            <a:schemeClr val="accent1">
+              <a:shade val="50000"/>
+            </a:schemeClr>
+          </a:lnRef>
+          <a:fillRef idx="1">
+            <a:schemeClr val="accent1"/>
+          </a:fillRef>
+          <a:effectRef idx="0">
+            <a:schemeClr val="accent1"/>
+          </a:effectRef>
+          <a:fontRef idx="minor">
+            <a:schemeClr val="lt1"/>
+          </a:fontRef>
+        </p:style>
+        <p:txBody>
+          <a:bodyPr rtlCol="0" anchor="ctr"/>
+          <a:lstStyle/>
+          <a:p>
+            <a:pPr algn="ctr"/>
+            <a:r>
+              <a:rPr lang="en-US"/>
+              <a:t>g</a:t>
+            </a:r>
+            <a:r>
+              <a:rPr lang="en-US" smtClean="0"/>
+              <a:t>ene 20,000</a:t>
+            </a:r>
+            <a:endParaRPr lang="en-US" dirty="0"/>
+          </a:p>
+        </p:txBody>
+      </p:sp>
+      <p:sp>
+        <p:nvSpPr>
+          <p:cNvPr id="19" name="Rectangle 18"/>
+          <p:cNvSpPr/>
+          <p:nvPr/>
+        </p:nvSpPr>
+        <p:spPr>
+          <a:xfrm>
+            <a:off x="5471098" y="3406019"/>
+            <a:ext cx="496111" cy="277514"/>
+          </a:xfrm>
+          <a:prstGeom prst="rect">
+            <a:avLst/>
+          </a:prstGeom>
+          <a:solidFill>
+            <a:schemeClr val="bg1"/>
+          </a:solidFill>
+          <a:ln>
+            <a:noFill/>
+          </a:ln>
+        </p:spPr>
+        <p:style>
+          <a:lnRef idx="2">
+            <a:schemeClr val="accent1">
+              <a:shade val="50000"/>
+            </a:schemeClr>
+          </a:lnRef>
+          <a:fillRef idx="1">
+            <a:schemeClr val="accent1"/>
+          </a:fillRef>
+          <a:effectRef idx="0">
+            <a:schemeClr val="accent1"/>
+          </a:effectRef>
+          <a:fontRef idx="minor">
+            <a:schemeClr val="lt1"/>
+          </a:fontRef>
+        </p:style>
+        <p:txBody>
+          <a:bodyPr rtlCol="0" anchor="ctr"/>
+          <a:lstStyle/>
+          <a:p>
+            <a:pPr algn="ctr"/>
+            <a:r>
+              <a:rPr lang="mr-IN" sz="3000" dirty="0" smtClean="0">
+                <a:solidFill>
+                  <a:schemeClr val="tx1"/>
+                </a:solidFill>
+                <a:latin typeface="Calibri" charset="0"/>
+                <a:ea typeface="Calibri" charset="0"/>
+                <a:cs typeface="Calibri" charset="0"/>
+              </a:rPr>
+              <a:t>…</a:t>
+            </a:r>
+            <a:endParaRPr lang="en-US" sz="3000" dirty="0">
+              <a:solidFill>
+                <a:schemeClr val="tx1"/>
+              </a:solidFill>
+              <a:latin typeface="Calibri" charset="0"/>
+              <a:ea typeface="Calibri" charset="0"/>
+              <a:cs typeface="Calibri" charset="0"/>
+            </a:endParaRPr>
+          </a:p>
+        </p:txBody>
+      </p:sp>
+      <p:sp>
+        <p:nvSpPr>
+          <p:cNvPr id="21" name="TextBox 20"/>
+          <p:cNvSpPr txBox="1"/>
+          <p:nvPr/>
+        </p:nvSpPr>
+        <p:spPr>
+          <a:xfrm rot="16200000">
+            <a:off x="-911717" y="4662807"/>
+            <a:ext cx="2558100" cy="553998"/>
+          </a:xfrm>
+          <a:prstGeom prst="rect">
+            <a:avLst/>
+          </a:prstGeom>
+          <a:noFill/>
+        </p:spPr>
+        <p:txBody>
+          <a:bodyPr wrap="square" rtlCol="0">
+            <a:spAutoFit/>
+          </a:bodyPr>
+          <a:lstStyle/>
+          <a:p>
+            <a:pPr algn="ctr"/>
+            <a:r>
+              <a:rPr lang="en-US" sz="3000" dirty="0" smtClean="0">
+                <a:latin typeface="+mj-lt"/>
+              </a:rPr>
+              <a:t>people</a:t>
+            </a:r>
+            <a:endParaRPr lang="en-US" sz="3000" dirty="0">
+              <a:latin typeface="+mj-lt"/>
+            </a:endParaRPr>
+          </a:p>
+        </p:txBody>
+      </p:sp>
+      <p:sp>
+        <p:nvSpPr>
+          <p:cNvPr id="22" name="TextBox 21"/>
+          <p:cNvSpPr txBox="1"/>
+          <p:nvPr/>
+        </p:nvSpPr>
+        <p:spPr>
+          <a:xfrm>
+            <a:off x="745169" y="3818199"/>
+            <a:ext cx="8146951" cy="2400657"/>
+          </a:xfrm>
+          <a:prstGeom prst="rect">
+            <a:avLst/>
+          </a:prstGeom>
+          <a:noFill/>
+        </p:spPr>
+        <p:txBody>
+          <a:bodyPr wrap="square" rtlCol="0">
+            <a:spAutoFit/>
+          </a:bodyPr>
+          <a:lstStyle/>
+          <a:p>
+            <a:r>
+              <a:rPr lang="en-US" sz="3000" dirty="0" smtClean="0"/>
+              <a:t> 	1		     2		  </a:t>
+            </a:r>
+            <a:r>
+              <a:rPr lang="mr-IN" sz="3000" dirty="0" smtClean="0"/>
+              <a:t>…</a:t>
+            </a:r>
+            <a:r>
+              <a:rPr lang="en-US" sz="3000" dirty="0" smtClean="0"/>
+              <a:t>		0</a:t>
+            </a:r>
+            <a:endParaRPr lang="en-US" sz="3000" dirty="0"/>
+          </a:p>
+          <a:p>
+            <a:r>
+              <a:rPr lang="en-US" sz="3000" dirty="0" smtClean="0"/>
+              <a:t>	3		     6		  </a:t>
+            </a:r>
+            <a:r>
+              <a:rPr lang="mr-IN" sz="3000" dirty="0" smtClean="0"/>
+              <a:t>…</a:t>
+            </a:r>
+            <a:r>
+              <a:rPr lang="en-US" sz="3000" dirty="0" smtClean="0"/>
+              <a:t>		2</a:t>
+            </a:r>
+          </a:p>
+          <a:p>
+            <a:r>
+              <a:rPr lang="en-US" sz="3000" dirty="0"/>
+              <a:t>	</a:t>
+            </a:r>
+            <a:r>
+              <a:rPr lang="en-US" sz="3000" dirty="0" smtClean="0"/>
+              <a:t>⋮</a:t>
+            </a:r>
+            <a:r>
+              <a:rPr lang="en-US" sz="3000" dirty="0"/>
+              <a:t>	</a:t>
+            </a:r>
+            <a:r>
+              <a:rPr lang="en-US" sz="3000" dirty="0" smtClean="0"/>
+              <a:t>	     ⋮</a:t>
+            </a:r>
+            <a:r>
+              <a:rPr lang="en-US" sz="3000" dirty="0"/>
+              <a:t>	</a:t>
+            </a:r>
+            <a:r>
+              <a:rPr lang="en-US" sz="3000" dirty="0" smtClean="0"/>
+              <a:t>			⋮</a:t>
+            </a:r>
+          </a:p>
+          <a:p>
+            <a:r>
+              <a:rPr lang="en-US" sz="3000" dirty="0" smtClean="0"/>
+              <a:t>	6		     7		  </a:t>
+            </a:r>
+            <a:r>
+              <a:rPr lang="mr-IN" sz="3000" dirty="0" smtClean="0"/>
+              <a:t>…</a:t>
+            </a:r>
+            <a:r>
+              <a:rPr lang="en-US" sz="3000" dirty="0" smtClean="0"/>
+              <a:t>		6</a:t>
+            </a:r>
+          </a:p>
+          <a:p>
+            <a:r>
+              <a:rPr lang="en-US" sz="3000" dirty="0" smtClean="0"/>
+              <a:t>	3		     2		  </a:t>
+            </a:r>
+            <a:r>
+              <a:rPr lang="mr-IN" sz="3000" dirty="0" smtClean="0"/>
+              <a:t>…</a:t>
+            </a:r>
+            <a:r>
+              <a:rPr lang="en-US" sz="3000" dirty="0" smtClean="0"/>
+              <a:t>		9</a:t>
+            </a:r>
+          </a:p>
+        </p:txBody>
+      </p:sp>
+      <p:sp>
+        <p:nvSpPr>
+          <p:cNvPr id="26" name="TextBox 25"/>
+          <p:cNvSpPr txBox="1"/>
+          <p:nvPr/>
+        </p:nvSpPr>
+        <p:spPr>
+          <a:xfrm>
+            <a:off x="8992957" y="5233836"/>
+            <a:ext cx="2932204" cy="1107996"/>
+          </a:xfrm>
+          <a:prstGeom prst="rect">
+            <a:avLst/>
+          </a:prstGeom>
+          <a:noFill/>
+        </p:spPr>
+        <p:txBody>
+          <a:bodyPr wrap="square" rtlCol="0">
+            <a:spAutoFit/>
+          </a:bodyPr>
+          <a:lstStyle/>
+          <a:p>
+            <a:pPr algn="ctr"/>
+            <a:r>
+              <a:rPr lang="en-US" sz="2200" dirty="0" smtClean="0"/>
+              <a:t>cheap</a:t>
+            </a:r>
+          </a:p>
+          <a:p>
+            <a:pPr algn="ctr"/>
+            <a:r>
+              <a:rPr lang="en-US" sz="2200" dirty="0" smtClean="0"/>
+              <a:t>many individuals</a:t>
+            </a:r>
+          </a:p>
+          <a:p>
+            <a:pPr algn="ctr"/>
+            <a:r>
+              <a:rPr lang="en-US" sz="2200" dirty="0" smtClean="0"/>
+              <a:t>but: only averages</a:t>
+            </a:r>
+          </a:p>
+        </p:txBody>
+      </p:sp>
+      <p:sp>
+        <p:nvSpPr>
+          <p:cNvPr id="28" name="Smiley Face 27"/>
+          <p:cNvSpPr/>
+          <p:nvPr/>
+        </p:nvSpPr>
+        <p:spPr>
+          <a:xfrm>
+            <a:off x="659150" y="3913847"/>
+            <a:ext cx="365760" cy="365760"/>
+          </a:xfrm>
+          <a:prstGeom prst="smileyFace">
+            <a:avLst/>
+          </a:prstGeom>
+          <a:solidFill>
+            <a:schemeClr val="accent2"/>
+          </a:solidFill>
+          <a:ln w="6350">
+            <a:solidFill>
+              <a:schemeClr val="tx1"/>
+            </a:solidFill>
+          </a:ln>
+        </p:spPr>
+        <p:style>
+          <a:lnRef idx="2">
+            <a:schemeClr val="accent1">
+              <a:shade val="50000"/>
+            </a:schemeClr>
+          </a:lnRef>
+          <a:fillRef idx="1">
+            <a:schemeClr val="accent1"/>
+          </a:fillRef>
+          <a:effectRef idx="0">
+            <a:schemeClr val="accent1"/>
+          </a:effectRef>
+          <a:fontRef idx="minor">
+            <a:schemeClr val="lt1"/>
+          </a:fontRef>
+        </p:style>
+        <p:txBody>
+          <a:bodyPr rtlCol="0" anchor="ctr"/>
+          <a:lstStyle/>
+          <a:p>
+            <a:pPr algn="ctr"/>
+            <a:endParaRPr lang="en-US"/>
+          </a:p>
+        </p:txBody>
+      </p:sp>
+      <p:sp>
+        <p:nvSpPr>
+          <p:cNvPr id="32" name="Smiley Face 31"/>
+          <p:cNvSpPr/>
+          <p:nvPr/>
+        </p:nvSpPr>
+        <p:spPr>
+          <a:xfrm>
+            <a:off x="656102" y="4389708"/>
+            <a:ext cx="365760" cy="365760"/>
+          </a:xfrm>
+          <a:prstGeom prst="smileyFace">
+            <a:avLst>
+              <a:gd name="adj" fmla="val -4653"/>
+            </a:avLst>
+          </a:prstGeom>
+          <a:solidFill>
+            <a:schemeClr val="accent2"/>
+          </a:solidFill>
+          <a:ln w="6350">
+            <a:solidFill>
+              <a:schemeClr val="tx1"/>
+            </a:solidFill>
+          </a:ln>
+        </p:spPr>
+        <p:style>
+          <a:lnRef idx="2">
+            <a:schemeClr val="accent1">
+              <a:shade val="50000"/>
+            </a:schemeClr>
+          </a:lnRef>
+          <a:fillRef idx="1">
+            <a:schemeClr val="accent1"/>
+          </a:fillRef>
+          <a:effectRef idx="0">
+            <a:schemeClr val="accent1"/>
+          </a:effectRef>
+          <a:fontRef idx="minor">
+            <a:schemeClr val="lt1"/>
+          </a:fontRef>
+        </p:style>
+        <p:txBody>
+          <a:bodyPr rtlCol="0" anchor="ctr"/>
+          <a:lstStyle/>
+          <a:p>
+            <a:pPr algn="ctr"/>
+            <a:endParaRPr lang="en-US"/>
+          </a:p>
+        </p:txBody>
+      </p:sp>
+      <p:sp>
+        <p:nvSpPr>
+          <p:cNvPr id="35" name="Smiley Face 34"/>
+          <p:cNvSpPr/>
+          <p:nvPr/>
+        </p:nvSpPr>
+        <p:spPr>
+          <a:xfrm>
+            <a:off x="650006" y="5302482"/>
+            <a:ext cx="365760" cy="365760"/>
+          </a:xfrm>
+          <a:prstGeom prst="smileyFace">
+            <a:avLst>
+              <a:gd name="adj" fmla="val -4653"/>
+            </a:avLst>
+          </a:prstGeom>
+          <a:solidFill>
+            <a:schemeClr val="accent2"/>
+          </a:solidFill>
+          <a:ln w="6350">
+            <a:solidFill>
+              <a:schemeClr val="tx1"/>
+            </a:solidFill>
+          </a:ln>
+        </p:spPr>
+        <p:style>
+          <a:lnRef idx="2">
+            <a:schemeClr val="accent1">
+              <a:shade val="50000"/>
+            </a:schemeClr>
+          </a:lnRef>
+          <a:fillRef idx="1">
+            <a:schemeClr val="accent1"/>
+          </a:fillRef>
+          <a:effectRef idx="0">
+            <a:schemeClr val="accent1"/>
+          </a:effectRef>
+          <a:fontRef idx="minor">
+            <a:schemeClr val="lt1"/>
+          </a:fontRef>
+        </p:style>
+        <p:txBody>
+          <a:bodyPr rtlCol="0" anchor="ctr"/>
+          <a:lstStyle/>
+          <a:p>
+            <a:pPr algn="ctr"/>
+            <a:endParaRPr lang="en-US"/>
+          </a:p>
+        </p:txBody>
+      </p:sp>
+      <p:sp>
+        <p:nvSpPr>
+          <p:cNvPr id="36" name="Smiley Face 35"/>
+          <p:cNvSpPr/>
+          <p:nvPr/>
+        </p:nvSpPr>
+        <p:spPr>
+          <a:xfrm>
+            <a:off x="646958" y="5754433"/>
+            <a:ext cx="365760" cy="365760"/>
+          </a:xfrm>
+          <a:prstGeom prst="smileyFace">
+            <a:avLst/>
+          </a:prstGeom>
+          <a:solidFill>
+            <a:schemeClr val="accent2"/>
+          </a:solidFill>
+          <a:ln w="6350">
+            <a:solidFill>
+              <a:schemeClr val="tx1"/>
+            </a:solidFill>
+          </a:ln>
+        </p:spPr>
+        <p:style>
+          <a:lnRef idx="2">
+            <a:schemeClr val="accent1">
+              <a:shade val="50000"/>
+            </a:schemeClr>
+          </a:lnRef>
+          <a:fillRef idx="1">
+            <a:schemeClr val="accent1"/>
+          </a:fillRef>
+          <a:effectRef idx="0">
+            <a:schemeClr val="accent1"/>
+          </a:effectRef>
+          <a:fontRef idx="minor">
+            <a:schemeClr val="lt1"/>
+          </a:fontRef>
+        </p:style>
+        <p:txBody>
+          <a:bodyPr rtlCol="0" anchor="ctr"/>
+          <a:lstStyle/>
+          <a:p>
+            <a:pPr algn="ctr"/>
+            <a:endParaRPr lang="en-US"/>
+          </a:p>
+        </p:txBody>
+      </p:sp>
+      <p:sp>
+        <p:nvSpPr>
+          <p:cNvPr id="37" name="Rounded Rectangle 36"/>
+          <p:cNvSpPr/>
+          <p:nvPr/>
+        </p:nvSpPr>
+        <p:spPr>
+          <a:xfrm>
+            <a:off x="1289304" y="3897778"/>
+            <a:ext cx="6625336" cy="391989"/>
+          </a:xfrm>
+          <a:prstGeom prst="roundRect">
+            <a:avLst/>
+          </a:prstGeom>
+          <a:noFill/>
+          <a:ln>
+            <a:solidFill>
+              <a:schemeClr val="tx1"/>
+            </a:solidFill>
+          </a:ln>
+        </p:spPr>
+        <p:style>
+          <a:lnRef idx="2">
+            <a:schemeClr val="accent1">
+              <a:shade val="50000"/>
+            </a:schemeClr>
+          </a:lnRef>
+          <a:fillRef idx="1">
+            <a:schemeClr val="accent1"/>
+          </a:fillRef>
+          <a:effectRef idx="0">
+            <a:schemeClr val="accent1"/>
+          </a:effectRef>
+          <a:fontRef idx="minor">
+            <a:schemeClr val="lt1"/>
+          </a:fontRef>
+        </p:style>
+        <p:txBody>
+          <a:bodyPr rtlCol="0" anchor="ctr"/>
+          <a:lstStyle/>
+          <a:p>
+            <a:pPr algn="ctr"/>
+            <a:endParaRPr lang="en-US"/>
+          </a:p>
+        </p:txBody>
+      </p:sp>
+      <p:sp>
+        <p:nvSpPr>
+          <p:cNvPr id="38" name="Rounded Rectangle 37"/>
+          <p:cNvSpPr/>
+          <p:nvPr/>
+        </p:nvSpPr>
+        <p:spPr>
+          <a:xfrm>
+            <a:off x="1289304" y="4354978"/>
+            <a:ext cx="6625336" cy="391989"/>
+          </a:xfrm>
+          <a:prstGeom prst="roundRect">
+            <a:avLst/>
+          </a:prstGeom>
+          <a:noFill/>
+          <a:ln>
+            <a:solidFill>
+              <a:schemeClr val="tx1"/>
+            </a:solidFill>
+          </a:ln>
+        </p:spPr>
+        <p:style>
+          <a:lnRef idx="2">
+            <a:schemeClr val="accent1">
+              <a:shade val="50000"/>
+            </a:schemeClr>
+          </a:lnRef>
+          <a:fillRef idx="1">
+            <a:schemeClr val="accent1"/>
+          </a:fillRef>
+          <a:effectRef idx="0">
+            <a:schemeClr val="accent1"/>
+          </a:effectRef>
+          <a:fontRef idx="minor">
+            <a:schemeClr val="lt1"/>
+          </a:fontRef>
+        </p:style>
+        <p:txBody>
+          <a:bodyPr rtlCol="0" anchor="ctr"/>
+          <a:lstStyle/>
+          <a:p>
+            <a:pPr algn="ctr"/>
+            <a:endParaRPr lang="en-US"/>
+          </a:p>
+        </p:txBody>
+      </p:sp>
+      <p:sp>
+        <p:nvSpPr>
+          <p:cNvPr id="40" name="Rounded Rectangle 39"/>
+          <p:cNvSpPr/>
+          <p:nvPr/>
+        </p:nvSpPr>
+        <p:spPr>
+          <a:xfrm>
+            <a:off x="1289304" y="5269378"/>
+            <a:ext cx="6625336" cy="391989"/>
+          </a:xfrm>
+          <a:prstGeom prst="roundRect">
+            <a:avLst/>
+          </a:prstGeom>
+          <a:noFill/>
+          <a:ln>
+            <a:solidFill>
+              <a:schemeClr val="tx1"/>
+            </a:solidFill>
+          </a:ln>
+        </p:spPr>
+        <p:style>
+          <a:lnRef idx="2">
+            <a:schemeClr val="accent1">
+              <a:shade val="50000"/>
+            </a:schemeClr>
+          </a:lnRef>
+          <a:fillRef idx="1">
+            <a:schemeClr val="accent1"/>
+          </a:fillRef>
+          <a:effectRef idx="0">
+            <a:schemeClr val="accent1"/>
+          </a:effectRef>
+          <a:fontRef idx="minor">
+            <a:schemeClr val="lt1"/>
+          </a:fontRef>
+        </p:style>
+        <p:txBody>
+          <a:bodyPr rtlCol="0" anchor="ctr"/>
+          <a:lstStyle/>
+          <a:p>
+            <a:pPr algn="ctr"/>
+            <a:endParaRPr lang="en-US"/>
+          </a:p>
+        </p:txBody>
+      </p:sp>
+      <p:sp>
+        <p:nvSpPr>
+          <p:cNvPr id="41" name="Rounded Rectangle 40"/>
+          <p:cNvSpPr/>
+          <p:nvPr/>
+        </p:nvSpPr>
+        <p:spPr>
+          <a:xfrm>
+            <a:off x="1289304" y="5726578"/>
+            <a:ext cx="6625336" cy="391989"/>
+          </a:xfrm>
+          <a:prstGeom prst="roundRect">
+            <a:avLst/>
+          </a:prstGeom>
+          <a:noFill/>
+          <a:ln>
+            <a:solidFill>
+              <a:schemeClr val="tx1"/>
+            </a:solidFill>
+          </a:ln>
+        </p:spPr>
+        <p:style>
+          <a:lnRef idx="2">
+            <a:schemeClr val="accent1">
+              <a:shade val="50000"/>
+            </a:schemeClr>
+          </a:lnRef>
+          <a:fillRef idx="1">
+            <a:schemeClr val="accent1"/>
+          </a:fillRef>
+          <a:effectRef idx="0">
+            <a:schemeClr val="accent1"/>
+          </a:effectRef>
+          <a:fontRef idx="minor">
+            <a:schemeClr val="lt1"/>
+          </a:fontRef>
+        </p:style>
+        <p:txBody>
+          <a:bodyPr rtlCol="0" anchor="ctr"/>
+          <a:lstStyle/>
+          <a:p>
+            <a:pPr algn="ctr"/>
+            <a:endParaRPr lang="en-US"/>
+          </a:p>
+        </p:txBody>
+      </p:sp>
+      <p:pic>
+        <p:nvPicPr>
+          <p:cNvPr id="42" name="Picture 2" descr="mage result for smoothie"/>
+          <p:cNvPicPr>
+            <a:picLocks noChangeAspect="1" noChangeArrowheads="1"/>
+          </p:cNvPicPr>
+          <p:nvPr/>
+        </p:nvPicPr>
+        <p:blipFill>
+          <a:blip r:embed="rId2">
+            <a:extLst>
+              <a:ext uri="{BEBA8EAE-BF5A-486C-A8C5-ECC9F3942E4B}">
+                <a14:imgProps xmlns:a14="http://schemas.microsoft.com/office/drawing/2010/main">
+                  <a14:imgLayer r:embed="rId3">
+                    <a14:imgEffect>
+                      <a14:backgroundRemoval t="4215" b="91188" l="19375" r="88333">
+                        <a14:foregroundMark x1="30625" y1="6641" x2="40000" y2="27203"/>
+                        <a14:foregroundMark x1="32917" y1="80971" x2="65208" y2="81226"/>
+                        <a14:foregroundMark x1="33333" y1="84802" x2="65000" y2="84930"/>
+                        <a14:foregroundMark x1="39167" y1="87484" x2="60208" y2="87739"/>
+                        <a14:foregroundMark x1="41875" y1="88378" x2="52917" y2="88889"/>
+                        <a14:foregroundMark x1="39167" y1="87867" x2="41250" y2="88506"/>
+                        <a14:foregroundMark x1="65208" y1="84291" x2="65208" y2="84291"/>
+                        <a14:foregroundMark x1="37292" y1="87484" x2="37292" y2="87484"/>
+                        <a14:foregroundMark x1="64583" y1="85568" x2="64583" y2="85568"/>
+                        <a14:foregroundMark x1="28333" y1="30907" x2="31458" y2="28863"/>
+                        <a14:foregroundMark x1="28333" y1="29885" x2="28333" y2="29885"/>
+                        <a14:foregroundMark x1="32500" y1="5875" x2="42292" y2="28480"/>
+                        <a14:foregroundMark x1="28750" y1="6641" x2="39375" y2="29757"/>
+                        <a14:foregroundMark x1="33333" y1="28480" x2="48333" y2="28097"/>
+                      </a14:backgroundRemoval>
+                    </a14:imgEffect>
+                  </a14:imgLayer>
+                </a14:imgProps>
+              </a:ext>
+              <a:ext uri="{28A0092B-C50C-407E-A947-70E740481C1C}">
+                <a14:useLocalDpi xmlns:a14="http://schemas.microsoft.com/office/drawing/2010/main" val="0"/>
+              </a:ext>
+            </a:extLst>
+          </a:blip>
+          <a:srcRect/>
+          <a:stretch>
+            <a:fillRect/>
+          </a:stretch>
+        </p:blipFill>
+        <p:spPr bwMode="auto">
+          <a:xfrm>
+            <a:off x="9730151" y="2920130"/>
+            <a:ext cx="1457816" cy="2378062"/>
+          </a:xfrm>
+          <a:prstGeom prst="rect">
+            <a:avLst/>
+          </a:prstGeom>
+          <a:noFill/>
+          <a:extLst>
+            <a:ext uri="{909E8E84-426E-40DD-AFC4-6F175D3DCCD1}">
+              <a14:hiddenFill xmlns:a14="http://schemas.microsoft.com/office/drawing/2010/main">
+                <a:solidFill>
+                  <a:srgbClr val="FFFFFF"/>
+                </a:solidFill>
+              </a14:hiddenFill>
+            </a:ext>
+          </a:extLst>
+        </p:spPr>
+      </p:pic>
+    </p:spTree>
+    <p:extLst>
+      <p:ext uri="{BB962C8B-B14F-4D97-AF65-F5344CB8AC3E}">
+        <p14:creationId xmlns:p14="http://schemas.microsoft.com/office/powerpoint/2010/main" val="1549953558"/>
       </p:ext>
     </p:extLst>
   </p:cSld>
@@ -14336,6 +15757,1012 @@
 </p:sld>
 </file>
 
+<file path=ppt/slides/slide20.xml><?xml version="1.0" encoding="utf-8"?>
+<p:sld xmlns:a="http://schemas.openxmlformats.org/drawingml/2006/main" xmlns:r="http://schemas.openxmlformats.org/officeDocument/2006/relationships" xmlns:p="http://schemas.openxmlformats.org/presentationml/2006/main">
+  <p:cSld>
+    <p:spTree>
+      <p:nvGrpSpPr>
+        <p:cNvPr id="1" name=""/>
+        <p:cNvGrpSpPr/>
+        <p:nvPr/>
+      </p:nvGrpSpPr>
+      <p:grpSpPr>
+        <a:xfrm>
+          <a:off x="0" y="0"/>
+          <a:ext cx="0" cy="0"/>
+          <a:chOff x="0" y="0"/>
+          <a:chExt cx="0" cy="0"/>
+        </a:xfrm>
+      </p:grpSpPr>
+      <p:sp>
+        <p:nvSpPr>
+          <p:cNvPr id="2" name="Title 1"/>
+          <p:cNvSpPr>
+            <a:spLocks noGrp="1"/>
+          </p:cNvSpPr>
+          <p:nvPr>
+            <p:ph type="title"/>
+          </p:nvPr>
+        </p:nvSpPr>
+        <p:spPr>
+          <a:xfrm>
+            <a:off x="838200" y="-2428"/>
+            <a:ext cx="10515600" cy="1325563"/>
+          </a:xfrm>
+        </p:spPr>
+        <p:txBody>
+          <a:bodyPr/>
+          <a:lstStyle/>
+          <a:p>
+            <a:r>
+              <a:rPr lang="en-US" dirty="0" smtClean="0"/>
+              <a:t>Summary</a:t>
+            </a:r>
+            <a:endParaRPr lang="en-US" dirty="0"/>
+          </a:p>
+        </p:txBody>
+      </p:sp>
+      <p:sp>
+        <p:nvSpPr>
+          <p:cNvPr id="4" name="Rounded Rectangle 3"/>
+          <p:cNvSpPr/>
+          <p:nvPr/>
+        </p:nvSpPr>
+        <p:spPr>
+          <a:xfrm>
+            <a:off x="1326778" y="1497105"/>
+            <a:ext cx="1255059" cy="573741"/>
+          </a:xfrm>
+          <a:prstGeom prst="roundRect">
+            <a:avLst/>
+          </a:prstGeom>
+          <a:solidFill>
+            <a:schemeClr val="accent1"/>
+          </a:solidFill>
+        </p:spPr>
+        <p:style>
+          <a:lnRef idx="2">
+            <a:schemeClr val="accent1">
+              <a:shade val="50000"/>
+            </a:schemeClr>
+          </a:lnRef>
+          <a:fillRef idx="1">
+            <a:schemeClr val="accent1"/>
+          </a:fillRef>
+          <a:effectRef idx="0">
+            <a:schemeClr val="accent1"/>
+          </a:effectRef>
+          <a:fontRef idx="minor">
+            <a:schemeClr val="lt1"/>
+          </a:fontRef>
+        </p:style>
+        <p:txBody>
+          <a:bodyPr rtlCol="0" anchor="ctr"/>
+          <a:lstStyle/>
+          <a:p>
+            <a:pPr algn="ctr"/>
+            <a:r>
+              <a:rPr lang="en-US" smtClean="0"/>
+              <a:t>DNA</a:t>
+            </a:r>
+            <a:endParaRPr lang="en-US"/>
+          </a:p>
+        </p:txBody>
+      </p:sp>
+      <p:sp>
+        <p:nvSpPr>
+          <p:cNvPr id="5" name="Rounded Rectangle 4"/>
+          <p:cNvSpPr/>
+          <p:nvPr/>
+        </p:nvSpPr>
+        <p:spPr>
+          <a:xfrm>
+            <a:off x="4052049" y="1497105"/>
+            <a:ext cx="1255059" cy="573741"/>
+          </a:xfrm>
+          <a:prstGeom prst="roundRect">
+            <a:avLst/>
+          </a:prstGeom>
+          <a:solidFill>
+            <a:schemeClr val="accent4"/>
+          </a:solidFill>
+        </p:spPr>
+        <p:style>
+          <a:lnRef idx="2">
+            <a:schemeClr val="accent1">
+              <a:shade val="50000"/>
+            </a:schemeClr>
+          </a:lnRef>
+          <a:fillRef idx="1">
+            <a:schemeClr val="accent1"/>
+          </a:fillRef>
+          <a:effectRef idx="0">
+            <a:schemeClr val="accent1"/>
+          </a:effectRef>
+          <a:fontRef idx="minor">
+            <a:schemeClr val="lt1"/>
+          </a:fontRef>
+        </p:style>
+        <p:txBody>
+          <a:bodyPr rtlCol="0" anchor="ctr"/>
+          <a:lstStyle/>
+          <a:p>
+            <a:pPr algn="ctr"/>
+            <a:r>
+              <a:rPr lang="en-US" dirty="0" smtClean="0"/>
+              <a:t>RNA</a:t>
+            </a:r>
+            <a:endParaRPr lang="en-US" dirty="0"/>
+          </a:p>
+        </p:txBody>
+      </p:sp>
+      <p:sp>
+        <p:nvSpPr>
+          <p:cNvPr id="6" name="Rounded Rectangle 5"/>
+          <p:cNvSpPr/>
+          <p:nvPr/>
+        </p:nvSpPr>
+        <p:spPr>
+          <a:xfrm>
+            <a:off x="6777320" y="1497105"/>
+            <a:ext cx="1255059" cy="573741"/>
+          </a:xfrm>
+          <a:prstGeom prst="roundRect">
+            <a:avLst/>
+          </a:prstGeom>
+          <a:solidFill>
+            <a:schemeClr val="accent6"/>
+          </a:solidFill>
+        </p:spPr>
+        <p:style>
+          <a:lnRef idx="2">
+            <a:schemeClr val="accent1">
+              <a:shade val="50000"/>
+            </a:schemeClr>
+          </a:lnRef>
+          <a:fillRef idx="1">
+            <a:schemeClr val="accent1"/>
+          </a:fillRef>
+          <a:effectRef idx="0">
+            <a:schemeClr val="accent1"/>
+          </a:effectRef>
+          <a:fontRef idx="minor">
+            <a:schemeClr val="lt1"/>
+          </a:fontRef>
+        </p:style>
+        <p:txBody>
+          <a:bodyPr rtlCol="0" anchor="ctr"/>
+          <a:lstStyle/>
+          <a:p>
+            <a:pPr algn="ctr"/>
+            <a:r>
+              <a:rPr lang="en-US" dirty="0" smtClean="0"/>
+              <a:t>protein</a:t>
+            </a:r>
+            <a:endParaRPr lang="en-US" dirty="0"/>
+          </a:p>
+        </p:txBody>
+      </p:sp>
+      <p:cxnSp>
+        <p:nvCxnSpPr>
+          <p:cNvPr id="9" name="Straight Arrow Connector 8"/>
+          <p:cNvCxnSpPr>
+            <a:stCxn id="4" idx="3"/>
+            <a:endCxn id="5" idx="1"/>
+          </p:cNvCxnSpPr>
+          <p:nvPr/>
+        </p:nvCxnSpPr>
+        <p:spPr>
+          <a:xfrm>
+            <a:off x="2581837" y="1783976"/>
+            <a:ext cx="1470212" cy="0"/>
+          </a:xfrm>
+          <a:prstGeom prst="straightConnector1">
+            <a:avLst/>
+          </a:prstGeom>
+          <a:ln>
+            <a:solidFill>
+              <a:schemeClr val="tx1"/>
+            </a:solidFill>
+            <a:tailEnd type="triangle"/>
+          </a:ln>
+        </p:spPr>
+        <p:style>
+          <a:lnRef idx="1">
+            <a:schemeClr val="accent1"/>
+          </a:lnRef>
+          <a:fillRef idx="0">
+            <a:schemeClr val="accent1"/>
+          </a:fillRef>
+          <a:effectRef idx="0">
+            <a:schemeClr val="accent1"/>
+          </a:effectRef>
+          <a:fontRef idx="minor">
+            <a:schemeClr val="tx1"/>
+          </a:fontRef>
+        </p:style>
+      </p:cxnSp>
+      <p:cxnSp>
+        <p:nvCxnSpPr>
+          <p:cNvPr id="10" name="Straight Arrow Connector 9"/>
+          <p:cNvCxnSpPr>
+            <a:stCxn id="5" idx="3"/>
+            <a:endCxn id="6" idx="1"/>
+          </p:cNvCxnSpPr>
+          <p:nvPr/>
+        </p:nvCxnSpPr>
+        <p:spPr>
+          <a:xfrm>
+            <a:off x="5307108" y="1783976"/>
+            <a:ext cx="1470212" cy="0"/>
+          </a:xfrm>
+          <a:prstGeom prst="straightConnector1">
+            <a:avLst/>
+          </a:prstGeom>
+          <a:ln>
+            <a:solidFill>
+              <a:schemeClr val="tx1"/>
+            </a:solidFill>
+            <a:tailEnd type="triangle"/>
+          </a:ln>
+        </p:spPr>
+        <p:style>
+          <a:lnRef idx="1">
+            <a:schemeClr val="accent1"/>
+          </a:lnRef>
+          <a:fillRef idx="0">
+            <a:schemeClr val="accent1"/>
+          </a:fillRef>
+          <a:effectRef idx="0">
+            <a:schemeClr val="accent1"/>
+          </a:effectRef>
+          <a:fontRef idx="minor">
+            <a:schemeClr val="tx1"/>
+          </a:fontRef>
+        </p:style>
+      </p:cxnSp>
+      <p:sp>
+        <p:nvSpPr>
+          <p:cNvPr id="8" name="Rounded Rectangle 7"/>
+          <p:cNvSpPr/>
+          <p:nvPr/>
+        </p:nvSpPr>
+        <p:spPr>
+          <a:xfrm>
+            <a:off x="9502591" y="1497105"/>
+            <a:ext cx="1255059" cy="573741"/>
+          </a:xfrm>
+          <a:prstGeom prst="roundRect">
+            <a:avLst/>
+          </a:prstGeom>
+          <a:solidFill>
+            <a:schemeClr val="accent2"/>
+          </a:solidFill>
+        </p:spPr>
+        <p:style>
+          <a:lnRef idx="2">
+            <a:schemeClr val="accent1">
+              <a:shade val="50000"/>
+            </a:schemeClr>
+          </a:lnRef>
+          <a:fillRef idx="1">
+            <a:schemeClr val="accent1"/>
+          </a:fillRef>
+          <a:effectRef idx="0">
+            <a:schemeClr val="accent1"/>
+          </a:effectRef>
+          <a:fontRef idx="minor">
+            <a:schemeClr val="lt1"/>
+          </a:fontRef>
+        </p:style>
+        <p:txBody>
+          <a:bodyPr rtlCol="0" anchor="ctr"/>
+          <a:lstStyle/>
+          <a:p>
+            <a:pPr algn="ctr"/>
+            <a:r>
+              <a:rPr lang="en-US" dirty="0" smtClean="0"/>
+              <a:t>phenotype</a:t>
+            </a:r>
+            <a:endParaRPr lang="en-US" dirty="0"/>
+          </a:p>
+        </p:txBody>
+      </p:sp>
+      <p:cxnSp>
+        <p:nvCxnSpPr>
+          <p:cNvPr id="11" name="Straight Arrow Connector 10"/>
+          <p:cNvCxnSpPr/>
+          <p:nvPr/>
+        </p:nvCxnSpPr>
+        <p:spPr>
+          <a:xfrm>
+            <a:off x="8032379" y="1783976"/>
+            <a:ext cx="1470212" cy="0"/>
+          </a:xfrm>
+          <a:prstGeom prst="straightConnector1">
+            <a:avLst/>
+          </a:prstGeom>
+          <a:ln>
+            <a:solidFill>
+              <a:schemeClr val="tx1"/>
+            </a:solidFill>
+            <a:tailEnd type="triangle"/>
+          </a:ln>
+        </p:spPr>
+        <p:style>
+          <a:lnRef idx="1">
+            <a:schemeClr val="accent1"/>
+          </a:lnRef>
+          <a:fillRef idx="0">
+            <a:schemeClr val="accent1"/>
+          </a:fillRef>
+          <a:effectRef idx="0">
+            <a:schemeClr val="accent1"/>
+          </a:effectRef>
+          <a:fontRef idx="minor">
+            <a:schemeClr val="tx1"/>
+          </a:fontRef>
+        </p:style>
+      </p:cxnSp>
+      <p:sp>
+        <p:nvSpPr>
+          <p:cNvPr id="12" name="Rectangle 11"/>
+          <p:cNvSpPr/>
+          <p:nvPr/>
+        </p:nvSpPr>
+        <p:spPr>
+          <a:xfrm>
+            <a:off x="1138517" y="1147481"/>
+            <a:ext cx="10022541" cy="1416423"/>
+          </a:xfrm>
+          <a:prstGeom prst="rect">
+            <a:avLst/>
+          </a:prstGeom>
+          <a:noFill/>
+          <a:ln>
+            <a:solidFill>
+              <a:schemeClr val="tx1"/>
+            </a:solidFill>
+          </a:ln>
+        </p:spPr>
+        <p:style>
+          <a:lnRef idx="2">
+            <a:schemeClr val="accent1">
+              <a:shade val="50000"/>
+            </a:schemeClr>
+          </a:lnRef>
+          <a:fillRef idx="1">
+            <a:schemeClr val="accent1"/>
+          </a:fillRef>
+          <a:effectRef idx="0">
+            <a:schemeClr val="accent1"/>
+          </a:effectRef>
+          <a:fontRef idx="minor">
+            <a:schemeClr val="lt1"/>
+          </a:fontRef>
+        </p:style>
+        <p:txBody>
+          <a:bodyPr rtlCol="0" anchor="ctr"/>
+          <a:lstStyle/>
+          <a:p>
+            <a:pPr algn="ctr"/>
+            <a:endParaRPr lang="en-US"/>
+          </a:p>
+        </p:txBody>
+      </p:sp>
+      <p:sp>
+        <p:nvSpPr>
+          <p:cNvPr id="13" name="TextBox 12"/>
+          <p:cNvSpPr txBox="1"/>
+          <p:nvPr/>
+        </p:nvSpPr>
+        <p:spPr>
+          <a:xfrm>
+            <a:off x="10251561" y="2230433"/>
+            <a:ext cx="949299" cy="369332"/>
+          </a:xfrm>
+          <a:prstGeom prst="rect">
+            <a:avLst/>
+          </a:prstGeom>
+          <a:noFill/>
+        </p:spPr>
+        <p:txBody>
+          <a:bodyPr wrap="none" rtlCol="0">
+            <a:spAutoFit/>
+          </a:bodyPr>
+          <a:lstStyle/>
+          <a:p>
+            <a:pPr algn="r"/>
+            <a:r>
+              <a:rPr lang="en-US" dirty="0"/>
+              <a:t>#people</a:t>
+            </a:r>
+            <a:endParaRPr lang="en-US" dirty="0"/>
+          </a:p>
+        </p:txBody>
+      </p:sp>
+      <p:grpSp>
+        <p:nvGrpSpPr>
+          <p:cNvPr id="15" name="Group 14"/>
+          <p:cNvGrpSpPr/>
+          <p:nvPr/>
+        </p:nvGrpSpPr>
+        <p:grpSpPr>
+          <a:xfrm>
+            <a:off x="3792072" y="1290916"/>
+            <a:ext cx="4709769" cy="1098277"/>
+            <a:chOff x="3792072" y="1828802"/>
+            <a:chExt cx="4709769" cy="1423789"/>
+          </a:xfrm>
+        </p:grpSpPr>
+        <p:sp>
+          <p:nvSpPr>
+            <p:cNvPr id="3" name="Rectangle 2"/>
+            <p:cNvSpPr/>
+            <p:nvPr/>
+          </p:nvSpPr>
+          <p:spPr>
+            <a:xfrm>
+              <a:off x="3792072" y="1828802"/>
+              <a:ext cx="4652682" cy="1398494"/>
+            </a:xfrm>
+            <a:prstGeom prst="rect">
+              <a:avLst/>
+            </a:prstGeom>
+            <a:noFill/>
+            <a:ln>
+              <a:solidFill>
+                <a:schemeClr val="tx1"/>
+              </a:solidFill>
+            </a:ln>
+          </p:spPr>
+          <p:style>
+            <a:lnRef idx="2">
+              <a:schemeClr val="accent1">
+                <a:shade val="50000"/>
+              </a:schemeClr>
+            </a:lnRef>
+            <a:fillRef idx="1">
+              <a:schemeClr val="accent1"/>
+            </a:fillRef>
+            <a:effectRef idx="0">
+              <a:schemeClr val="accent1"/>
+            </a:effectRef>
+            <a:fontRef idx="minor">
+              <a:schemeClr val="lt1"/>
+            </a:fontRef>
+          </p:style>
+          <p:txBody>
+            <a:bodyPr rtlCol="0" anchor="ctr"/>
+            <a:lstStyle/>
+            <a:p>
+              <a:pPr algn="ctr"/>
+              <a:endParaRPr lang="en-US"/>
+            </a:p>
+          </p:txBody>
+        </p:sp>
+        <p:sp>
+          <p:nvSpPr>
+            <p:cNvPr id="14" name="TextBox 13"/>
+            <p:cNvSpPr txBox="1"/>
+            <p:nvPr/>
+          </p:nvSpPr>
+          <p:spPr>
+            <a:xfrm>
+              <a:off x="7781366" y="2773795"/>
+              <a:ext cx="720475" cy="478796"/>
+            </a:xfrm>
+            <a:prstGeom prst="rect">
+              <a:avLst/>
+            </a:prstGeom>
+            <a:noFill/>
+          </p:spPr>
+          <p:txBody>
+            <a:bodyPr wrap="square" rtlCol="0" anchor="ctr">
+              <a:spAutoFit/>
+            </a:bodyPr>
+            <a:lstStyle/>
+            <a:p>
+              <a:pPr algn="r"/>
+              <a:r>
+                <a:rPr lang="en-US" dirty="0" smtClean="0"/>
+                <a:t>#cells</a:t>
+              </a:r>
+              <a:endParaRPr lang="en-US" dirty="0"/>
+            </a:p>
+          </p:txBody>
+        </p:sp>
+      </p:grpSp>
+      <p:sp>
+        <p:nvSpPr>
+          <p:cNvPr id="25" name="Rectangle 24"/>
+          <p:cNvSpPr/>
+          <p:nvPr/>
+        </p:nvSpPr>
+        <p:spPr>
+          <a:xfrm>
+            <a:off x="5726063" y="3694861"/>
+            <a:ext cx="377201" cy="2181401"/>
+          </a:xfrm>
+          <a:prstGeom prst="rect">
+            <a:avLst/>
+          </a:prstGeom>
+          <a:solidFill>
+            <a:schemeClr val="accent2"/>
+          </a:solidFill>
+        </p:spPr>
+        <p:style>
+          <a:lnRef idx="2">
+            <a:schemeClr val="accent1">
+              <a:shade val="50000"/>
+            </a:schemeClr>
+          </a:lnRef>
+          <a:fillRef idx="1">
+            <a:schemeClr val="accent1"/>
+          </a:fillRef>
+          <a:effectRef idx="0">
+            <a:schemeClr val="accent1"/>
+          </a:effectRef>
+          <a:fontRef idx="minor">
+            <a:schemeClr val="lt1"/>
+          </a:fontRef>
+        </p:style>
+        <p:txBody>
+          <a:bodyPr rtlCol="0" anchor="ctr"/>
+          <a:lstStyle/>
+          <a:p>
+            <a:pPr algn="ctr"/>
+            <a:endParaRPr lang="en-US" dirty="0"/>
+          </a:p>
+        </p:txBody>
+      </p:sp>
+      <p:sp>
+        <p:nvSpPr>
+          <p:cNvPr id="27" name="Rectangle 26"/>
+          <p:cNvSpPr/>
+          <p:nvPr/>
+        </p:nvSpPr>
+        <p:spPr>
+          <a:xfrm>
+            <a:off x="1992768" y="3694861"/>
+            <a:ext cx="3482967" cy="2181401"/>
+          </a:xfrm>
+          <a:prstGeom prst="rect">
+            <a:avLst/>
+          </a:prstGeom>
+        </p:spPr>
+        <p:style>
+          <a:lnRef idx="2">
+            <a:schemeClr val="accent1">
+              <a:shade val="50000"/>
+            </a:schemeClr>
+          </a:lnRef>
+          <a:fillRef idx="1">
+            <a:schemeClr val="accent1"/>
+          </a:fillRef>
+          <a:effectRef idx="0">
+            <a:schemeClr val="accent1"/>
+          </a:effectRef>
+          <a:fontRef idx="minor">
+            <a:schemeClr val="lt1"/>
+          </a:fontRef>
+        </p:style>
+        <p:txBody>
+          <a:bodyPr rtlCol="0" anchor="ctr"/>
+          <a:lstStyle/>
+          <a:p>
+            <a:pPr algn="ctr"/>
+            <a:r>
+              <a:rPr lang="en-US" sz="2800" dirty="0" smtClean="0"/>
+              <a:t>genotype matrix</a:t>
+            </a:r>
+            <a:endParaRPr lang="en-US" sz="2800" dirty="0"/>
+          </a:p>
+        </p:txBody>
+      </p:sp>
+      <p:sp>
+        <p:nvSpPr>
+          <p:cNvPr id="28" name="TextBox 27"/>
+          <p:cNvSpPr txBox="1"/>
+          <p:nvPr/>
+        </p:nvSpPr>
+        <p:spPr>
+          <a:xfrm rot="16200000">
+            <a:off x="639487" y="4546571"/>
+            <a:ext cx="2238113" cy="430887"/>
+          </a:xfrm>
+          <a:prstGeom prst="rect">
+            <a:avLst/>
+          </a:prstGeom>
+          <a:noFill/>
+        </p:spPr>
+        <p:txBody>
+          <a:bodyPr wrap="none" rtlCol="0">
+            <a:spAutoFit/>
+          </a:bodyPr>
+          <a:lstStyle/>
+          <a:p>
+            <a:pPr algn="ctr"/>
+            <a:r>
+              <a:rPr lang="en-US" sz="2200" dirty="0"/>
+              <a:t>p</a:t>
+            </a:r>
+            <a:r>
+              <a:rPr lang="en-US" sz="2200" dirty="0" smtClean="0"/>
+              <a:t>eople (10</a:t>
+            </a:r>
+            <a:r>
+              <a:rPr lang="en-US" sz="2200" baseline="30000" dirty="0" smtClean="0"/>
+              <a:t>4</a:t>
+            </a:r>
+            <a:r>
+              <a:rPr lang="en-US" sz="2200" dirty="0" smtClean="0"/>
+              <a:t> </a:t>
+            </a:r>
+            <a:r>
+              <a:rPr lang="mr-IN" sz="2200" dirty="0" smtClean="0"/>
+              <a:t>–</a:t>
+            </a:r>
+            <a:r>
+              <a:rPr lang="en-US" sz="2200" dirty="0" smtClean="0"/>
+              <a:t> 10</a:t>
+            </a:r>
+            <a:r>
+              <a:rPr lang="en-US" sz="2200" baseline="30000" dirty="0" smtClean="0"/>
+              <a:t>5</a:t>
+            </a:r>
+            <a:r>
+              <a:rPr lang="en-US" sz="2200" dirty="0" smtClean="0"/>
+              <a:t>)</a:t>
+            </a:r>
+            <a:endParaRPr lang="en-US" sz="2200" dirty="0"/>
+          </a:p>
+        </p:txBody>
+      </p:sp>
+      <p:sp>
+        <p:nvSpPr>
+          <p:cNvPr id="32" name="TextBox 31"/>
+          <p:cNvSpPr txBox="1"/>
+          <p:nvPr/>
+        </p:nvSpPr>
+        <p:spPr>
+          <a:xfrm>
+            <a:off x="1992769" y="3278464"/>
+            <a:ext cx="3482966" cy="430887"/>
+          </a:xfrm>
+          <a:prstGeom prst="rect">
+            <a:avLst/>
+          </a:prstGeom>
+          <a:noFill/>
+        </p:spPr>
+        <p:txBody>
+          <a:bodyPr wrap="square" rtlCol="0">
+            <a:spAutoFit/>
+          </a:bodyPr>
+          <a:lstStyle/>
+          <a:p>
+            <a:pPr algn="ctr"/>
+            <a:r>
+              <a:rPr lang="en-US" sz="2200" dirty="0" smtClean="0"/>
+              <a:t>SNPs (10</a:t>
+            </a:r>
+            <a:r>
+              <a:rPr lang="en-US" sz="2200" baseline="30000" dirty="0" smtClean="0"/>
+              <a:t>6</a:t>
+            </a:r>
+            <a:r>
+              <a:rPr lang="en-US" sz="2200" dirty="0" smtClean="0"/>
+              <a:t> </a:t>
+            </a:r>
+            <a:r>
+              <a:rPr lang="mr-IN" sz="2200" dirty="0" smtClean="0"/>
+              <a:t>–</a:t>
+            </a:r>
+            <a:r>
+              <a:rPr lang="en-US" sz="2200" dirty="0" smtClean="0"/>
+              <a:t> 10</a:t>
+            </a:r>
+            <a:r>
+              <a:rPr lang="en-US" sz="2200" baseline="30000" dirty="0" smtClean="0"/>
+              <a:t>7</a:t>
+            </a:r>
+            <a:r>
+              <a:rPr lang="en-US" sz="2200" dirty="0" smtClean="0"/>
+              <a:t>)</a:t>
+            </a:r>
+            <a:endParaRPr lang="en-US" sz="2200" dirty="0"/>
+          </a:p>
+        </p:txBody>
+      </p:sp>
+      <p:sp>
+        <p:nvSpPr>
+          <p:cNvPr id="40" name="Rectangle 39"/>
+          <p:cNvSpPr/>
+          <p:nvPr/>
+        </p:nvSpPr>
+        <p:spPr>
+          <a:xfrm>
+            <a:off x="7437239" y="3311768"/>
+            <a:ext cx="2609586" cy="959062"/>
+          </a:xfrm>
+          <a:prstGeom prst="rect">
+            <a:avLst/>
+          </a:prstGeom>
+          <a:solidFill>
+            <a:schemeClr val="accent4"/>
+          </a:solidFill>
+        </p:spPr>
+        <p:style>
+          <a:lnRef idx="2">
+            <a:schemeClr val="accent1">
+              <a:shade val="50000"/>
+            </a:schemeClr>
+          </a:lnRef>
+          <a:fillRef idx="1">
+            <a:schemeClr val="accent1"/>
+          </a:fillRef>
+          <a:effectRef idx="0">
+            <a:schemeClr val="accent1"/>
+          </a:effectRef>
+          <a:fontRef idx="minor">
+            <a:schemeClr val="lt1"/>
+          </a:fontRef>
+        </p:style>
+        <p:txBody>
+          <a:bodyPr rtlCol="0" anchor="ctr"/>
+          <a:lstStyle/>
+          <a:p>
+            <a:pPr algn="ctr"/>
+            <a:r>
+              <a:rPr lang="en-US" sz="2800" dirty="0" smtClean="0"/>
+              <a:t>bulk RNA sequencing</a:t>
+            </a:r>
+            <a:endParaRPr lang="en-US" sz="2800" dirty="0"/>
+          </a:p>
+        </p:txBody>
+      </p:sp>
+      <p:sp>
+        <p:nvSpPr>
+          <p:cNvPr id="41" name="TextBox 40"/>
+          <p:cNvSpPr txBox="1"/>
+          <p:nvPr/>
+        </p:nvSpPr>
+        <p:spPr>
+          <a:xfrm>
+            <a:off x="7937930" y="2880880"/>
+            <a:ext cx="1469985" cy="430887"/>
+          </a:xfrm>
+          <a:prstGeom prst="rect">
+            <a:avLst/>
+          </a:prstGeom>
+          <a:noFill/>
+        </p:spPr>
+        <p:txBody>
+          <a:bodyPr wrap="square" rtlCol="0">
+            <a:spAutoFit/>
+          </a:bodyPr>
+          <a:lstStyle/>
+          <a:p>
+            <a:pPr algn="ctr"/>
+            <a:r>
+              <a:rPr lang="en-US" sz="2200" dirty="0" smtClean="0"/>
+              <a:t>genes (</a:t>
+            </a:r>
+            <a:r>
+              <a:rPr lang="en-US" sz="2200" dirty="0" smtClean="0"/>
+              <a:t>10</a:t>
+            </a:r>
+            <a:r>
+              <a:rPr lang="en-US" sz="2200" baseline="30000" dirty="0"/>
+              <a:t>4</a:t>
+            </a:r>
+            <a:r>
+              <a:rPr lang="en-US" sz="2200" dirty="0" smtClean="0"/>
+              <a:t>)</a:t>
+            </a:r>
+            <a:endParaRPr lang="en-US" sz="2200" dirty="0"/>
+          </a:p>
+        </p:txBody>
+      </p:sp>
+      <p:sp>
+        <p:nvSpPr>
+          <p:cNvPr id="42" name="TextBox 41"/>
+          <p:cNvSpPr txBox="1"/>
+          <p:nvPr/>
+        </p:nvSpPr>
+        <p:spPr>
+          <a:xfrm rot="16200000">
+            <a:off x="6374399" y="3596894"/>
+            <a:ext cx="1588897" cy="430887"/>
+          </a:xfrm>
+          <a:prstGeom prst="rect">
+            <a:avLst/>
+          </a:prstGeom>
+          <a:noFill/>
+        </p:spPr>
+        <p:txBody>
+          <a:bodyPr wrap="none" rtlCol="0">
+            <a:spAutoFit/>
+          </a:bodyPr>
+          <a:lstStyle/>
+          <a:p>
+            <a:pPr algn="ctr"/>
+            <a:r>
+              <a:rPr lang="en-US" sz="2200" dirty="0"/>
+              <a:t>p</a:t>
+            </a:r>
+            <a:r>
+              <a:rPr lang="en-US" sz="2200" dirty="0" smtClean="0"/>
+              <a:t>eople (10</a:t>
+            </a:r>
+            <a:r>
+              <a:rPr lang="en-US" sz="2200" baseline="30000" dirty="0" smtClean="0"/>
+              <a:t>2</a:t>
+            </a:r>
+            <a:r>
+              <a:rPr lang="en-US" sz="2200" dirty="0" smtClean="0"/>
+              <a:t>)</a:t>
+            </a:r>
+            <a:endParaRPr lang="en-US" sz="2200" dirty="0"/>
+          </a:p>
+        </p:txBody>
+      </p:sp>
+      <p:sp>
+        <p:nvSpPr>
+          <p:cNvPr id="43" name="Rectangle 42"/>
+          <p:cNvSpPr/>
+          <p:nvPr/>
+        </p:nvSpPr>
+        <p:spPr>
+          <a:xfrm>
+            <a:off x="7437239" y="4982832"/>
+            <a:ext cx="2609586" cy="1614738"/>
+          </a:xfrm>
+          <a:prstGeom prst="rect">
+            <a:avLst/>
+          </a:prstGeom>
+          <a:solidFill>
+            <a:schemeClr val="accent4"/>
+          </a:solidFill>
+        </p:spPr>
+        <p:style>
+          <a:lnRef idx="2">
+            <a:schemeClr val="accent1">
+              <a:shade val="50000"/>
+            </a:schemeClr>
+          </a:lnRef>
+          <a:fillRef idx="1">
+            <a:schemeClr val="accent1"/>
+          </a:fillRef>
+          <a:effectRef idx="0">
+            <a:schemeClr val="accent1"/>
+          </a:effectRef>
+          <a:fontRef idx="minor">
+            <a:schemeClr val="lt1"/>
+          </a:fontRef>
+        </p:style>
+        <p:txBody>
+          <a:bodyPr rtlCol="0" anchor="ctr"/>
+          <a:lstStyle/>
+          <a:p>
+            <a:pPr algn="ctr"/>
+            <a:r>
+              <a:rPr lang="en-US" sz="2800" dirty="0" smtClean="0"/>
+              <a:t>single-cell RNA sequencing</a:t>
+            </a:r>
+          </a:p>
+          <a:p>
+            <a:pPr algn="ctr"/>
+            <a:r>
+              <a:rPr lang="en-US" sz="2800" dirty="0" smtClean="0"/>
+              <a:t>(per individual)</a:t>
+            </a:r>
+            <a:endParaRPr lang="en-US" sz="2800" dirty="0"/>
+          </a:p>
+        </p:txBody>
+      </p:sp>
+      <p:sp>
+        <p:nvSpPr>
+          <p:cNvPr id="45" name="TextBox 44"/>
+          <p:cNvSpPr txBox="1"/>
+          <p:nvPr/>
+        </p:nvSpPr>
+        <p:spPr>
+          <a:xfrm rot="16200000">
+            <a:off x="6520272" y="5623680"/>
+            <a:ext cx="1297150" cy="430887"/>
+          </a:xfrm>
+          <a:prstGeom prst="rect">
+            <a:avLst/>
+          </a:prstGeom>
+          <a:noFill/>
+        </p:spPr>
+        <p:txBody>
+          <a:bodyPr wrap="none" rtlCol="0">
+            <a:spAutoFit/>
+          </a:bodyPr>
+          <a:lstStyle/>
+          <a:p>
+            <a:pPr algn="ctr"/>
+            <a:r>
+              <a:rPr lang="en-US" sz="2200" dirty="0" smtClean="0"/>
+              <a:t>cells (10</a:t>
+            </a:r>
+            <a:r>
+              <a:rPr lang="en-US" sz="2200" baseline="30000" dirty="0" smtClean="0"/>
+              <a:t>3</a:t>
+            </a:r>
+            <a:r>
+              <a:rPr lang="en-US" sz="2200" dirty="0" smtClean="0"/>
+              <a:t>)</a:t>
+            </a:r>
+            <a:endParaRPr lang="en-US" sz="2200" dirty="0"/>
+          </a:p>
+        </p:txBody>
+      </p:sp>
+      <p:sp>
+        <p:nvSpPr>
+          <p:cNvPr id="46" name="Rectangle 45"/>
+          <p:cNvSpPr/>
+          <p:nvPr/>
+        </p:nvSpPr>
+        <p:spPr>
+          <a:xfrm>
+            <a:off x="10266550" y="3311767"/>
+            <a:ext cx="377201" cy="959063"/>
+          </a:xfrm>
+          <a:prstGeom prst="rect">
+            <a:avLst/>
+          </a:prstGeom>
+          <a:solidFill>
+            <a:schemeClr val="accent2"/>
+          </a:solidFill>
+        </p:spPr>
+        <p:style>
+          <a:lnRef idx="2">
+            <a:schemeClr val="accent1">
+              <a:shade val="50000"/>
+            </a:schemeClr>
+          </a:lnRef>
+          <a:fillRef idx="1">
+            <a:schemeClr val="accent1"/>
+          </a:fillRef>
+          <a:effectRef idx="0">
+            <a:schemeClr val="accent1"/>
+          </a:effectRef>
+          <a:fontRef idx="minor">
+            <a:schemeClr val="lt1"/>
+          </a:fontRef>
+        </p:style>
+        <p:txBody>
+          <a:bodyPr rtlCol="0" anchor="ctr"/>
+          <a:lstStyle/>
+          <a:p>
+            <a:pPr algn="ctr"/>
+            <a:endParaRPr lang="en-US" dirty="0"/>
+          </a:p>
+        </p:txBody>
+      </p:sp>
+    </p:spTree>
+    <p:extLst>
+      <p:ext uri="{BB962C8B-B14F-4D97-AF65-F5344CB8AC3E}">
+        <p14:creationId xmlns:p14="http://schemas.microsoft.com/office/powerpoint/2010/main" val="1350237153"/>
+      </p:ext>
+    </p:extLst>
+  </p:cSld>
+  <p:clrMapOvr>
+    <a:masterClrMapping/>
+  </p:clrMapOvr>
+  <p:timing>
+    <p:tnLst>
+      <p:par>
+        <p:cTn id="1" dur="indefinite" restart="never" nodeType="tmRoot"/>
+      </p:par>
+    </p:tnLst>
+  </p:timing>
+</p:sld>
+</file>
+
 <file path=ppt/slides/slide3.xml><?xml version="1.0" encoding="utf-8"?>
 <p:sld xmlns:a="http://schemas.openxmlformats.org/drawingml/2006/main" xmlns:r="http://schemas.openxmlformats.org/officeDocument/2006/relationships" xmlns:p="http://schemas.openxmlformats.org/presentationml/2006/main">
   <p:cSld>
